--- a/1008.pptx
+++ b/1008.pptx
@@ -12,6 +12,8 @@
     <p:sldId id="261" r:id="rId6"/>
     <p:sldId id="256" r:id="rId7"/>
     <p:sldId id="262" r:id="rId8"/>
+    <p:sldId id="264" r:id="rId9"/>
+    <p:sldId id="263" r:id="rId10"/>
   </p:sldIdLst>
   <p:sldSz cx="12192000" cy="6858000"/>
   <p:notesSz cx="6858000" cy="9144000"/>
@@ -110,6 +112,28 @@
       </a:defRPr>
     </a:lvl9pPr>
   </p:defaultTextStyle>
+  <p:extLst>
+    <p:ext uri="{521415D9-36F7-43E2-AB2F-B90AF26B5E84}">
+      <p14:sectionLst xmlns:p14="http://schemas.microsoft.com/office/powerpoint/2010/main">
+        <p14:section name="預設章節" id="{395F6CFB-47E5-4CF6-89DB-95806B5D8D08}">
+          <p14:sldIdLst>
+            <p14:sldId id="257"/>
+            <p14:sldId id="260"/>
+            <p14:sldId id="258"/>
+            <p14:sldId id="259"/>
+            <p14:sldId id="261"/>
+            <p14:sldId id="256"/>
+            <p14:sldId id="262"/>
+            <p14:sldId id="264"/>
+            <p14:sldId id="263"/>
+          </p14:sldIdLst>
+        </p14:section>
+      </p14:sectionLst>
+    </p:ext>
+    <p:ext uri="{EFAFB233-063F-42B5-8137-9DF3F51BA10A}">
+      <p15:sldGuideLst xmlns:p15="http://schemas.microsoft.com/office/powerpoint/2012/main"/>
+    </p:ext>
+  </p:extLst>
 </p:presentation>
 </file>
 
@@ -7696,7 +7720,7 @@
           <a:p>
             <a:fld id="{A38B5D3B-4065-40E6-A1E4-C367873C67F7}" type="datetimeFigureOut">
               <a:rPr lang="zh-TW" altLang="en-US" smtClean="0"/>
-              <a:t>2024/10/8</a:t>
+              <a:t>2024/10/13</a:t>
             </a:fld>
             <a:endParaRPr lang="zh-TW" altLang="en-US"/>
           </a:p>
@@ -7894,7 +7918,7 @@
           <a:p>
             <a:fld id="{A38B5D3B-4065-40E6-A1E4-C367873C67F7}" type="datetimeFigureOut">
               <a:rPr lang="zh-TW" altLang="en-US" smtClean="0"/>
-              <a:t>2024/10/8</a:t>
+              <a:t>2024/10/13</a:t>
             </a:fld>
             <a:endParaRPr lang="zh-TW" altLang="en-US"/>
           </a:p>
@@ -8102,7 +8126,7 @@
           <a:p>
             <a:fld id="{A38B5D3B-4065-40E6-A1E4-C367873C67F7}" type="datetimeFigureOut">
               <a:rPr lang="zh-TW" altLang="en-US" smtClean="0"/>
-              <a:t>2024/10/8</a:t>
+              <a:t>2024/10/13</a:t>
             </a:fld>
             <a:endParaRPr lang="zh-TW" altLang="en-US"/>
           </a:p>
@@ -8300,7 +8324,7 @@
           <a:p>
             <a:fld id="{A38B5D3B-4065-40E6-A1E4-C367873C67F7}" type="datetimeFigureOut">
               <a:rPr lang="zh-TW" altLang="en-US" smtClean="0"/>
-              <a:t>2024/10/8</a:t>
+              <a:t>2024/10/13</a:t>
             </a:fld>
             <a:endParaRPr lang="zh-TW" altLang="en-US"/>
           </a:p>
@@ -8575,7 +8599,7 @@
           <a:p>
             <a:fld id="{A38B5D3B-4065-40E6-A1E4-C367873C67F7}" type="datetimeFigureOut">
               <a:rPr lang="zh-TW" altLang="en-US" smtClean="0"/>
-              <a:t>2024/10/8</a:t>
+              <a:t>2024/10/13</a:t>
             </a:fld>
             <a:endParaRPr lang="zh-TW" altLang="en-US"/>
           </a:p>
@@ -8840,7 +8864,7 @@
           <a:p>
             <a:fld id="{A38B5D3B-4065-40E6-A1E4-C367873C67F7}" type="datetimeFigureOut">
               <a:rPr lang="zh-TW" altLang="en-US" smtClean="0"/>
-              <a:t>2024/10/8</a:t>
+              <a:t>2024/10/13</a:t>
             </a:fld>
             <a:endParaRPr lang="zh-TW" altLang="en-US"/>
           </a:p>
@@ -9252,7 +9276,7 @@
           <a:p>
             <a:fld id="{A38B5D3B-4065-40E6-A1E4-C367873C67F7}" type="datetimeFigureOut">
               <a:rPr lang="zh-TW" altLang="en-US" smtClean="0"/>
-              <a:t>2024/10/8</a:t>
+              <a:t>2024/10/13</a:t>
             </a:fld>
             <a:endParaRPr lang="zh-TW" altLang="en-US"/>
           </a:p>
@@ -9393,7 +9417,7 @@
           <a:p>
             <a:fld id="{A38B5D3B-4065-40E6-A1E4-C367873C67F7}" type="datetimeFigureOut">
               <a:rPr lang="zh-TW" altLang="en-US" smtClean="0"/>
-              <a:t>2024/10/8</a:t>
+              <a:t>2024/10/13</a:t>
             </a:fld>
             <a:endParaRPr lang="zh-TW" altLang="en-US"/>
           </a:p>
@@ -9506,7 +9530,7 @@
           <a:p>
             <a:fld id="{A38B5D3B-4065-40E6-A1E4-C367873C67F7}" type="datetimeFigureOut">
               <a:rPr lang="zh-TW" altLang="en-US" smtClean="0"/>
-              <a:t>2024/10/8</a:t>
+              <a:t>2024/10/13</a:t>
             </a:fld>
             <a:endParaRPr lang="zh-TW" altLang="en-US"/>
           </a:p>
@@ -9817,7 +9841,7 @@
           <a:p>
             <a:fld id="{A38B5D3B-4065-40E6-A1E4-C367873C67F7}" type="datetimeFigureOut">
               <a:rPr lang="zh-TW" altLang="en-US" smtClean="0"/>
-              <a:t>2024/10/8</a:t>
+              <a:t>2024/10/13</a:t>
             </a:fld>
             <a:endParaRPr lang="zh-TW" altLang="en-US"/>
           </a:p>
@@ -10105,7 +10129,7 @@
           <a:p>
             <a:fld id="{A38B5D3B-4065-40E6-A1E4-C367873C67F7}" type="datetimeFigureOut">
               <a:rPr lang="zh-TW" altLang="en-US" smtClean="0"/>
-              <a:t>2024/10/8</a:t>
+              <a:t>2024/10/13</a:t>
             </a:fld>
             <a:endParaRPr lang="zh-TW" altLang="en-US"/>
           </a:p>
@@ -10346,7 +10370,7 @@
           <a:p>
             <a:fld id="{A38B5D3B-4065-40E6-A1E4-C367873C67F7}" type="datetimeFigureOut">
               <a:rPr lang="zh-TW" altLang="en-US" smtClean="0"/>
-              <a:t>2024/10/8</a:t>
+              <a:t>2024/10/13</a:t>
             </a:fld>
             <a:endParaRPr lang="zh-TW" altLang="en-US"/>
           </a:p>
@@ -11406,10 +11430,10 @@
       </p:grpSpPr>
       <p:pic>
         <p:nvPicPr>
-          <p:cNvPr id="5" name="圖片 4">
+          <p:cNvPr id="3" name="圖片 2">
             <a:extLst>
               <a:ext uri="{FF2B5EF4-FFF2-40B4-BE49-F238E27FC236}">
-                <a16:creationId xmlns:a16="http://schemas.microsoft.com/office/drawing/2014/main" id="{30694FF7-5B35-4084-B482-6FEC782EA1B1}"/>
+                <a16:creationId xmlns:a16="http://schemas.microsoft.com/office/drawing/2014/main" id="{09414B97-4698-CC0D-1CB9-79B2BED16D8C}"/>
               </a:ext>
             </a:extLst>
           </p:cNvPr>
@@ -11426,8 +11450,8 @@
         </p:blipFill>
         <p:spPr>
           <a:xfrm>
-            <a:off x="1918704" y="766391"/>
-            <a:ext cx="8354591" cy="5325218"/>
+            <a:off x="1604335" y="775917"/>
+            <a:ext cx="8983329" cy="5306165"/>
           </a:xfrm>
           <a:prstGeom prst="rect">
             <a:avLst/>
@@ -11438,6 +11462,126 @@
     <p:extLst>
       <p:ext uri="{BB962C8B-B14F-4D97-AF65-F5344CB8AC3E}">
         <p14:creationId xmlns:p14="http://schemas.microsoft.com/office/powerpoint/2010/main" val="3861510094"/>
+      </p:ext>
+    </p:extLst>
+  </p:cSld>
+  <p:clrMapOvr>
+    <a:masterClrMapping/>
+  </p:clrMapOvr>
+</p:sld>
+</file>
+
+<file path=ppt/slides/slide8.xml><?xml version="1.0" encoding="utf-8"?>
+<p:sld xmlns:a="http://schemas.openxmlformats.org/drawingml/2006/main" xmlns:r="http://schemas.openxmlformats.org/officeDocument/2006/relationships" xmlns:p="http://schemas.openxmlformats.org/presentationml/2006/main">
+  <p:cSld>
+    <p:spTree>
+      <p:nvGrpSpPr>
+        <p:cNvPr id="1" name=""/>
+        <p:cNvGrpSpPr/>
+        <p:nvPr/>
+      </p:nvGrpSpPr>
+      <p:grpSpPr>
+        <a:xfrm>
+          <a:off x="0" y="0"/>
+          <a:ext cx="0" cy="0"/>
+          <a:chOff x="0" y="0"/>
+          <a:chExt cx="0" cy="0"/>
+        </a:xfrm>
+      </p:grpSpPr>
+      <p:pic>
+        <p:nvPicPr>
+          <p:cNvPr id="5" name="圖片 4">
+            <a:extLst>
+              <a:ext uri="{FF2B5EF4-FFF2-40B4-BE49-F238E27FC236}">
+                <a16:creationId xmlns:a16="http://schemas.microsoft.com/office/drawing/2014/main" id="{4847B26E-518A-CEF9-9E62-000C46474745}"/>
+              </a:ext>
+            </a:extLst>
+          </p:cNvPr>
+          <p:cNvPicPr>
+            <a:picLocks noChangeAspect="1"/>
+          </p:cNvPicPr>
+          <p:nvPr/>
+        </p:nvPicPr>
+        <p:blipFill>
+          <a:blip r:embed="rId2"/>
+          <a:stretch>
+            <a:fillRect/>
+          </a:stretch>
+        </p:blipFill>
+        <p:spPr>
+          <a:xfrm>
+            <a:off x="1713888" y="814022"/>
+            <a:ext cx="8764223" cy="5229955"/>
+          </a:xfrm>
+          <a:prstGeom prst="rect">
+            <a:avLst/>
+          </a:prstGeom>
+        </p:spPr>
+      </p:pic>
+    </p:spTree>
+    <p:extLst>
+      <p:ext uri="{BB962C8B-B14F-4D97-AF65-F5344CB8AC3E}">
+        <p14:creationId xmlns:p14="http://schemas.microsoft.com/office/powerpoint/2010/main" val="4261603555"/>
+      </p:ext>
+    </p:extLst>
+  </p:cSld>
+  <p:clrMapOvr>
+    <a:masterClrMapping/>
+  </p:clrMapOvr>
+</p:sld>
+</file>
+
+<file path=ppt/slides/slide9.xml><?xml version="1.0" encoding="utf-8"?>
+<p:sld xmlns:a="http://schemas.openxmlformats.org/drawingml/2006/main" xmlns:r="http://schemas.openxmlformats.org/officeDocument/2006/relationships" xmlns:p="http://schemas.openxmlformats.org/presentationml/2006/main">
+  <p:cSld>
+    <p:spTree>
+      <p:nvGrpSpPr>
+        <p:cNvPr id="1" name=""/>
+        <p:cNvGrpSpPr/>
+        <p:nvPr/>
+      </p:nvGrpSpPr>
+      <p:grpSpPr>
+        <a:xfrm>
+          <a:off x="0" y="0"/>
+          <a:ext cx="0" cy="0"/>
+          <a:chOff x="0" y="0"/>
+          <a:chExt cx="0" cy="0"/>
+        </a:xfrm>
+      </p:grpSpPr>
+      <p:pic>
+        <p:nvPicPr>
+          <p:cNvPr id="3" name="圖片 2">
+            <a:extLst>
+              <a:ext uri="{FF2B5EF4-FFF2-40B4-BE49-F238E27FC236}">
+                <a16:creationId xmlns:a16="http://schemas.microsoft.com/office/drawing/2014/main" id="{A2ECA7DC-3347-2812-C8F5-35A5098422F7}"/>
+              </a:ext>
+            </a:extLst>
+          </p:cNvPr>
+          <p:cNvPicPr>
+            <a:picLocks noChangeAspect="1"/>
+          </p:cNvPicPr>
+          <p:nvPr/>
+        </p:nvPicPr>
+        <p:blipFill>
+          <a:blip r:embed="rId2"/>
+          <a:stretch>
+            <a:fillRect/>
+          </a:stretch>
+        </p:blipFill>
+        <p:spPr>
+          <a:xfrm>
+            <a:off x="1766283" y="794970"/>
+            <a:ext cx="8659433" cy="5268060"/>
+          </a:xfrm>
+          <a:prstGeom prst="rect">
+            <a:avLst/>
+          </a:prstGeom>
+        </p:spPr>
+      </p:pic>
+    </p:spTree>
+    <p:extLst>
+      <p:ext uri="{BB962C8B-B14F-4D97-AF65-F5344CB8AC3E}">
+        <p14:creationId xmlns:p14="http://schemas.microsoft.com/office/powerpoint/2010/main" val="3726296851"/>
       </p:ext>
     </p:extLst>
   </p:cSld>

--- a/1008.pptx
+++ b/1008.pptx
@@ -14,6 +14,8 @@
     <p:sldId id="262" r:id="rId8"/>
     <p:sldId id="264" r:id="rId9"/>
     <p:sldId id="263" r:id="rId10"/>
+    <p:sldId id="265" r:id="rId11"/>
+    <p:sldId id="266" r:id="rId12"/>
   </p:sldIdLst>
   <p:sldSz cx="12192000" cy="6858000"/>
   <p:notesSz cx="6858000" cy="9144000"/>
@@ -126,6 +128,8 @@
             <p14:sldId id="262"/>
             <p14:sldId id="264"/>
             <p14:sldId id="263"/>
+            <p14:sldId id="265"/>
+            <p14:sldId id="266"/>
           </p14:sldIdLst>
         </p14:section>
       </p14:sectionLst>
@@ -7720,7 +7724,7 @@
           <a:p>
             <a:fld id="{A38B5D3B-4065-40E6-A1E4-C367873C67F7}" type="datetimeFigureOut">
               <a:rPr lang="zh-TW" altLang="en-US" smtClean="0"/>
-              <a:t>2024/10/13</a:t>
+              <a:t>2024/10/15</a:t>
             </a:fld>
             <a:endParaRPr lang="zh-TW" altLang="en-US"/>
           </a:p>
@@ -7918,7 +7922,7 @@
           <a:p>
             <a:fld id="{A38B5D3B-4065-40E6-A1E4-C367873C67F7}" type="datetimeFigureOut">
               <a:rPr lang="zh-TW" altLang="en-US" smtClean="0"/>
-              <a:t>2024/10/13</a:t>
+              <a:t>2024/10/15</a:t>
             </a:fld>
             <a:endParaRPr lang="zh-TW" altLang="en-US"/>
           </a:p>
@@ -8126,7 +8130,7 @@
           <a:p>
             <a:fld id="{A38B5D3B-4065-40E6-A1E4-C367873C67F7}" type="datetimeFigureOut">
               <a:rPr lang="zh-TW" altLang="en-US" smtClean="0"/>
-              <a:t>2024/10/13</a:t>
+              <a:t>2024/10/15</a:t>
             </a:fld>
             <a:endParaRPr lang="zh-TW" altLang="en-US"/>
           </a:p>
@@ -8324,7 +8328,7 @@
           <a:p>
             <a:fld id="{A38B5D3B-4065-40E6-A1E4-C367873C67F7}" type="datetimeFigureOut">
               <a:rPr lang="zh-TW" altLang="en-US" smtClean="0"/>
-              <a:t>2024/10/13</a:t>
+              <a:t>2024/10/15</a:t>
             </a:fld>
             <a:endParaRPr lang="zh-TW" altLang="en-US"/>
           </a:p>
@@ -8599,7 +8603,7 @@
           <a:p>
             <a:fld id="{A38B5D3B-4065-40E6-A1E4-C367873C67F7}" type="datetimeFigureOut">
               <a:rPr lang="zh-TW" altLang="en-US" smtClean="0"/>
-              <a:t>2024/10/13</a:t>
+              <a:t>2024/10/15</a:t>
             </a:fld>
             <a:endParaRPr lang="zh-TW" altLang="en-US"/>
           </a:p>
@@ -8864,7 +8868,7 @@
           <a:p>
             <a:fld id="{A38B5D3B-4065-40E6-A1E4-C367873C67F7}" type="datetimeFigureOut">
               <a:rPr lang="zh-TW" altLang="en-US" smtClean="0"/>
-              <a:t>2024/10/13</a:t>
+              <a:t>2024/10/15</a:t>
             </a:fld>
             <a:endParaRPr lang="zh-TW" altLang="en-US"/>
           </a:p>
@@ -9276,7 +9280,7 @@
           <a:p>
             <a:fld id="{A38B5D3B-4065-40E6-A1E4-C367873C67F7}" type="datetimeFigureOut">
               <a:rPr lang="zh-TW" altLang="en-US" smtClean="0"/>
-              <a:t>2024/10/13</a:t>
+              <a:t>2024/10/15</a:t>
             </a:fld>
             <a:endParaRPr lang="zh-TW" altLang="en-US"/>
           </a:p>
@@ -9417,7 +9421,7 @@
           <a:p>
             <a:fld id="{A38B5D3B-4065-40E6-A1E4-C367873C67F7}" type="datetimeFigureOut">
               <a:rPr lang="zh-TW" altLang="en-US" smtClean="0"/>
-              <a:t>2024/10/13</a:t>
+              <a:t>2024/10/15</a:t>
             </a:fld>
             <a:endParaRPr lang="zh-TW" altLang="en-US"/>
           </a:p>
@@ -9530,7 +9534,7 @@
           <a:p>
             <a:fld id="{A38B5D3B-4065-40E6-A1E4-C367873C67F7}" type="datetimeFigureOut">
               <a:rPr lang="zh-TW" altLang="en-US" smtClean="0"/>
-              <a:t>2024/10/13</a:t>
+              <a:t>2024/10/15</a:t>
             </a:fld>
             <a:endParaRPr lang="zh-TW" altLang="en-US"/>
           </a:p>
@@ -9841,7 +9845,7 @@
           <a:p>
             <a:fld id="{A38B5D3B-4065-40E6-A1E4-C367873C67F7}" type="datetimeFigureOut">
               <a:rPr lang="zh-TW" altLang="en-US" smtClean="0"/>
-              <a:t>2024/10/13</a:t>
+              <a:t>2024/10/15</a:t>
             </a:fld>
             <a:endParaRPr lang="zh-TW" altLang="en-US"/>
           </a:p>
@@ -10129,7 +10133,7 @@
           <a:p>
             <a:fld id="{A38B5D3B-4065-40E6-A1E4-C367873C67F7}" type="datetimeFigureOut">
               <a:rPr lang="zh-TW" altLang="en-US" smtClean="0"/>
-              <a:t>2024/10/13</a:t>
+              <a:t>2024/10/15</a:t>
             </a:fld>
             <a:endParaRPr lang="zh-TW" altLang="en-US"/>
           </a:p>
@@ -10370,7 +10374,7 @@
           <a:p>
             <a:fld id="{A38B5D3B-4065-40E6-A1E4-C367873C67F7}" type="datetimeFigureOut">
               <a:rPr lang="zh-TW" altLang="en-US" smtClean="0"/>
-              <a:t>2024/10/13</a:t>
+              <a:t>2024/10/15</a:t>
             </a:fld>
             <a:endParaRPr lang="zh-TW" altLang="en-US"/>
           </a:p>
@@ -11047,6 +11051,126 @@
 </p:sld>
 </file>
 
+<file path=ppt/slides/slide10.xml><?xml version="1.0" encoding="utf-8"?>
+<p:sld xmlns:a="http://schemas.openxmlformats.org/drawingml/2006/main" xmlns:r="http://schemas.openxmlformats.org/officeDocument/2006/relationships" xmlns:p="http://schemas.openxmlformats.org/presentationml/2006/main">
+  <p:cSld>
+    <p:spTree>
+      <p:nvGrpSpPr>
+        <p:cNvPr id="1" name=""/>
+        <p:cNvGrpSpPr/>
+        <p:nvPr/>
+      </p:nvGrpSpPr>
+      <p:grpSpPr>
+        <a:xfrm>
+          <a:off x="0" y="0"/>
+          <a:ext cx="0" cy="0"/>
+          <a:chOff x="0" y="0"/>
+          <a:chExt cx="0" cy="0"/>
+        </a:xfrm>
+      </p:grpSpPr>
+      <p:pic>
+        <p:nvPicPr>
+          <p:cNvPr id="5" name="圖片 4">
+            <a:extLst>
+              <a:ext uri="{FF2B5EF4-FFF2-40B4-BE49-F238E27FC236}">
+                <a16:creationId xmlns:a16="http://schemas.microsoft.com/office/drawing/2014/main" id="{A26B1F5E-9BBC-4B3A-AC05-160834BB169E}"/>
+              </a:ext>
+            </a:extLst>
+          </p:cNvPr>
+          <p:cNvPicPr>
+            <a:picLocks noChangeAspect="1"/>
+          </p:cNvPicPr>
+          <p:nvPr/>
+        </p:nvPicPr>
+        <p:blipFill>
+          <a:blip r:embed="rId2"/>
+          <a:stretch>
+            <a:fillRect/>
+          </a:stretch>
+        </p:blipFill>
+        <p:spPr>
+          <a:xfrm>
+            <a:off x="362663" y="0"/>
+            <a:ext cx="11466673" cy="6858000"/>
+          </a:xfrm>
+          <a:prstGeom prst="rect">
+            <a:avLst/>
+          </a:prstGeom>
+        </p:spPr>
+      </p:pic>
+    </p:spTree>
+    <p:extLst>
+      <p:ext uri="{BB962C8B-B14F-4D97-AF65-F5344CB8AC3E}">
+        <p14:creationId xmlns:p14="http://schemas.microsoft.com/office/powerpoint/2010/main" val="2845396208"/>
+      </p:ext>
+    </p:extLst>
+  </p:cSld>
+  <p:clrMapOvr>
+    <a:masterClrMapping/>
+  </p:clrMapOvr>
+</p:sld>
+</file>
+
+<file path=ppt/slides/slide11.xml><?xml version="1.0" encoding="utf-8"?>
+<p:sld xmlns:a="http://schemas.openxmlformats.org/drawingml/2006/main" xmlns:r="http://schemas.openxmlformats.org/officeDocument/2006/relationships" xmlns:p="http://schemas.openxmlformats.org/presentationml/2006/main">
+  <p:cSld>
+    <p:spTree>
+      <p:nvGrpSpPr>
+        <p:cNvPr id="1" name=""/>
+        <p:cNvGrpSpPr/>
+        <p:nvPr/>
+      </p:nvGrpSpPr>
+      <p:grpSpPr>
+        <a:xfrm>
+          <a:off x="0" y="0"/>
+          <a:ext cx="0" cy="0"/>
+          <a:chOff x="0" y="0"/>
+          <a:chExt cx="0" cy="0"/>
+        </a:xfrm>
+      </p:grpSpPr>
+      <p:pic>
+        <p:nvPicPr>
+          <p:cNvPr id="5" name="圖片 4">
+            <a:extLst>
+              <a:ext uri="{FF2B5EF4-FFF2-40B4-BE49-F238E27FC236}">
+                <a16:creationId xmlns:a16="http://schemas.microsoft.com/office/drawing/2014/main" id="{7713FAA7-2A51-4DF9-9989-A6C58519D44E}"/>
+              </a:ext>
+            </a:extLst>
+          </p:cNvPr>
+          <p:cNvPicPr>
+            <a:picLocks noChangeAspect="1"/>
+          </p:cNvPicPr>
+          <p:nvPr/>
+        </p:nvPicPr>
+        <p:blipFill>
+          <a:blip r:embed="rId2"/>
+          <a:stretch>
+            <a:fillRect/>
+          </a:stretch>
+        </p:blipFill>
+        <p:spPr>
+          <a:xfrm>
+            <a:off x="398585" y="0"/>
+            <a:ext cx="11394830" cy="6858000"/>
+          </a:xfrm>
+          <a:prstGeom prst="rect">
+            <a:avLst/>
+          </a:prstGeom>
+        </p:spPr>
+      </p:pic>
+    </p:spTree>
+    <p:extLst>
+      <p:ext uri="{BB962C8B-B14F-4D97-AF65-F5344CB8AC3E}">
+        <p14:creationId xmlns:p14="http://schemas.microsoft.com/office/powerpoint/2010/main" val="4116844226"/>
+      </p:ext>
+    </p:extLst>
+  </p:cSld>
+  <p:clrMapOvr>
+    <a:masterClrMapping/>
+  </p:clrMapOvr>
+</p:sld>
+</file>
+
 <file path=ppt/slides/slide2.xml><?xml version="1.0" encoding="utf-8"?>
 <p:sld xmlns:a="http://schemas.openxmlformats.org/drawingml/2006/main" xmlns:r="http://schemas.openxmlformats.org/officeDocument/2006/relationships" xmlns:p="http://schemas.openxmlformats.org/presentationml/2006/main">
   <p:cSld>
@@ -11390,8 +11514,8 @@
         </p:blipFill>
         <p:spPr>
           <a:xfrm>
-            <a:off x="2056913" y="882913"/>
-            <a:ext cx="8849960" cy="5410955"/>
+            <a:off x="487654" y="1"/>
+            <a:ext cx="11216692" cy="6857999"/>
           </a:xfrm>
           <a:prstGeom prst="rect">
             <a:avLst/>
@@ -11450,8 +11574,8 @@
         </p:blipFill>
         <p:spPr>
           <a:xfrm>
-            <a:off x="1604335" y="775917"/>
-            <a:ext cx="8983329" cy="5306165"/>
+            <a:off x="290709" y="0"/>
+            <a:ext cx="11610581" cy="6857999"/>
           </a:xfrm>
           <a:prstGeom prst="rect">
             <a:avLst/>
@@ -11510,8 +11634,8 @@
         </p:blipFill>
         <p:spPr>
           <a:xfrm>
-            <a:off x="1713888" y="814022"/>
-            <a:ext cx="8764223" cy="5229955"/>
+            <a:off x="349769" y="0"/>
+            <a:ext cx="11492459" cy="6858000"/>
           </a:xfrm>
           <a:prstGeom prst="rect">
             <a:avLst/>
@@ -11570,8 +11694,8 @@
         </p:blipFill>
         <p:spPr>
           <a:xfrm>
-            <a:off x="1766283" y="794970"/>
-            <a:ext cx="8659433" cy="5268060"/>
+            <a:off x="459542" y="0"/>
+            <a:ext cx="11272915" cy="6858000"/>
           </a:xfrm>
           <a:prstGeom prst="rect">
             <a:avLst/>

--- a/1008.pptx
+++ b/1008.pptx
@@ -2577,71 +2577,6 @@
         </a:p>
       </dgm:t>
     </dgm:pt>
-    <dgm:pt modelId="{E4EBFECD-6F65-4C01-B68C-EF8D32136243}">
-      <dgm:prSet phldrT="[文字]" custT="1"/>
-      <dgm:spPr/>
-      <dgm:t>
-        <a:bodyPr/>
-        <a:lstStyle/>
-        <a:p>
-          <a:r>
-            <a:rPr lang="zh-TW" altLang="en-US" sz="1800" dirty="0">
-              <a:solidFill>
-                <a:schemeClr val="tx1"/>
-              </a:solidFill>
-              <a:latin typeface="Times New Roman" panose="02020603050405020304" pitchFamily="18" charset="0"/>
-              <a:ea typeface="標楷體" panose="03000509000000000000" pitchFamily="65" charset="-120"/>
-              <a:cs typeface="Times New Roman" panose="02020603050405020304" pitchFamily="18" charset="0"/>
-            </a:rPr>
-            <a:t>尋找</a:t>
-          </a:r>
-          <a:r>
-            <a:rPr lang="en-US" altLang="zh-TW" sz="1800" dirty="0" err="1">
-              <a:solidFill>
-                <a:schemeClr val="tx1"/>
-              </a:solidFill>
-              <a:latin typeface="Times New Roman" panose="02020603050405020304" pitchFamily="18" charset="0"/>
-              <a:ea typeface="標楷體" panose="03000509000000000000" pitchFamily="65" charset="-120"/>
-              <a:cs typeface="Times New Roman" panose="02020603050405020304" pitchFamily="18" charset="0"/>
-            </a:rPr>
-            <a:t>Ic</a:t>
-          </a:r>
-          <a:r>
-            <a:rPr lang="zh-TW" altLang="en-US" sz="1800" dirty="0">
-              <a:solidFill>
-                <a:schemeClr val="tx1"/>
-              </a:solidFill>
-              <a:latin typeface="Times New Roman" panose="02020603050405020304" pitchFamily="18" charset="0"/>
-              <a:ea typeface="標楷體" panose="03000509000000000000" pitchFamily="65" charset="-120"/>
-              <a:cs typeface="Times New Roman" panose="02020603050405020304" pitchFamily="18" charset="0"/>
-            </a:rPr>
-            <a:t>最接近的土層</a:t>
-          </a:r>
-        </a:p>
-      </dgm:t>
-    </dgm:pt>
-    <dgm:pt modelId="{3FA4E31C-9C20-470F-B583-B60FCC7F6F7D}" type="parTrans" cxnId="{CF4D1FFB-0C61-4C01-A946-745CB67BCD50}">
-      <dgm:prSet/>
-      <dgm:spPr/>
-      <dgm:t>
-        <a:bodyPr/>
-        <a:lstStyle/>
-        <a:p>
-          <a:endParaRPr lang="zh-TW" altLang="en-US"/>
-        </a:p>
-      </dgm:t>
-    </dgm:pt>
-    <dgm:pt modelId="{FF57281F-B46C-40F4-8F05-D655580302E9}" type="sibTrans" cxnId="{CF4D1FFB-0C61-4C01-A946-745CB67BCD50}">
-      <dgm:prSet/>
-      <dgm:spPr/>
-      <dgm:t>
-        <a:bodyPr/>
-        <a:lstStyle/>
-        <a:p>
-          <a:endParaRPr lang="zh-TW" altLang="en-US"/>
-        </a:p>
-      </dgm:t>
-    </dgm:pt>
     <dgm:pt modelId="{A8EEBA79-44CC-462D-BC60-92B3F41C611C}">
       <dgm:prSet phldrT="[文字]" custT="1"/>
       <dgm:spPr/>
@@ -2658,7 +2593,7 @@
               <a:ea typeface="標楷體" panose="03000509000000000000" pitchFamily="65" charset="-120"/>
               <a:cs typeface="Times New Roman" panose="02020603050405020304" pitchFamily="18" charset="0"/>
             </a:rPr>
-            <a:t>若另一孔不存在此種土壤，則根據上一層土壤最後插入點作為厚度為</a:t>
+            <a:t>向下找三層，若另一孔不存在此種土壤，則根據上一層土壤最後插入點作為厚度為</a:t>
           </a:r>
           <a:r>
             <a:rPr lang="en-US" altLang="zh-TW" sz="1800" dirty="0">
@@ -2723,7 +2658,29 @@
               <a:ea typeface="標楷體" panose="03000509000000000000" pitchFamily="65" charset="-120"/>
               <a:cs typeface="Times New Roman" panose="02020603050405020304" pitchFamily="18" charset="0"/>
             </a:rPr>
-            <a:t>如果兩孔間有多個相同土層，且起始位置包含在某土層內，則把土層深度</a:t>
+            <a:t>向下找三層</a:t>
+          </a:r>
+          <a:r>
+            <a:rPr lang="zh-TW" altLang="en-US" sz="1800">
+              <a:solidFill>
+                <a:schemeClr val="tx1"/>
+              </a:solidFill>
+              <a:latin typeface="Times New Roman" panose="02020603050405020304" pitchFamily="18" charset="0"/>
+              <a:ea typeface="標楷體" panose="03000509000000000000" pitchFamily="65" charset="-120"/>
+              <a:cs typeface="Times New Roman" panose="02020603050405020304" pitchFamily="18" charset="0"/>
+            </a:rPr>
+            <a:t>，如果深度範圍內有</a:t>
+          </a:r>
+          <a:r>
+            <a:rPr lang="zh-TW" altLang="en-US" sz="1800" dirty="0">
+              <a:solidFill>
+                <a:schemeClr val="tx1"/>
+              </a:solidFill>
+              <a:latin typeface="Times New Roman" panose="02020603050405020304" pitchFamily="18" charset="0"/>
+              <a:ea typeface="標楷體" panose="03000509000000000000" pitchFamily="65" charset="-120"/>
+              <a:cs typeface="Times New Roman" panose="02020603050405020304" pitchFamily="18" charset="0"/>
+            </a:rPr>
+            <a:t>多個不同土層，且起始位置包含在某土層內，則把土層深度</a:t>
           </a:r>
           <a:r>
             <a:rPr lang="en-US" altLang="zh-TW" sz="1800" dirty="0">
@@ -2770,6 +2727,92 @@
       </dgm:t>
     </dgm:pt>
     <dgm:pt modelId="{F489495A-2AB9-4333-827E-BBB595979E3F}" type="sibTrans" cxnId="{B19A591B-B2A0-42AC-9958-5B4DB9FA709F}">
+      <dgm:prSet/>
+      <dgm:spPr/>
+      <dgm:t>
+        <a:bodyPr/>
+        <a:lstStyle/>
+        <a:p>
+          <a:endParaRPr lang="zh-TW" altLang="en-US"/>
+        </a:p>
+      </dgm:t>
+    </dgm:pt>
+    <dgm:pt modelId="{725D6A8A-3070-41F9-90F0-20FAA99F9D3C}">
+      <dgm:prSet phldrT="[文字]" custT="1"/>
+      <dgm:spPr/>
+      <dgm:t>
+        <a:bodyPr/>
+        <a:lstStyle/>
+        <a:p>
+          <a:r>
+            <a:rPr lang="zh-TW" altLang="en-US" sz="1800" dirty="0">
+              <a:solidFill>
+                <a:schemeClr val="tx1"/>
+              </a:solidFill>
+              <a:latin typeface="Times New Roman" panose="02020603050405020304" pitchFamily="18" charset="0"/>
+              <a:ea typeface="標楷體" panose="03000509000000000000" pitchFamily="65" charset="-120"/>
+              <a:cs typeface="Times New Roman" panose="02020603050405020304" pitchFamily="18" charset="0"/>
+            </a:rPr>
+            <a:t>排列順序相同</a:t>
+          </a:r>
+        </a:p>
+      </dgm:t>
+    </dgm:pt>
+    <dgm:pt modelId="{E512A89B-F609-4120-AF8D-CF80FF00B97F}" type="parTrans" cxnId="{2F2A9DD6-02AD-44F6-B0CC-1D5D2E53E9C9}">
+      <dgm:prSet/>
+      <dgm:spPr/>
+      <dgm:t>
+        <a:bodyPr/>
+        <a:lstStyle/>
+        <a:p>
+          <a:endParaRPr lang="zh-TW" altLang="en-US"/>
+        </a:p>
+      </dgm:t>
+    </dgm:pt>
+    <dgm:pt modelId="{370B3B31-5493-4777-A37B-F4FF2AA6AF9A}" type="sibTrans" cxnId="{2F2A9DD6-02AD-44F6-B0CC-1D5D2E53E9C9}">
+      <dgm:prSet/>
+      <dgm:spPr/>
+      <dgm:t>
+        <a:bodyPr/>
+        <a:lstStyle/>
+        <a:p>
+          <a:endParaRPr lang="zh-TW" altLang="en-US"/>
+        </a:p>
+      </dgm:t>
+    </dgm:pt>
+    <dgm:pt modelId="{45A15F2A-E3DB-431D-85E6-03410ED7AB6B}">
+      <dgm:prSet phldrT="[文字]" custT="1"/>
+      <dgm:spPr/>
+      <dgm:t>
+        <a:bodyPr/>
+        <a:lstStyle/>
+        <a:p>
+          <a:r>
+            <a:rPr lang="zh-TW" altLang="en-US" sz="1800" dirty="0">
+              <a:solidFill>
+                <a:schemeClr val="tx1"/>
+              </a:solidFill>
+              <a:latin typeface="Times New Roman" panose="02020603050405020304" pitchFamily="18" charset="0"/>
+              <a:ea typeface="標楷體" panose="03000509000000000000" pitchFamily="65" charset="-120"/>
+              <a:cs typeface="Times New Roman" panose="02020603050405020304" pitchFamily="18" charset="0"/>
+            </a:rPr>
+            <a:t>直接連線</a:t>
+          </a:r>
+        </a:p>
+      </dgm:t>
+    </dgm:pt>
+    <dgm:pt modelId="{11CE7071-2245-4C78-8AEC-EF3FD32B3A74}" type="parTrans" cxnId="{F006263D-F9F9-49B5-AB6F-17CBEDF6712A}">
+      <dgm:prSet/>
+      <dgm:spPr/>
+      <dgm:t>
+        <a:bodyPr/>
+        <a:lstStyle/>
+        <a:p>
+          <a:endParaRPr lang="zh-TW" altLang="en-US"/>
+        </a:p>
+      </dgm:t>
+    </dgm:pt>
+    <dgm:pt modelId="{F4023CEC-CC99-4842-885C-839DFA2D9BE5}" type="sibTrans" cxnId="{F006263D-F9F9-49B5-AB6F-17CBEDF6712A}">
       <dgm:prSet/>
       <dgm:spPr/>
       <dgm:t>
@@ -2832,12 +2875,60 @@
       <dgm:prSet presAssocID="{297A8BB9-7D3D-4B6A-B3B3-637FA64BBCBF}" presName="level3hierChild" presStyleCnt="0"/>
       <dgm:spPr/>
     </dgm:pt>
+    <dgm:pt modelId="{97E7B159-BFBE-474F-993F-35C139255B46}" type="pres">
+      <dgm:prSet presAssocID="{E512A89B-F609-4120-AF8D-CF80FF00B97F}" presName="conn2-1" presStyleLbl="parChTrans1D3" presStyleIdx="0" presStyleCnt="3"/>
+      <dgm:spPr/>
+    </dgm:pt>
+    <dgm:pt modelId="{D8FFF830-481A-48B0-BD62-F4B4C402B832}" type="pres">
+      <dgm:prSet presAssocID="{E512A89B-F609-4120-AF8D-CF80FF00B97F}" presName="connTx" presStyleLbl="parChTrans1D3" presStyleIdx="0" presStyleCnt="3"/>
+      <dgm:spPr/>
+    </dgm:pt>
+    <dgm:pt modelId="{F7BA06C7-4733-4A4F-9800-38806C858336}" type="pres">
+      <dgm:prSet presAssocID="{725D6A8A-3070-41F9-90F0-20FAA99F9D3C}" presName="root2" presStyleCnt="0"/>
+      <dgm:spPr/>
+    </dgm:pt>
+    <dgm:pt modelId="{3EA0574A-6FFB-427B-848A-1CB95A3EF2E9}" type="pres">
+      <dgm:prSet presAssocID="{725D6A8A-3070-41F9-90F0-20FAA99F9D3C}" presName="LevelTwoTextNode" presStyleLbl="node3" presStyleIdx="0" presStyleCnt="3">
+        <dgm:presLayoutVars>
+          <dgm:chPref val="3"/>
+        </dgm:presLayoutVars>
+      </dgm:prSet>
+      <dgm:spPr/>
+    </dgm:pt>
+    <dgm:pt modelId="{90A536D9-6F96-4977-9925-744E994E2688}" type="pres">
+      <dgm:prSet presAssocID="{725D6A8A-3070-41F9-90F0-20FAA99F9D3C}" presName="level3hierChild" presStyleCnt="0"/>
+      <dgm:spPr/>
+    </dgm:pt>
+    <dgm:pt modelId="{4709C39E-F3B8-4FEB-8C09-B01E2024E20B}" type="pres">
+      <dgm:prSet presAssocID="{11CE7071-2245-4C78-8AEC-EF3FD32B3A74}" presName="conn2-1" presStyleLbl="parChTrans1D4" presStyleIdx="0" presStyleCnt="4"/>
+      <dgm:spPr/>
+    </dgm:pt>
+    <dgm:pt modelId="{A9CB19A4-B07A-4549-82DE-B3B245BB7738}" type="pres">
+      <dgm:prSet presAssocID="{11CE7071-2245-4C78-8AEC-EF3FD32B3A74}" presName="connTx" presStyleLbl="parChTrans1D4" presStyleIdx="0" presStyleCnt="4"/>
+      <dgm:spPr/>
+    </dgm:pt>
+    <dgm:pt modelId="{E0EA2074-4EC6-46D8-971F-79647A7117F4}" type="pres">
+      <dgm:prSet presAssocID="{45A15F2A-E3DB-431D-85E6-03410ED7AB6B}" presName="root2" presStyleCnt="0"/>
+      <dgm:spPr/>
+    </dgm:pt>
+    <dgm:pt modelId="{A663367A-049B-4438-AE30-427BCE42CF19}" type="pres">
+      <dgm:prSet presAssocID="{45A15F2A-E3DB-431D-85E6-03410ED7AB6B}" presName="LevelTwoTextNode" presStyleLbl="node4" presStyleIdx="0" presStyleCnt="4">
+        <dgm:presLayoutVars>
+          <dgm:chPref val="3"/>
+        </dgm:presLayoutVars>
+      </dgm:prSet>
+      <dgm:spPr/>
+    </dgm:pt>
+    <dgm:pt modelId="{F204CE1E-8270-43A3-B948-3172E28BD6CB}" type="pres">
+      <dgm:prSet presAssocID="{45A15F2A-E3DB-431D-85E6-03410ED7AB6B}" presName="level3hierChild" presStyleCnt="0"/>
+      <dgm:spPr/>
+    </dgm:pt>
     <dgm:pt modelId="{75DB6AD3-0ED3-4922-A20E-1FB4D6A120CC}" type="pres">
-      <dgm:prSet presAssocID="{6CA8C187-AB0D-4C3C-8B55-D04860BD10C7}" presName="conn2-1" presStyleLbl="parChTrans1D3" presStyleIdx="0" presStyleCnt="2"/>
+      <dgm:prSet presAssocID="{6CA8C187-AB0D-4C3C-8B55-D04860BD10C7}" presName="conn2-1" presStyleLbl="parChTrans1D3" presStyleIdx="1" presStyleCnt="3"/>
       <dgm:spPr/>
     </dgm:pt>
     <dgm:pt modelId="{9EF6EBC4-65BB-4A78-B1D4-0152CEA5E6A5}" type="pres">
-      <dgm:prSet presAssocID="{6CA8C187-AB0D-4C3C-8B55-D04860BD10C7}" presName="connTx" presStyleLbl="parChTrans1D3" presStyleIdx="0" presStyleCnt="2"/>
+      <dgm:prSet presAssocID="{6CA8C187-AB0D-4C3C-8B55-D04860BD10C7}" presName="connTx" presStyleLbl="parChTrans1D3" presStyleIdx="1" presStyleCnt="3"/>
       <dgm:spPr/>
     </dgm:pt>
     <dgm:pt modelId="{E291BB9A-9906-4183-9F09-3CE00D8AC897}" type="pres">
@@ -2845,7 +2936,7 @@
       <dgm:spPr/>
     </dgm:pt>
     <dgm:pt modelId="{349F24CC-763C-41CB-96CF-D18A433E54C3}" type="pres">
-      <dgm:prSet presAssocID="{75365E06-3D40-43CF-8489-2F28BF9832A2}" presName="LevelTwoTextNode" presStyleLbl="node3" presStyleIdx="0" presStyleCnt="2">
+      <dgm:prSet presAssocID="{75365E06-3D40-43CF-8489-2F28BF9832A2}" presName="LevelTwoTextNode" presStyleLbl="node3" presStyleIdx="1" presStyleCnt="3">
         <dgm:presLayoutVars>
           <dgm:chPref val="3"/>
         </dgm:presLayoutVars>
@@ -2857,11 +2948,11 @@
       <dgm:spPr/>
     </dgm:pt>
     <dgm:pt modelId="{C344AE3C-E165-4652-94E8-EC1A2143A510}" type="pres">
-      <dgm:prSet presAssocID="{050BDF5A-52E5-48C6-93FF-A98AB67500A2}" presName="conn2-1" presStyleLbl="parChTrans1D4" presStyleIdx="0" presStyleCnt="4"/>
+      <dgm:prSet presAssocID="{050BDF5A-52E5-48C6-93FF-A98AB67500A2}" presName="conn2-1" presStyleLbl="parChTrans1D4" presStyleIdx="1" presStyleCnt="4"/>
       <dgm:spPr/>
     </dgm:pt>
     <dgm:pt modelId="{0929F1DE-7EF9-4165-95B6-012D627E5726}" type="pres">
-      <dgm:prSet presAssocID="{050BDF5A-52E5-48C6-93FF-A98AB67500A2}" presName="connTx" presStyleLbl="parChTrans1D4" presStyleIdx="0" presStyleCnt="4"/>
+      <dgm:prSet presAssocID="{050BDF5A-52E5-48C6-93FF-A98AB67500A2}" presName="connTx" presStyleLbl="parChTrans1D4" presStyleIdx="1" presStyleCnt="4"/>
       <dgm:spPr/>
     </dgm:pt>
     <dgm:pt modelId="{A59AA26C-295D-4185-932B-B24174CB964B}" type="pres">
@@ -2869,7 +2960,7 @@
       <dgm:spPr/>
     </dgm:pt>
     <dgm:pt modelId="{582AA43E-D3AB-4877-8CCC-3E3C15EBD201}" type="pres">
-      <dgm:prSet presAssocID="{B6EE2FCE-192C-4473-8D4B-E320527F786B}" presName="LevelTwoTextNode" presStyleLbl="node4" presStyleIdx="0" presStyleCnt="4">
+      <dgm:prSet presAssocID="{B6EE2FCE-192C-4473-8D4B-E320527F786B}" presName="LevelTwoTextNode" presStyleLbl="node4" presStyleIdx="1" presStyleCnt="4">
         <dgm:presLayoutVars>
           <dgm:chPref val="3"/>
         </dgm:presLayoutVars>
@@ -2881,11 +2972,11 @@
       <dgm:spPr/>
     </dgm:pt>
     <dgm:pt modelId="{C66F9987-3C4D-442B-902D-250EECDB9555}" type="pres">
-      <dgm:prSet presAssocID="{D5ECB190-A268-48E2-B290-5CA8F22DC8BE}" presName="conn2-1" presStyleLbl="parChTrans1D3" presStyleIdx="1" presStyleCnt="2"/>
+      <dgm:prSet presAssocID="{D5ECB190-A268-48E2-B290-5CA8F22DC8BE}" presName="conn2-1" presStyleLbl="parChTrans1D3" presStyleIdx="2" presStyleCnt="3"/>
       <dgm:spPr/>
     </dgm:pt>
     <dgm:pt modelId="{2D9A0503-A2AF-4105-B03C-C52EE2C9F9EC}" type="pres">
-      <dgm:prSet presAssocID="{D5ECB190-A268-48E2-B290-5CA8F22DC8BE}" presName="connTx" presStyleLbl="parChTrans1D3" presStyleIdx="1" presStyleCnt="2"/>
+      <dgm:prSet presAssocID="{D5ECB190-A268-48E2-B290-5CA8F22DC8BE}" presName="connTx" presStyleLbl="parChTrans1D3" presStyleIdx="2" presStyleCnt="3"/>
       <dgm:spPr/>
     </dgm:pt>
     <dgm:pt modelId="{34E37110-F106-4836-A298-C6DD5C98AB73}" type="pres">
@@ -2893,7 +2984,7 @@
       <dgm:spPr/>
     </dgm:pt>
     <dgm:pt modelId="{121FE8D6-489E-4DA7-8FAF-F697ABFDE27D}" type="pres">
-      <dgm:prSet presAssocID="{069E7AF6-482E-402F-B8F8-CC94ABEA44AE}" presName="LevelTwoTextNode" presStyleLbl="node3" presStyleIdx="1" presStyleCnt="2">
+      <dgm:prSet presAssocID="{069E7AF6-482E-402F-B8F8-CC94ABEA44AE}" presName="LevelTwoTextNode" presStyleLbl="node3" presStyleIdx="2" presStyleCnt="3">
         <dgm:presLayoutVars>
           <dgm:chPref val="3"/>
         </dgm:presLayoutVars>
@@ -2902,30 +2993,6 @@
     </dgm:pt>
     <dgm:pt modelId="{EA9E4217-5D88-458C-A943-2D49DB08EB28}" type="pres">
       <dgm:prSet presAssocID="{069E7AF6-482E-402F-B8F8-CC94ABEA44AE}" presName="level3hierChild" presStyleCnt="0"/>
-      <dgm:spPr/>
-    </dgm:pt>
-    <dgm:pt modelId="{4C0C4027-B4B5-4C56-9694-37C48391DEB7}" type="pres">
-      <dgm:prSet presAssocID="{3FA4E31C-9C20-470F-B583-B60FCC7F6F7D}" presName="conn2-1" presStyleLbl="parChTrans1D4" presStyleIdx="1" presStyleCnt="4"/>
-      <dgm:spPr/>
-    </dgm:pt>
-    <dgm:pt modelId="{D3D8E7D9-9256-44D3-9A23-1BDC49CF59FA}" type="pres">
-      <dgm:prSet presAssocID="{3FA4E31C-9C20-470F-B583-B60FCC7F6F7D}" presName="connTx" presStyleLbl="parChTrans1D4" presStyleIdx="1" presStyleCnt="4"/>
-      <dgm:spPr/>
-    </dgm:pt>
-    <dgm:pt modelId="{D0419916-2AE2-493A-A066-736B9E915102}" type="pres">
-      <dgm:prSet presAssocID="{E4EBFECD-6F65-4C01-B68C-EF8D32136243}" presName="root2" presStyleCnt="0"/>
-      <dgm:spPr/>
-    </dgm:pt>
-    <dgm:pt modelId="{FBF45E3F-DC82-4B9C-B9FD-CF0A554A130D}" type="pres">
-      <dgm:prSet presAssocID="{E4EBFECD-6F65-4C01-B68C-EF8D32136243}" presName="LevelTwoTextNode" presStyleLbl="node4" presStyleIdx="1" presStyleCnt="4">
-        <dgm:presLayoutVars>
-          <dgm:chPref val="3"/>
-        </dgm:presLayoutVars>
-      </dgm:prSet>
-      <dgm:spPr/>
-    </dgm:pt>
-    <dgm:pt modelId="{039531B8-2ED8-4DE5-AD33-0E5CB5E69827}" type="pres">
-      <dgm:prSet presAssocID="{E4EBFECD-6F65-4C01-B68C-EF8D32136243}" presName="level3hierChild" presStyleCnt="0"/>
       <dgm:spPr/>
     </dgm:pt>
     <dgm:pt modelId="{15018D38-C489-40C4-A3DC-9FBC0F7F7610}" type="pres">
@@ -2978,37 +3045,41 @@
     </dgm:pt>
   </dgm:ptLst>
   <dgm:cxnLst>
-    <dgm:cxn modelId="{42C4C500-BF83-4AFC-A0D2-84E2BA05048D}" srcId="{069E7AF6-482E-402F-B8F8-CC94ABEA44AE}" destId="{A8EEBA79-44CC-462D-BC60-92B3F41C611C}" srcOrd="1" destOrd="0" parTransId="{D92E147C-DB9F-4DF1-87A5-B86E2B8F4B65}" sibTransId="{EAF80A4B-7247-42EA-BE4A-24D74FA4F855}"/>
-    <dgm:cxn modelId="{6064A908-CC78-4EF4-B86E-FA1496E510F2}" type="presOf" srcId="{050BDF5A-52E5-48C6-93FF-A98AB67500A2}" destId="{C344AE3C-E165-4652-94E8-EC1A2143A510}" srcOrd="0" destOrd="0" presId="urn:microsoft.com/office/officeart/2008/layout/HorizontalMultiLevelHierarchy"/>
-    <dgm:cxn modelId="{9E419E0F-F7DC-4A84-AC3E-99230932A9EB}" srcId="{297A8BB9-7D3D-4B6A-B3B3-637FA64BBCBF}" destId="{069E7AF6-482E-402F-B8F8-CC94ABEA44AE}" srcOrd="1" destOrd="0" parTransId="{D5ECB190-A268-48E2-B290-5CA8F22DC8BE}" sibTransId="{06695270-DFBA-44D7-9626-152B24FC4983}"/>
-    <dgm:cxn modelId="{EC907D11-8022-4756-A7DC-0C77EB1E1CDF}" type="presOf" srcId="{A8EEBA79-44CC-462D-BC60-92B3F41C611C}" destId="{DA95E68F-5869-4A60-BFCB-BDBA264BC2CC}" srcOrd="0" destOrd="0" presId="urn:microsoft.com/office/officeart/2008/layout/HorizontalMultiLevelHierarchy"/>
-    <dgm:cxn modelId="{AEE5EA11-3691-45C4-A274-24D0468F90E8}" type="presOf" srcId="{75365E06-3D40-43CF-8489-2F28BF9832A2}" destId="{349F24CC-763C-41CB-96CF-D18A433E54C3}" srcOrd="0" destOrd="0" presId="urn:microsoft.com/office/officeart/2008/layout/HorizontalMultiLevelHierarchy"/>
+    <dgm:cxn modelId="{42C4C500-BF83-4AFC-A0D2-84E2BA05048D}" srcId="{069E7AF6-482E-402F-B8F8-CC94ABEA44AE}" destId="{A8EEBA79-44CC-462D-BC60-92B3F41C611C}" srcOrd="0" destOrd="0" parTransId="{D92E147C-DB9F-4DF1-87A5-B86E2B8F4B65}" sibTransId="{EAF80A4B-7247-42EA-BE4A-24D74FA4F855}"/>
+    <dgm:cxn modelId="{8205DD03-89FC-4932-B1BD-9E615A50B8F1}" type="presOf" srcId="{D92E147C-DB9F-4DF1-87A5-B86E2B8F4B65}" destId="{15018D38-C489-40C4-A3DC-9FBC0F7F7610}" srcOrd="0" destOrd="0" presId="urn:microsoft.com/office/officeart/2008/layout/HorizontalMultiLevelHierarchy"/>
+    <dgm:cxn modelId="{980EBE09-200E-4576-9A9F-74E2CCDA69E9}" type="presOf" srcId="{11CE7071-2245-4C78-8AEC-EF3FD32B3A74}" destId="{A9CB19A4-B07A-4549-82DE-B3B245BB7738}" srcOrd="1" destOrd="0" presId="urn:microsoft.com/office/officeart/2008/layout/HorizontalMultiLevelHierarchy"/>
+    <dgm:cxn modelId="{9E419E0F-F7DC-4A84-AC3E-99230932A9EB}" srcId="{297A8BB9-7D3D-4B6A-B3B3-637FA64BBCBF}" destId="{069E7AF6-482E-402F-B8F8-CC94ABEA44AE}" srcOrd="2" destOrd="0" parTransId="{D5ECB190-A268-48E2-B290-5CA8F22DC8BE}" sibTransId="{06695270-DFBA-44D7-9626-152B24FC4983}"/>
     <dgm:cxn modelId="{25902116-5744-4550-8B38-096463015CFA}" type="presOf" srcId="{F91870DE-8D6C-4B6F-B3CE-43F997282F0B}" destId="{894AC4BF-0FD3-4F43-A268-3D74AD536E64}" srcOrd="0" destOrd="0" presId="urn:microsoft.com/office/officeart/2008/layout/HorizontalMultiLevelHierarchy"/>
-    <dgm:cxn modelId="{B19A591B-B2A0-42AC-9958-5B4DB9FA709F}" srcId="{069E7AF6-482E-402F-B8F8-CC94ABEA44AE}" destId="{B6F58B32-F107-4FD5-8C78-FA014368E3AB}" srcOrd="2" destOrd="0" parTransId="{2B8BD580-81D5-49DC-9AB0-D58335EE11AA}" sibTransId="{F489495A-2AB9-4333-827E-BBB595979E3F}"/>
+    <dgm:cxn modelId="{B19A591B-B2A0-42AC-9958-5B4DB9FA709F}" srcId="{069E7AF6-482E-402F-B8F8-CC94ABEA44AE}" destId="{B6F58B32-F107-4FD5-8C78-FA014368E3AB}" srcOrd="1" destOrd="0" parTransId="{2B8BD580-81D5-49DC-9AB0-D58335EE11AA}" sibTransId="{F489495A-2AB9-4333-827E-BBB595979E3F}"/>
+    <dgm:cxn modelId="{5685D51F-2519-40B2-8162-E9CBC4E41FC5}" type="presOf" srcId="{6CA8C187-AB0D-4C3C-8B55-D04860BD10C7}" destId="{75DB6AD3-0ED3-4922-A20E-1FB4D6A120CC}" srcOrd="0" destOrd="0" presId="urn:microsoft.com/office/officeart/2008/layout/HorizontalMultiLevelHierarchy"/>
     <dgm:cxn modelId="{32848120-D3A5-4CD5-95C9-73CA9923E403}" srcId="{75365E06-3D40-43CF-8489-2F28BF9832A2}" destId="{B6EE2FCE-192C-4473-8D4B-E320527F786B}" srcOrd="0" destOrd="0" parTransId="{050BDF5A-52E5-48C6-93FF-A98AB67500A2}" sibTransId="{50C5B6CF-328E-435D-95EF-7BD3C4BF5035}"/>
-    <dgm:cxn modelId="{E46F9320-6FDC-411F-9BC8-D14BCEB2B7AB}" type="presOf" srcId="{B6F58B32-F107-4FD5-8C78-FA014368E3AB}" destId="{61C40B55-F943-4A4E-B0BE-DFC7756D3D5D}" srcOrd="0" destOrd="0" presId="urn:microsoft.com/office/officeart/2008/layout/HorizontalMultiLevelHierarchy"/>
     <dgm:cxn modelId="{BCB19D27-AD67-4FA7-9598-2BEA9C51E66B}" type="presOf" srcId="{2E50D284-45C7-4646-BB3E-BFF001FE13D1}" destId="{D40DF9B3-9981-456E-B780-D4F6FEDDB9CB}" srcOrd="0" destOrd="0" presId="urn:microsoft.com/office/officeart/2008/layout/HorizontalMultiLevelHierarchy"/>
-    <dgm:cxn modelId="{7C301232-5D31-4C5B-8C8D-866B3B7B3A04}" type="presOf" srcId="{B6EE2FCE-192C-4473-8D4B-E320527F786B}" destId="{582AA43E-D3AB-4877-8CCC-3E3C15EBD201}" srcOrd="0" destOrd="0" presId="urn:microsoft.com/office/officeart/2008/layout/HorizontalMultiLevelHierarchy"/>
+    <dgm:cxn modelId="{C6B71630-58B7-498F-977D-4597404E6EDA}" type="presOf" srcId="{A8EEBA79-44CC-462D-BC60-92B3F41C611C}" destId="{DA95E68F-5869-4A60-BFCB-BDBA264BC2CC}" srcOrd="0" destOrd="0" presId="urn:microsoft.com/office/officeart/2008/layout/HorizontalMultiLevelHierarchy"/>
+    <dgm:cxn modelId="{7DCD513A-9A27-4DAE-8221-406E4065DFD3}" type="presOf" srcId="{6CA8C187-AB0D-4C3C-8B55-D04860BD10C7}" destId="{9EF6EBC4-65BB-4A78-B1D4-0152CEA5E6A5}" srcOrd="1" destOrd="0" presId="urn:microsoft.com/office/officeart/2008/layout/HorizontalMultiLevelHierarchy"/>
+    <dgm:cxn modelId="{F006263D-F9F9-49B5-AB6F-17CBEDF6712A}" srcId="{725D6A8A-3070-41F9-90F0-20FAA99F9D3C}" destId="{45A15F2A-E3DB-431D-85E6-03410ED7AB6B}" srcOrd="0" destOrd="0" parTransId="{11CE7071-2245-4C78-8AEC-EF3FD32B3A74}" sibTransId="{F4023CEC-CC99-4842-885C-839DFA2D9BE5}"/>
     <dgm:cxn modelId="{73C0603F-CF52-457F-8192-8D3E59D29DD7}" type="presOf" srcId="{2E50D284-45C7-4646-BB3E-BFF001FE13D1}" destId="{F9787790-FBC1-4624-ADF9-F4ADC89983B3}" srcOrd="1" destOrd="0" presId="urn:microsoft.com/office/officeart/2008/layout/HorizontalMultiLevelHierarchy"/>
-    <dgm:cxn modelId="{6085755D-3F5E-4DE7-9ED4-9828D7EF7ECF}" type="presOf" srcId="{D92E147C-DB9F-4DF1-87A5-B86E2B8F4B65}" destId="{DCA7B611-5B47-471E-BD14-B9248CDC4DD5}" srcOrd="1" destOrd="0" presId="urn:microsoft.com/office/officeart/2008/layout/HorizontalMultiLevelHierarchy"/>
-    <dgm:cxn modelId="{BEB9F467-94FD-47B5-AAEB-B4B4DDB2517F}" type="presOf" srcId="{6CA8C187-AB0D-4C3C-8B55-D04860BD10C7}" destId="{9EF6EBC4-65BB-4A78-B1D4-0152CEA5E6A5}" srcOrd="1" destOrd="0" presId="urn:microsoft.com/office/officeart/2008/layout/HorizontalMultiLevelHierarchy"/>
-    <dgm:cxn modelId="{87FE964D-6AD5-4D4F-B042-C62B5ADA6EDC}" type="presOf" srcId="{050BDF5A-52E5-48C6-93FF-A98AB67500A2}" destId="{0929F1DE-7EF9-4165-95B6-012D627E5726}" srcOrd="1" destOrd="0" presId="urn:microsoft.com/office/officeart/2008/layout/HorizontalMultiLevelHierarchy"/>
-    <dgm:cxn modelId="{D66EEB4E-27F7-456F-8F1F-B8DF3E341BA9}" type="presOf" srcId="{3FA4E31C-9C20-470F-B583-B60FCC7F6F7D}" destId="{D3D8E7D9-9256-44D3-9A23-1BDC49CF59FA}" srcOrd="1" destOrd="0" presId="urn:microsoft.com/office/officeart/2008/layout/HorizontalMultiLevelHierarchy"/>
-    <dgm:cxn modelId="{C8534751-8BAE-4E30-8A3F-64324BF47007}" type="presOf" srcId="{069E7AF6-482E-402F-B8F8-CC94ABEA44AE}" destId="{121FE8D6-489E-4DA7-8FAF-F697ABFDE27D}" srcOrd="0" destOrd="0" presId="urn:microsoft.com/office/officeart/2008/layout/HorizontalMultiLevelHierarchy"/>
+    <dgm:cxn modelId="{A9835B60-708F-494B-82AF-D8D76EA53208}" type="presOf" srcId="{050BDF5A-52E5-48C6-93FF-A98AB67500A2}" destId="{0929F1DE-7EF9-4165-95B6-012D627E5726}" srcOrd="1" destOrd="0" presId="urn:microsoft.com/office/officeart/2008/layout/HorizontalMultiLevelHierarchy"/>
+    <dgm:cxn modelId="{5E0B5347-1796-4B82-AF4D-031F53A32033}" type="presOf" srcId="{725D6A8A-3070-41F9-90F0-20FAA99F9D3C}" destId="{3EA0574A-6FFB-427B-848A-1CB95A3EF2E9}" srcOrd="0" destOrd="0" presId="urn:microsoft.com/office/officeart/2008/layout/HorizontalMultiLevelHierarchy"/>
+    <dgm:cxn modelId="{30E27E49-C6FD-4781-B994-35A609FC899D}" type="presOf" srcId="{11CE7071-2245-4C78-8AEC-EF3FD32B3A74}" destId="{4709C39E-F3B8-4FEB-8C09-B01E2024E20B}" srcOrd="0" destOrd="0" presId="urn:microsoft.com/office/officeart/2008/layout/HorizontalMultiLevelHierarchy"/>
+    <dgm:cxn modelId="{59C5F36E-3017-43CE-8A38-2D33892A0515}" type="presOf" srcId="{B6F58B32-F107-4FD5-8C78-FA014368E3AB}" destId="{61C40B55-F943-4A4E-B0BE-DFC7756D3D5D}" srcOrd="0" destOrd="0" presId="urn:microsoft.com/office/officeart/2008/layout/HorizontalMultiLevelHierarchy"/>
+    <dgm:cxn modelId="{4B54BD51-30E5-4D20-AEB0-FB1C1D1BFFAE}" type="presOf" srcId="{B6EE2FCE-192C-4473-8D4B-E320527F786B}" destId="{582AA43E-D3AB-4877-8CCC-3E3C15EBD201}" srcOrd="0" destOrd="0" presId="urn:microsoft.com/office/officeart/2008/layout/HorizontalMultiLevelHierarchy"/>
     <dgm:cxn modelId="{2BD0DF52-8809-49B5-8C2D-9327D931796F}" type="presOf" srcId="{297A8BB9-7D3D-4B6A-B3B3-637FA64BBCBF}" destId="{1BB66B9D-6251-44B0-B50E-096C2C0379F4}" srcOrd="0" destOrd="0" presId="urn:microsoft.com/office/officeart/2008/layout/HorizontalMultiLevelHierarchy"/>
     <dgm:cxn modelId="{D4AC4174-0023-4972-9F18-B87C098D69BA}" srcId="{1A1C5C34-606A-442B-86C0-274959069E5B}" destId="{297A8BB9-7D3D-4B6A-B3B3-637FA64BBCBF}" srcOrd="0" destOrd="0" parTransId="{2E50D284-45C7-4646-BB3E-BFF001FE13D1}" sibTransId="{322AE7A6-0544-488B-A4BE-B1308BDAD557}"/>
     <dgm:cxn modelId="{570BBE57-D2E8-4770-B514-FBB9420157A0}" type="presOf" srcId="{1A1C5C34-606A-442B-86C0-274959069E5B}" destId="{3726BC72-F477-4EF8-B98A-69BC35800169}" srcOrd="0" destOrd="0" presId="urn:microsoft.com/office/officeart/2008/layout/HorizontalMultiLevelHierarchy"/>
-    <dgm:cxn modelId="{B8CD8358-B4F1-4510-AA80-1E5486615F8E}" type="presOf" srcId="{6CA8C187-AB0D-4C3C-8B55-D04860BD10C7}" destId="{75DB6AD3-0ED3-4922-A20E-1FB4D6A120CC}" srcOrd="0" destOrd="0" presId="urn:microsoft.com/office/officeart/2008/layout/HorizontalMultiLevelHierarchy"/>
-    <dgm:cxn modelId="{528B5789-70F7-4B9B-A6AD-A0D8D6F52C8C}" type="presOf" srcId="{E4EBFECD-6F65-4C01-B68C-EF8D32136243}" destId="{FBF45E3F-DC82-4B9C-B9FD-CF0A554A130D}" srcOrd="0" destOrd="0" presId="urn:microsoft.com/office/officeart/2008/layout/HorizontalMultiLevelHierarchy"/>
-    <dgm:cxn modelId="{6F662F8B-7FDA-4C40-AEEC-B5A9E8F03F5F}" type="presOf" srcId="{D5ECB190-A268-48E2-B290-5CA8F22DC8BE}" destId="{2D9A0503-A2AF-4105-B03C-C52EE2C9F9EC}" srcOrd="1" destOrd="0" presId="urn:microsoft.com/office/officeart/2008/layout/HorizontalMultiLevelHierarchy"/>
-    <dgm:cxn modelId="{C813D49D-F35D-4D3F-8E14-8680241A7F67}" type="presOf" srcId="{D92E147C-DB9F-4DF1-87A5-B86E2B8F4B65}" destId="{15018D38-C489-40C4-A3DC-9FBC0F7F7610}" srcOrd="0" destOrd="0" presId="urn:microsoft.com/office/officeart/2008/layout/HorizontalMultiLevelHierarchy"/>
-    <dgm:cxn modelId="{0B1C6AA1-24AD-4D27-B6E6-543845E0B145}" type="presOf" srcId="{2B8BD580-81D5-49DC-9AB0-D58335EE11AA}" destId="{2EA7BE73-A822-4AA4-BCF1-1D0FD2F5D95B}" srcOrd="0" destOrd="0" presId="urn:microsoft.com/office/officeart/2008/layout/HorizontalMultiLevelHierarchy"/>
-    <dgm:cxn modelId="{06CDDEA8-C679-48BF-8C3F-375439FBA335}" type="presOf" srcId="{2B8BD580-81D5-49DC-9AB0-D58335EE11AA}" destId="{9604DFE3-E20C-469D-AD8C-73F509ACAE0F}" srcOrd="1" destOrd="0" presId="urn:microsoft.com/office/officeart/2008/layout/HorizontalMultiLevelHierarchy"/>
+    <dgm:cxn modelId="{C7300590-EB32-40DF-AE66-C485E00946D8}" type="presOf" srcId="{D5ECB190-A268-48E2-B290-5CA8F22DC8BE}" destId="{C66F9987-3C4D-442B-902D-250EECDB9555}" srcOrd="0" destOrd="0" presId="urn:microsoft.com/office/officeart/2008/layout/HorizontalMultiLevelHierarchy"/>
+    <dgm:cxn modelId="{E970E799-8F4A-449C-BC17-E85A9DA755D2}" type="presOf" srcId="{75365E06-3D40-43CF-8489-2F28BF9832A2}" destId="{349F24CC-763C-41CB-96CF-D18A433E54C3}" srcOrd="0" destOrd="0" presId="urn:microsoft.com/office/officeart/2008/layout/HorizontalMultiLevelHierarchy"/>
+    <dgm:cxn modelId="{3CFA43AA-8892-4E3C-B7D4-9FE2980F1A61}" type="presOf" srcId="{E512A89B-F609-4120-AF8D-CF80FF00B97F}" destId="{97E7B159-BFBE-474F-993F-35C139255B46}" srcOrd="0" destOrd="0" presId="urn:microsoft.com/office/officeart/2008/layout/HorizontalMultiLevelHierarchy"/>
+    <dgm:cxn modelId="{F7C297AE-2861-4D67-A6AF-711F4096E131}" type="presOf" srcId="{E512A89B-F609-4120-AF8D-CF80FF00B97F}" destId="{D8FFF830-481A-48B0-BD62-F4B4C402B832}" srcOrd="1" destOrd="0" presId="urn:microsoft.com/office/officeart/2008/layout/HorizontalMultiLevelHierarchy"/>
+    <dgm:cxn modelId="{2A3EB1BB-2D58-47CD-88B9-C390F142EDA6}" type="presOf" srcId="{45A15F2A-E3DB-431D-85E6-03410ED7AB6B}" destId="{A663367A-049B-4438-AE30-427BCE42CF19}" srcOrd="0" destOrd="0" presId="urn:microsoft.com/office/officeart/2008/layout/HorizontalMultiLevelHierarchy"/>
+    <dgm:cxn modelId="{26BDECBC-D5E5-40D0-B3B0-EEE193338299}" type="presOf" srcId="{D92E147C-DB9F-4DF1-87A5-B86E2B8F4B65}" destId="{DCA7B611-5B47-471E-BD14-B9248CDC4DD5}" srcOrd="1" destOrd="0" presId="urn:microsoft.com/office/officeart/2008/layout/HorizontalMultiLevelHierarchy"/>
+    <dgm:cxn modelId="{8AFC36BD-D5F3-42F4-83CC-42B6A7D8D19D}" type="presOf" srcId="{050BDF5A-52E5-48C6-93FF-A98AB67500A2}" destId="{C344AE3C-E165-4652-94E8-EC1A2143A510}" srcOrd="0" destOrd="0" presId="urn:microsoft.com/office/officeart/2008/layout/HorizontalMultiLevelHierarchy"/>
+    <dgm:cxn modelId="{2F2A9DD6-02AD-44F6-B0CC-1D5D2E53E9C9}" srcId="{297A8BB9-7D3D-4B6A-B3B3-637FA64BBCBF}" destId="{725D6A8A-3070-41F9-90F0-20FAA99F9D3C}" srcOrd="0" destOrd="0" parTransId="{E512A89B-F609-4120-AF8D-CF80FF00B97F}" sibTransId="{370B3B31-5493-4777-A37B-F4FF2AA6AF9A}"/>
     <dgm:cxn modelId="{6514F8DC-3961-4241-8CAA-64ABE3B42CD3}" srcId="{F91870DE-8D6C-4B6F-B3CE-43F997282F0B}" destId="{1A1C5C34-606A-442B-86C0-274959069E5B}" srcOrd="0" destOrd="0" parTransId="{0C0E6220-F601-43A9-A223-A7AA90A5BA46}" sibTransId="{CAFFB5A5-16F9-4BF3-B664-78A6A1427214}"/>
-    <dgm:cxn modelId="{493AEAE3-766C-4302-8F2F-1524D6CE0164}" type="presOf" srcId="{D5ECB190-A268-48E2-B290-5CA8F22DC8BE}" destId="{C66F9987-3C4D-442B-902D-250EECDB9555}" srcOrd="0" destOrd="0" presId="urn:microsoft.com/office/officeart/2008/layout/HorizontalMultiLevelHierarchy"/>
-    <dgm:cxn modelId="{E68B22E4-8377-4CCD-8CA4-9153E335156B}" srcId="{297A8BB9-7D3D-4B6A-B3B3-637FA64BBCBF}" destId="{75365E06-3D40-43CF-8489-2F28BF9832A2}" srcOrd="0" destOrd="0" parTransId="{6CA8C187-AB0D-4C3C-8B55-D04860BD10C7}" sibTransId="{37FA01F1-E50E-419D-B4C6-80B790C951C8}"/>
-    <dgm:cxn modelId="{59DFC9EC-523B-4039-8E8E-477692873C29}" type="presOf" srcId="{3FA4E31C-9C20-470F-B583-B60FCC7F6F7D}" destId="{4C0C4027-B4B5-4C56-9694-37C48391DEB7}" srcOrd="0" destOrd="0" presId="urn:microsoft.com/office/officeart/2008/layout/HorizontalMultiLevelHierarchy"/>
-    <dgm:cxn modelId="{CF4D1FFB-0C61-4C01-A946-745CB67BCD50}" srcId="{069E7AF6-482E-402F-B8F8-CC94ABEA44AE}" destId="{E4EBFECD-6F65-4C01-B68C-EF8D32136243}" srcOrd="0" destOrd="0" parTransId="{3FA4E31C-9C20-470F-B583-B60FCC7F6F7D}" sibTransId="{FF57281F-B46C-40F4-8F05-D655580302E9}"/>
+    <dgm:cxn modelId="{2C15EEDE-94FB-475E-886A-CF843C74E65F}" type="presOf" srcId="{069E7AF6-482E-402F-B8F8-CC94ABEA44AE}" destId="{121FE8D6-489E-4DA7-8FAF-F697ABFDE27D}" srcOrd="0" destOrd="0" presId="urn:microsoft.com/office/officeart/2008/layout/HorizontalMultiLevelHierarchy"/>
+    <dgm:cxn modelId="{CA1AD0DF-1E6C-4CB2-9A3B-D9BB12C70BEF}" type="presOf" srcId="{D5ECB190-A268-48E2-B290-5CA8F22DC8BE}" destId="{2D9A0503-A2AF-4105-B03C-C52EE2C9F9EC}" srcOrd="1" destOrd="0" presId="urn:microsoft.com/office/officeart/2008/layout/HorizontalMultiLevelHierarchy"/>
+    <dgm:cxn modelId="{AB88D8E3-53AD-458B-97D7-91C8ABA2E631}" type="presOf" srcId="{2B8BD580-81D5-49DC-9AB0-D58335EE11AA}" destId="{2EA7BE73-A822-4AA4-BCF1-1D0FD2F5D95B}" srcOrd="0" destOrd="0" presId="urn:microsoft.com/office/officeart/2008/layout/HorizontalMultiLevelHierarchy"/>
+    <dgm:cxn modelId="{E68B22E4-8377-4CCD-8CA4-9153E335156B}" srcId="{297A8BB9-7D3D-4B6A-B3B3-637FA64BBCBF}" destId="{75365E06-3D40-43CF-8489-2F28BF9832A2}" srcOrd="1" destOrd="0" parTransId="{6CA8C187-AB0D-4C3C-8B55-D04860BD10C7}" sibTransId="{37FA01F1-E50E-419D-B4C6-80B790C951C8}"/>
+    <dgm:cxn modelId="{514B59F0-15C6-424C-B210-B29BB8CC41E1}" type="presOf" srcId="{2B8BD580-81D5-49DC-9AB0-D58335EE11AA}" destId="{9604DFE3-E20C-469D-AD8C-73F509ACAE0F}" srcOrd="1" destOrd="0" presId="urn:microsoft.com/office/officeart/2008/layout/HorizontalMultiLevelHierarchy"/>
     <dgm:cxn modelId="{A8B482F4-76EA-4113-87E4-DAD3B2F9711B}" type="presParOf" srcId="{894AC4BF-0FD3-4F43-A268-3D74AD536E64}" destId="{EA6FCF25-CACF-404D-9045-21D5BB12550A}" srcOrd="0" destOrd="0" presId="urn:microsoft.com/office/officeart/2008/layout/HorizontalMultiLevelHierarchy"/>
     <dgm:cxn modelId="{DB529A48-FABC-4495-90F1-A736E3DB93C6}" type="presParOf" srcId="{EA6FCF25-CACF-404D-9045-21D5BB12550A}" destId="{3726BC72-F477-4EF8-B98A-69BC35800169}" srcOrd="0" destOrd="0" presId="urn:microsoft.com/office/officeart/2008/layout/HorizontalMultiLevelHierarchy"/>
     <dgm:cxn modelId="{162882A3-C123-4AAE-9267-62F894F111A3}" type="presParOf" srcId="{EA6FCF25-CACF-404D-9045-21D5BB12550A}" destId="{609E605C-7B00-4DFB-B95D-47F4D18CDC28}" srcOrd="1" destOrd="0" presId="urn:microsoft.com/office/officeart/2008/layout/HorizontalMultiLevelHierarchy"/>
@@ -3017,36 +3088,41 @@
     <dgm:cxn modelId="{1FF5D3C4-3556-401B-B431-6980D51550AE}" type="presParOf" srcId="{609E605C-7B00-4DFB-B95D-47F4D18CDC28}" destId="{2E3B82D0-AC86-4B92-820C-5E272992A346}" srcOrd="1" destOrd="0" presId="urn:microsoft.com/office/officeart/2008/layout/HorizontalMultiLevelHierarchy"/>
     <dgm:cxn modelId="{7497978E-C282-4BB4-BA41-C3C7257E024D}" type="presParOf" srcId="{2E3B82D0-AC86-4B92-820C-5E272992A346}" destId="{1BB66B9D-6251-44B0-B50E-096C2C0379F4}" srcOrd="0" destOrd="0" presId="urn:microsoft.com/office/officeart/2008/layout/HorizontalMultiLevelHierarchy"/>
     <dgm:cxn modelId="{0A24F19F-96CF-487F-B75C-F7452DD88812}" type="presParOf" srcId="{2E3B82D0-AC86-4B92-820C-5E272992A346}" destId="{4431D5B4-0E26-4785-9E90-B99839132C87}" srcOrd="1" destOrd="0" presId="urn:microsoft.com/office/officeart/2008/layout/HorizontalMultiLevelHierarchy"/>
-    <dgm:cxn modelId="{F6A157E6-27AD-4F4A-9914-F0FDB94EA5DE}" type="presParOf" srcId="{4431D5B4-0E26-4785-9E90-B99839132C87}" destId="{75DB6AD3-0ED3-4922-A20E-1FB4D6A120CC}" srcOrd="0" destOrd="0" presId="urn:microsoft.com/office/officeart/2008/layout/HorizontalMultiLevelHierarchy"/>
-    <dgm:cxn modelId="{DFF3551B-B4B3-4683-93D9-72BCB797C844}" type="presParOf" srcId="{75DB6AD3-0ED3-4922-A20E-1FB4D6A120CC}" destId="{9EF6EBC4-65BB-4A78-B1D4-0152CEA5E6A5}" srcOrd="0" destOrd="0" presId="urn:microsoft.com/office/officeart/2008/layout/HorizontalMultiLevelHierarchy"/>
-    <dgm:cxn modelId="{7518B2F0-1733-463C-BE31-B17E0AD6AA45}" type="presParOf" srcId="{4431D5B4-0E26-4785-9E90-B99839132C87}" destId="{E291BB9A-9906-4183-9F09-3CE00D8AC897}" srcOrd="1" destOrd="0" presId="urn:microsoft.com/office/officeart/2008/layout/HorizontalMultiLevelHierarchy"/>
-    <dgm:cxn modelId="{D83DD1D5-2E48-4072-817C-2F16C0A3949E}" type="presParOf" srcId="{E291BB9A-9906-4183-9F09-3CE00D8AC897}" destId="{349F24CC-763C-41CB-96CF-D18A433E54C3}" srcOrd="0" destOrd="0" presId="urn:microsoft.com/office/officeart/2008/layout/HorizontalMultiLevelHierarchy"/>
-    <dgm:cxn modelId="{4DC238B3-F995-46E4-BA5F-F83A2AFCFAB4}" type="presParOf" srcId="{E291BB9A-9906-4183-9F09-3CE00D8AC897}" destId="{7AD8DFB8-A153-4F57-AB47-F7359CE372B4}" srcOrd="1" destOrd="0" presId="urn:microsoft.com/office/officeart/2008/layout/HorizontalMultiLevelHierarchy"/>
-    <dgm:cxn modelId="{0D467E3E-DE3B-4187-B1CB-DA08715FD39F}" type="presParOf" srcId="{7AD8DFB8-A153-4F57-AB47-F7359CE372B4}" destId="{C344AE3C-E165-4652-94E8-EC1A2143A510}" srcOrd="0" destOrd="0" presId="urn:microsoft.com/office/officeart/2008/layout/HorizontalMultiLevelHierarchy"/>
-    <dgm:cxn modelId="{114B7BDC-62F0-49C0-B838-F3D829669B7B}" type="presParOf" srcId="{C344AE3C-E165-4652-94E8-EC1A2143A510}" destId="{0929F1DE-7EF9-4165-95B6-012D627E5726}" srcOrd="0" destOrd="0" presId="urn:microsoft.com/office/officeart/2008/layout/HorizontalMultiLevelHierarchy"/>
-    <dgm:cxn modelId="{A915CB7D-3FB6-4511-BC3E-63CB6D176B72}" type="presParOf" srcId="{7AD8DFB8-A153-4F57-AB47-F7359CE372B4}" destId="{A59AA26C-295D-4185-932B-B24174CB964B}" srcOrd="1" destOrd="0" presId="urn:microsoft.com/office/officeart/2008/layout/HorizontalMultiLevelHierarchy"/>
-    <dgm:cxn modelId="{F9E70A55-F750-40B1-8E09-1559A02189F8}" type="presParOf" srcId="{A59AA26C-295D-4185-932B-B24174CB964B}" destId="{582AA43E-D3AB-4877-8CCC-3E3C15EBD201}" srcOrd="0" destOrd="0" presId="urn:microsoft.com/office/officeart/2008/layout/HorizontalMultiLevelHierarchy"/>
-    <dgm:cxn modelId="{912DB41F-4C20-44AF-BAD4-924FD18F2E36}" type="presParOf" srcId="{A59AA26C-295D-4185-932B-B24174CB964B}" destId="{DA758572-547E-4631-969D-A2ABF35D9563}" srcOrd="1" destOrd="0" presId="urn:microsoft.com/office/officeart/2008/layout/HorizontalMultiLevelHierarchy"/>
-    <dgm:cxn modelId="{88AA01AD-24A6-405B-AA1C-5149C8D23197}" type="presParOf" srcId="{4431D5B4-0E26-4785-9E90-B99839132C87}" destId="{C66F9987-3C4D-442B-902D-250EECDB9555}" srcOrd="2" destOrd="0" presId="urn:microsoft.com/office/officeart/2008/layout/HorizontalMultiLevelHierarchy"/>
-    <dgm:cxn modelId="{922C52D7-38F7-4BA7-A2C6-24FD5759F496}" type="presParOf" srcId="{C66F9987-3C4D-442B-902D-250EECDB9555}" destId="{2D9A0503-A2AF-4105-B03C-C52EE2C9F9EC}" srcOrd="0" destOrd="0" presId="urn:microsoft.com/office/officeart/2008/layout/HorizontalMultiLevelHierarchy"/>
-    <dgm:cxn modelId="{C65C6189-10AE-44B9-9E45-E0FEC455D4EE}" type="presParOf" srcId="{4431D5B4-0E26-4785-9E90-B99839132C87}" destId="{34E37110-F106-4836-A298-C6DD5C98AB73}" srcOrd="3" destOrd="0" presId="urn:microsoft.com/office/officeart/2008/layout/HorizontalMultiLevelHierarchy"/>
-    <dgm:cxn modelId="{DA7610B1-C467-4525-838E-6872588FB3B4}" type="presParOf" srcId="{34E37110-F106-4836-A298-C6DD5C98AB73}" destId="{121FE8D6-489E-4DA7-8FAF-F697ABFDE27D}" srcOrd="0" destOrd="0" presId="urn:microsoft.com/office/officeart/2008/layout/HorizontalMultiLevelHierarchy"/>
-    <dgm:cxn modelId="{DC31717C-7A0B-4D13-BFA0-70FEC4F813BB}" type="presParOf" srcId="{34E37110-F106-4836-A298-C6DD5C98AB73}" destId="{EA9E4217-5D88-458C-A943-2D49DB08EB28}" srcOrd="1" destOrd="0" presId="urn:microsoft.com/office/officeart/2008/layout/HorizontalMultiLevelHierarchy"/>
-    <dgm:cxn modelId="{599A16DB-50CE-4932-AC9A-95B72FF467D2}" type="presParOf" srcId="{EA9E4217-5D88-458C-A943-2D49DB08EB28}" destId="{4C0C4027-B4B5-4C56-9694-37C48391DEB7}" srcOrd="0" destOrd="0" presId="urn:microsoft.com/office/officeart/2008/layout/HorizontalMultiLevelHierarchy"/>
-    <dgm:cxn modelId="{7E34DE8D-D1DC-4C37-B933-E583E91E3CBC}" type="presParOf" srcId="{4C0C4027-B4B5-4C56-9694-37C48391DEB7}" destId="{D3D8E7D9-9256-44D3-9A23-1BDC49CF59FA}" srcOrd="0" destOrd="0" presId="urn:microsoft.com/office/officeart/2008/layout/HorizontalMultiLevelHierarchy"/>
-    <dgm:cxn modelId="{FE81AAFF-2DC7-4F60-81B3-37120EE13D6B}" type="presParOf" srcId="{EA9E4217-5D88-458C-A943-2D49DB08EB28}" destId="{D0419916-2AE2-493A-A066-736B9E915102}" srcOrd="1" destOrd="0" presId="urn:microsoft.com/office/officeart/2008/layout/HorizontalMultiLevelHierarchy"/>
-    <dgm:cxn modelId="{1AAF9B0F-D2A3-42A5-8D36-ED050EEA51E3}" type="presParOf" srcId="{D0419916-2AE2-493A-A066-736B9E915102}" destId="{FBF45E3F-DC82-4B9C-B9FD-CF0A554A130D}" srcOrd="0" destOrd="0" presId="urn:microsoft.com/office/officeart/2008/layout/HorizontalMultiLevelHierarchy"/>
-    <dgm:cxn modelId="{0E8E890F-E678-4A6E-81EB-AA66D3A8CBC5}" type="presParOf" srcId="{D0419916-2AE2-493A-A066-736B9E915102}" destId="{039531B8-2ED8-4DE5-AD33-0E5CB5E69827}" srcOrd="1" destOrd="0" presId="urn:microsoft.com/office/officeart/2008/layout/HorizontalMultiLevelHierarchy"/>
-    <dgm:cxn modelId="{C703260C-27A0-49F7-9DA0-0EDEDCE033F9}" type="presParOf" srcId="{EA9E4217-5D88-458C-A943-2D49DB08EB28}" destId="{15018D38-C489-40C4-A3DC-9FBC0F7F7610}" srcOrd="2" destOrd="0" presId="urn:microsoft.com/office/officeart/2008/layout/HorizontalMultiLevelHierarchy"/>
-    <dgm:cxn modelId="{87737A9E-997A-431F-8FC7-C64DD2308D37}" type="presParOf" srcId="{15018D38-C489-40C4-A3DC-9FBC0F7F7610}" destId="{DCA7B611-5B47-471E-BD14-B9248CDC4DD5}" srcOrd="0" destOrd="0" presId="urn:microsoft.com/office/officeart/2008/layout/HorizontalMultiLevelHierarchy"/>
-    <dgm:cxn modelId="{7F443479-6EE6-4A3E-A014-3A2FC32F0B35}" type="presParOf" srcId="{EA9E4217-5D88-458C-A943-2D49DB08EB28}" destId="{BB2CB90E-3E78-4C6B-997B-DB1C786904D6}" srcOrd="3" destOrd="0" presId="urn:microsoft.com/office/officeart/2008/layout/HorizontalMultiLevelHierarchy"/>
-    <dgm:cxn modelId="{AAEDF16E-5A60-48A0-9D29-2AA891E087F3}" type="presParOf" srcId="{BB2CB90E-3E78-4C6B-997B-DB1C786904D6}" destId="{DA95E68F-5869-4A60-BFCB-BDBA264BC2CC}" srcOrd="0" destOrd="0" presId="urn:microsoft.com/office/officeart/2008/layout/HorizontalMultiLevelHierarchy"/>
-    <dgm:cxn modelId="{DD02320A-2690-49FF-98EB-F9AE0248E588}" type="presParOf" srcId="{BB2CB90E-3E78-4C6B-997B-DB1C786904D6}" destId="{20D2931D-F60D-4202-8350-78FC0B85E807}" srcOrd="1" destOrd="0" presId="urn:microsoft.com/office/officeart/2008/layout/HorizontalMultiLevelHierarchy"/>
-    <dgm:cxn modelId="{F59DEC93-8EFF-4984-A198-1841E9EAE355}" type="presParOf" srcId="{EA9E4217-5D88-458C-A943-2D49DB08EB28}" destId="{2EA7BE73-A822-4AA4-BCF1-1D0FD2F5D95B}" srcOrd="4" destOrd="0" presId="urn:microsoft.com/office/officeart/2008/layout/HorizontalMultiLevelHierarchy"/>
-    <dgm:cxn modelId="{8505FD3B-BAF0-457C-87FE-F7632FCCADA0}" type="presParOf" srcId="{2EA7BE73-A822-4AA4-BCF1-1D0FD2F5D95B}" destId="{9604DFE3-E20C-469D-AD8C-73F509ACAE0F}" srcOrd="0" destOrd="0" presId="urn:microsoft.com/office/officeart/2008/layout/HorizontalMultiLevelHierarchy"/>
-    <dgm:cxn modelId="{7547AECD-7384-4E8C-8598-EB8C9EB89695}" type="presParOf" srcId="{EA9E4217-5D88-458C-A943-2D49DB08EB28}" destId="{5B96DE61-37D8-41F4-8F1B-B0CEE0970344}" srcOrd="5" destOrd="0" presId="urn:microsoft.com/office/officeart/2008/layout/HorizontalMultiLevelHierarchy"/>
-    <dgm:cxn modelId="{C05A4C3B-E8C9-4029-874E-6A218A8E8850}" type="presParOf" srcId="{5B96DE61-37D8-41F4-8F1B-B0CEE0970344}" destId="{61C40B55-F943-4A4E-B0BE-DFC7756D3D5D}" srcOrd="0" destOrd="0" presId="urn:microsoft.com/office/officeart/2008/layout/HorizontalMultiLevelHierarchy"/>
-    <dgm:cxn modelId="{3F66FC03-7906-494D-B2A7-10BE4362B3BC}" type="presParOf" srcId="{5B96DE61-37D8-41F4-8F1B-B0CEE0970344}" destId="{F792E55D-5E63-4AFC-A920-54A323DC0454}" srcOrd="1" destOrd="0" presId="urn:microsoft.com/office/officeart/2008/layout/HorizontalMultiLevelHierarchy"/>
+    <dgm:cxn modelId="{02685607-2D3E-482F-BE49-39F1BEA3E651}" type="presParOf" srcId="{4431D5B4-0E26-4785-9E90-B99839132C87}" destId="{97E7B159-BFBE-474F-993F-35C139255B46}" srcOrd="0" destOrd="0" presId="urn:microsoft.com/office/officeart/2008/layout/HorizontalMultiLevelHierarchy"/>
+    <dgm:cxn modelId="{0BCE5007-B6A9-4811-A559-7E8E5E07BCDE}" type="presParOf" srcId="{97E7B159-BFBE-474F-993F-35C139255B46}" destId="{D8FFF830-481A-48B0-BD62-F4B4C402B832}" srcOrd="0" destOrd="0" presId="urn:microsoft.com/office/officeart/2008/layout/HorizontalMultiLevelHierarchy"/>
+    <dgm:cxn modelId="{E6E028F4-FE95-4CC3-BD89-F7B877200BB8}" type="presParOf" srcId="{4431D5B4-0E26-4785-9E90-B99839132C87}" destId="{F7BA06C7-4733-4A4F-9800-38806C858336}" srcOrd="1" destOrd="0" presId="urn:microsoft.com/office/officeart/2008/layout/HorizontalMultiLevelHierarchy"/>
+    <dgm:cxn modelId="{BD76ADC7-7600-461A-B7AB-915A3F8D186D}" type="presParOf" srcId="{F7BA06C7-4733-4A4F-9800-38806C858336}" destId="{3EA0574A-6FFB-427B-848A-1CB95A3EF2E9}" srcOrd="0" destOrd="0" presId="urn:microsoft.com/office/officeart/2008/layout/HorizontalMultiLevelHierarchy"/>
+    <dgm:cxn modelId="{AA23E5E0-3E21-4698-91F4-31825366C65A}" type="presParOf" srcId="{F7BA06C7-4733-4A4F-9800-38806C858336}" destId="{90A536D9-6F96-4977-9925-744E994E2688}" srcOrd="1" destOrd="0" presId="urn:microsoft.com/office/officeart/2008/layout/HorizontalMultiLevelHierarchy"/>
+    <dgm:cxn modelId="{3AE1184E-A8D9-40AB-A918-1C964DCEE47B}" type="presParOf" srcId="{90A536D9-6F96-4977-9925-744E994E2688}" destId="{4709C39E-F3B8-4FEB-8C09-B01E2024E20B}" srcOrd="0" destOrd="0" presId="urn:microsoft.com/office/officeart/2008/layout/HorizontalMultiLevelHierarchy"/>
+    <dgm:cxn modelId="{FC39AD65-1E94-4AE2-8E53-2963E299546A}" type="presParOf" srcId="{4709C39E-F3B8-4FEB-8C09-B01E2024E20B}" destId="{A9CB19A4-B07A-4549-82DE-B3B245BB7738}" srcOrd="0" destOrd="0" presId="urn:microsoft.com/office/officeart/2008/layout/HorizontalMultiLevelHierarchy"/>
+    <dgm:cxn modelId="{441D46B5-21CF-4331-B243-D88479014AD2}" type="presParOf" srcId="{90A536D9-6F96-4977-9925-744E994E2688}" destId="{E0EA2074-4EC6-46D8-971F-79647A7117F4}" srcOrd="1" destOrd="0" presId="urn:microsoft.com/office/officeart/2008/layout/HorizontalMultiLevelHierarchy"/>
+    <dgm:cxn modelId="{D11B8A85-E4C4-42D5-B4CB-6F4984578F3B}" type="presParOf" srcId="{E0EA2074-4EC6-46D8-971F-79647A7117F4}" destId="{A663367A-049B-4438-AE30-427BCE42CF19}" srcOrd="0" destOrd="0" presId="urn:microsoft.com/office/officeart/2008/layout/HorizontalMultiLevelHierarchy"/>
+    <dgm:cxn modelId="{FA4D6EFD-04FF-4427-BE6D-A3C0B3F9B7C0}" type="presParOf" srcId="{E0EA2074-4EC6-46D8-971F-79647A7117F4}" destId="{F204CE1E-8270-43A3-B948-3172E28BD6CB}" srcOrd="1" destOrd="0" presId="urn:microsoft.com/office/officeart/2008/layout/HorizontalMultiLevelHierarchy"/>
+    <dgm:cxn modelId="{09F72E1F-44DE-4EE4-9D84-DE4DEACD23E6}" type="presParOf" srcId="{4431D5B4-0E26-4785-9E90-B99839132C87}" destId="{75DB6AD3-0ED3-4922-A20E-1FB4D6A120CC}" srcOrd="2" destOrd="0" presId="urn:microsoft.com/office/officeart/2008/layout/HorizontalMultiLevelHierarchy"/>
+    <dgm:cxn modelId="{4DB73AF0-4212-473A-B04E-B9D3F784B0CC}" type="presParOf" srcId="{75DB6AD3-0ED3-4922-A20E-1FB4D6A120CC}" destId="{9EF6EBC4-65BB-4A78-B1D4-0152CEA5E6A5}" srcOrd="0" destOrd="0" presId="urn:microsoft.com/office/officeart/2008/layout/HorizontalMultiLevelHierarchy"/>
+    <dgm:cxn modelId="{1998CD9C-D012-42FD-9287-CA0C6F3F5731}" type="presParOf" srcId="{4431D5B4-0E26-4785-9E90-B99839132C87}" destId="{E291BB9A-9906-4183-9F09-3CE00D8AC897}" srcOrd="3" destOrd="0" presId="urn:microsoft.com/office/officeart/2008/layout/HorizontalMultiLevelHierarchy"/>
+    <dgm:cxn modelId="{0D07D579-B53E-4B9F-B9D8-8A07EA510A68}" type="presParOf" srcId="{E291BB9A-9906-4183-9F09-3CE00D8AC897}" destId="{349F24CC-763C-41CB-96CF-D18A433E54C3}" srcOrd="0" destOrd="0" presId="urn:microsoft.com/office/officeart/2008/layout/HorizontalMultiLevelHierarchy"/>
+    <dgm:cxn modelId="{15DC4FCE-D25A-4156-AB67-FBC91656EEA4}" type="presParOf" srcId="{E291BB9A-9906-4183-9F09-3CE00D8AC897}" destId="{7AD8DFB8-A153-4F57-AB47-F7359CE372B4}" srcOrd="1" destOrd="0" presId="urn:microsoft.com/office/officeart/2008/layout/HorizontalMultiLevelHierarchy"/>
+    <dgm:cxn modelId="{E9483B1C-8EDE-4BC9-828D-0012BB5D3F81}" type="presParOf" srcId="{7AD8DFB8-A153-4F57-AB47-F7359CE372B4}" destId="{C344AE3C-E165-4652-94E8-EC1A2143A510}" srcOrd="0" destOrd="0" presId="urn:microsoft.com/office/officeart/2008/layout/HorizontalMultiLevelHierarchy"/>
+    <dgm:cxn modelId="{C23844B3-D2B2-4279-BA11-7EB58EA4B01C}" type="presParOf" srcId="{C344AE3C-E165-4652-94E8-EC1A2143A510}" destId="{0929F1DE-7EF9-4165-95B6-012D627E5726}" srcOrd="0" destOrd="0" presId="urn:microsoft.com/office/officeart/2008/layout/HorizontalMultiLevelHierarchy"/>
+    <dgm:cxn modelId="{C15DE001-64F7-496E-ACDD-AAE088A5F49F}" type="presParOf" srcId="{7AD8DFB8-A153-4F57-AB47-F7359CE372B4}" destId="{A59AA26C-295D-4185-932B-B24174CB964B}" srcOrd="1" destOrd="0" presId="urn:microsoft.com/office/officeart/2008/layout/HorizontalMultiLevelHierarchy"/>
+    <dgm:cxn modelId="{D350283A-377A-4ACC-B592-99E37E2AD898}" type="presParOf" srcId="{A59AA26C-295D-4185-932B-B24174CB964B}" destId="{582AA43E-D3AB-4877-8CCC-3E3C15EBD201}" srcOrd="0" destOrd="0" presId="urn:microsoft.com/office/officeart/2008/layout/HorizontalMultiLevelHierarchy"/>
+    <dgm:cxn modelId="{3B8DAFBC-1939-4615-9C06-281BD0A66370}" type="presParOf" srcId="{A59AA26C-295D-4185-932B-B24174CB964B}" destId="{DA758572-547E-4631-969D-A2ABF35D9563}" srcOrd="1" destOrd="0" presId="urn:microsoft.com/office/officeart/2008/layout/HorizontalMultiLevelHierarchy"/>
+    <dgm:cxn modelId="{6B5192AF-5EB8-44F2-9363-5773A019E4F9}" type="presParOf" srcId="{4431D5B4-0E26-4785-9E90-B99839132C87}" destId="{C66F9987-3C4D-442B-902D-250EECDB9555}" srcOrd="4" destOrd="0" presId="urn:microsoft.com/office/officeart/2008/layout/HorizontalMultiLevelHierarchy"/>
+    <dgm:cxn modelId="{8549796A-1076-496B-A2FA-C5E5681D987A}" type="presParOf" srcId="{C66F9987-3C4D-442B-902D-250EECDB9555}" destId="{2D9A0503-A2AF-4105-B03C-C52EE2C9F9EC}" srcOrd="0" destOrd="0" presId="urn:microsoft.com/office/officeart/2008/layout/HorizontalMultiLevelHierarchy"/>
+    <dgm:cxn modelId="{C92E3244-0AF3-4651-B996-90DC42959B22}" type="presParOf" srcId="{4431D5B4-0E26-4785-9E90-B99839132C87}" destId="{34E37110-F106-4836-A298-C6DD5C98AB73}" srcOrd="5" destOrd="0" presId="urn:microsoft.com/office/officeart/2008/layout/HorizontalMultiLevelHierarchy"/>
+    <dgm:cxn modelId="{02ED5471-3891-49E7-8028-F8060293D8BC}" type="presParOf" srcId="{34E37110-F106-4836-A298-C6DD5C98AB73}" destId="{121FE8D6-489E-4DA7-8FAF-F697ABFDE27D}" srcOrd="0" destOrd="0" presId="urn:microsoft.com/office/officeart/2008/layout/HorizontalMultiLevelHierarchy"/>
+    <dgm:cxn modelId="{9C2504AA-3B8F-402F-B140-5C4E83E76770}" type="presParOf" srcId="{34E37110-F106-4836-A298-C6DD5C98AB73}" destId="{EA9E4217-5D88-458C-A943-2D49DB08EB28}" srcOrd="1" destOrd="0" presId="urn:microsoft.com/office/officeart/2008/layout/HorizontalMultiLevelHierarchy"/>
+    <dgm:cxn modelId="{2599E552-249F-445A-A770-9088A9B8DBCF}" type="presParOf" srcId="{EA9E4217-5D88-458C-A943-2D49DB08EB28}" destId="{15018D38-C489-40C4-A3DC-9FBC0F7F7610}" srcOrd="0" destOrd="0" presId="urn:microsoft.com/office/officeart/2008/layout/HorizontalMultiLevelHierarchy"/>
+    <dgm:cxn modelId="{B39AEA82-3296-4CA2-9561-E1928AF74683}" type="presParOf" srcId="{15018D38-C489-40C4-A3DC-9FBC0F7F7610}" destId="{DCA7B611-5B47-471E-BD14-B9248CDC4DD5}" srcOrd="0" destOrd="0" presId="urn:microsoft.com/office/officeart/2008/layout/HorizontalMultiLevelHierarchy"/>
+    <dgm:cxn modelId="{5A0A4CF4-0BEE-4FE3-A8EA-533AC9B7989C}" type="presParOf" srcId="{EA9E4217-5D88-458C-A943-2D49DB08EB28}" destId="{BB2CB90E-3E78-4C6B-997B-DB1C786904D6}" srcOrd="1" destOrd="0" presId="urn:microsoft.com/office/officeart/2008/layout/HorizontalMultiLevelHierarchy"/>
+    <dgm:cxn modelId="{30183E1E-B768-4F8A-9DBF-317C870FBC40}" type="presParOf" srcId="{BB2CB90E-3E78-4C6B-997B-DB1C786904D6}" destId="{DA95E68F-5869-4A60-BFCB-BDBA264BC2CC}" srcOrd="0" destOrd="0" presId="urn:microsoft.com/office/officeart/2008/layout/HorizontalMultiLevelHierarchy"/>
+    <dgm:cxn modelId="{2037E13D-3295-4A7E-AF3C-92DC27CB47FB}" type="presParOf" srcId="{BB2CB90E-3E78-4C6B-997B-DB1C786904D6}" destId="{20D2931D-F60D-4202-8350-78FC0B85E807}" srcOrd="1" destOrd="0" presId="urn:microsoft.com/office/officeart/2008/layout/HorizontalMultiLevelHierarchy"/>
+    <dgm:cxn modelId="{B03ED4EB-1172-4560-8A29-5B36418E52C7}" type="presParOf" srcId="{EA9E4217-5D88-458C-A943-2D49DB08EB28}" destId="{2EA7BE73-A822-4AA4-BCF1-1D0FD2F5D95B}" srcOrd="2" destOrd="0" presId="urn:microsoft.com/office/officeart/2008/layout/HorizontalMultiLevelHierarchy"/>
+    <dgm:cxn modelId="{85248AE8-399E-4B8D-9963-CD14E1C65E2E}" type="presParOf" srcId="{2EA7BE73-A822-4AA4-BCF1-1D0FD2F5D95B}" destId="{9604DFE3-E20C-469D-AD8C-73F509ACAE0F}" srcOrd="0" destOrd="0" presId="urn:microsoft.com/office/officeart/2008/layout/HorizontalMultiLevelHierarchy"/>
+    <dgm:cxn modelId="{3C22CB29-0471-45CC-AD80-5DD932154B29}" type="presParOf" srcId="{EA9E4217-5D88-458C-A943-2D49DB08EB28}" destId="{5B96DE61-37D8-41F4-8F1B-B0CEE0970344}" srcOrd="3" destOrd="0" presId="urn:microsoft.com/office/officeart/2008/layout/HorizontalMultiLevelHierarchy"/>
+    <dgm:cxn modelId="{37286320-9FAB-4542-BCA7-44DB4B0B6CC9}" type="presParOf" srcId="{5B96DE61-37D8-41F4-8F1B-B0CEE0970344}" destId="{61C40B55-F943-4A4E-B0BE-DFC7756D3D5D}" srcOrd="0" destOrd="0" presId="urn:microsoft.com/office/officeart/2008/layout/HorizontalMultiLevelHierarchy"/>
+    <dgm:cxn modelId="{08D056B8-4369-4D38-969B-CCB0379F5B62}" type="presParOf" srcId="{5B96DE61-37D8-41F4-8F1B-B0CEE0970344}" destId="{F792E55D-5E63-4AFC-A920-54A323DC0454}" srcOrd="1" destOrd="0" presId="urn:microsoft.com/office/officeart/2008/layout/HorizontalMultiLevelHierarchy"/>
   </dgm:cxnLst>
   <dgm:bg/>
   <dgm:whole/>
@@ -3660,8 +3736,8 @@
       </dsp:nvSpPr>
       <dsp:spPr>
         <a:xfrm>
-          <a:off x="8368933" y="3652347"/>
-          <a:ext cx="604150" cy="1151202"/>
+          <a:off x="8442786" y="4848382"/>
+          <a:ext cx="623781" cy="594303"/>
         </a:xfrm>
         <a:custGeom>
           <a:avLst/>
@@ -3675,13 +3751,13 @@
                 <a:pt x="0" y="0"/>
               </a:moveTo>
               <a:lnTo>
-                <a:pt x="302075" y="0"/>
+                <a:pt x="311890" y="0"/>
               </a:lnTo>
               <a:lnTo>
-                <a:pt x="302075" y="1151202"/>
+                <a:pt x="311890" y="594303"/>
               </a:lnTo>
               <a:lnTo>
-                <a:pt x="604150" y="1151202"/>
+                <a:pt x="623781" y="594303"/>
               </a:lnTo>
             </a:path>
           </a:pathLst>
@@ -3736,8 +3812,8 @@
         </a:p>
       </dsp:txBody>
       <dsp:txXfrm>
-        <a:off x="8638506" y="4195445"/>
-        <a:ext cx="65005" cy="65005"/>
+        <a:off x="8733137" y="5123994"/>
+        <a:ext cx="43078" cy="43078"/>
       </dsp:txXfrm>
     </dsp:sp>
     <dsp:sp modelId="{15018D38-C489-40C4-A3DC-9FBC0F7F7610}">
@@ -3747,8 +3823,8 @@
       </dsp:nvSpPr>
       <dsp:spPr>
         <a:xfrm>
-          <a:off x="8368933" y="3498196"/>
-          <a:ext cx="604150" cy="154150"/>
+          <a:off x="8442786" y="4094919"/>
+          <a:ext cx="623781" cy="753462"/>
         </a:xfrm>
         <a:custGeom>
           <a:avLst/>
@@ -3759,16 +3835,16 @@
           <a:pathLst>
             <a:path>
               <a:moveTo>
-                <a:pt x="0" y="154150"/>
+                <a:pt x="0" y="753462"/>
               </a:moveTo>
               <a:lnTo>
-                <a:pt x="302075" y="154150"/>
+                <a:pt x="311890" y="753462"/>
               </a:lnTo>
               <a:lnTo>
-                <a:pt x="302075" y="0"/>
+                <a:pt x="311890" y="0"/>
               </a:lnTo>
               <a:lnTo>
-                <a:pt x="604150" y="0"/>
+                <a:pt x="623781" y="0"/>
               </a:lnTo>
             </a:path>
           </a:pathLst>
@@ -3823,19 +3899,19 @@
         </a:p>
       </dsp:txBody>
       <dsp:txXfrm>
-        <a:off x="8655421" y="3559684"/>
-        <a:ext cx="31175" cy="31175"/>
+        <a:off x="8730222" y="4447196"/>
+        <a:ext cx="48908" cy="48908"/>
       </dsp:txXfrm>
     </dsp:sp>
-    <dsp:sp modelId="{4C0C4027-B4B5-4C56-9694-37C48391DEB7}">
+    <dsp:sp modelId="{C66F9987-3C4D-442B-902D-250EECDB9555}">
       <dsp:nvSpPr>
         <dsp:cNvPr id="0" name=""/>
         <dsp:cNvSpPr/>
       </dsp:nvSpPr>
       <dsp:spPr>
         <a:xfrm>
-          <a:off x="8368933" y="2346994"/>
-          <a:ext cx="604150" cy="1305352"/>
+          <a:off x="4700099" y="3283043"/>
+          <a:ext cx="623781" cy="1565338"/>
         </a:xfrm>
         <a:custGeom>
           <a:avLst/>
@@ -3846,16 +3922,101 @@
           <a:pathLst>
             <a:path>
               <a:moveTo>
-                <a:pt x="0" y="1305352"/>
+                <a:pt x="0" y="0"/>
               </a:moveTo>
               <a:lnTo>
-                <a:pt x="302075" y="1305352"/>
+                <a:pt x="311890" y="0"/>
               </a:lnTo>
               <a:lnTo>
-                <a:pt x="302075" y="0"/>
+                <a:pt x="311890" y="1565338"/>
               </a:lnTo>
               <a:lnTo>
-                <a:pt x="604150" y="0"/>
+                <a:pt x="623781" y="1565338"/>
+              </a:lnTo>
+            </a:path>
+          </a:pathLst>
+        </a:custGeom>
+        <a:noFill/>
+        <a:ln w="12700" cap="flat" cmpd="sng" algn="ctr">
+          <a:solidFill>
+            <a:schemeClr val="accent2">
+              <a:tint val="70000"/>
+              <a:hueOff val="0"/>
+              <a:satOff val="0"/>
+              <a:lumOff val="0"/>
+              <a:alphaOff val="0"/>
+            </a:schemeClr>
+          </a:solidFill>
+          <a:prstDash val="solid"/>
+          <a:miter lim="800000"/>
+        </a:ln>
+        <a:effectLst/>
+      </dsp:spPr>
+      <dsp:style>
+        <a:lnRef idx="2">
+          <a:scrgbClr r="0" g="0" b="0"/>
+        </a:lnRef>
+        <a:fillRef idx="0">
+          <a:scrgbClr r="0" g="0" b="0"/>
+        </a:fillRef>
+        <a:effectRef idx="0">
+          <a:scrgbClr r="0" g="0" b="0"/>
+        </a:effectRef>
+        <a:fontRef idx="minor"/>
+      </dsp:style>
+      <dsp:txBody>
+        <a:bodyPr spcFirstLastPara="0" vert="horz" wrap="square" lIns="12700" tIns="0" rIns="12700" bIns="0" numCol="1" spcCol="1270" anchor="ctr" anchorCtr="0">
+          <a:noAutofit/>
+        </a:bodyPr>
+        <a:lstStyle/>
+        <a:p>
+          <a:pPr marL="0" lvl="0" indent="0" algn="ctr" defTabSz="266700">
+            <a:lnSpc>
+              <a:spcPct val="90000"/>
+            </a:lnSpc>
+            <a:spcBef>
+              <a:spcPct val="0"/>
+            </a:spcBef>
+            <a:spcAft>
+              <a:spcPct val="35000"/>
+            </a:spcAft>
+            <a:buNone/>
+          </a:pPr>
+          <a:endParaRPr lang="zh-TW" altLang="en-US" sz="600" kern="1200">
+            <a:solidFill>
+              <a:schemeClr val="tx1"/>
+            </a:solidFill>
+          </a:endParaRPr>
+        </a:p>
+      </dsp:txBody>
+      <dsp:txXfrm>
+        <a:off x="4969863" y="4023586"/>
+        <a:ext cx="84252" cy="84252"/>
+      </dsp:txXfrm>
+    </dsp:sp>
+    <dsp:sp modelId="{C344AE3C-E165-4652-94E8-EC1A2143A510}">
+      <dsp:nvSpPr>
+        <dsp:cNvPr id="0" name=""/>
+        <dsp:cNvSpPr/>
+      </dsp:nvSpPr>
+      <dsp:spPr>
+        <a:xfrm>
+          <a:off x="8442786" y="2860591"/>
+          <a:ext cx="623781" cy="91440"/>
+        </a:xfrm>
+        <a:custGeom>
+          <a:avLst/>
+          <a:gdLst/>
+          <a:ahLst/>
+          <a:cxnLst/>
+          <a:rect l="0" t="0" r="0" b="0"/>
+          <a:pathLst>
+            <a:path>
+              <a:moveTo>
+                <a:pt x="0" y="45720"/>
+              </a:moveTo>
+              <a:lnTo>
+                <a:pt x="623781" y="45720"/>
               </a:lnTo>
             </a:path>
           </a:pathLst>
@@ -3906,23 +4067,27 @@
             </a:spcAft>
             <a:buNone/>
           </a:pPr>
-          <a:endParaRPr lang="zh-TW" altLang="en-US" sz="500" kern="1200"/>
+          <a:endParaRPr lang="zh-TW" altLang="en-US" sz="500" kern="1200">
+            <a:solidFill>
+              <a:schemeClr val="tx1"/>
+            </a:solidFill>
+          </a:endParaRPr>
         </a:p>
       </dsp:txBody>
       <dsp:txXfrm>
-        <a:off x="8635049" y="2963711"/>
-        <a:ext cx="71919" cy="71919"/>
+        <a:off x="8739082" y="2890717"/>
+        <a:ext cx="31189" cy="31189"/>
       </dsp:txXfrm>
     </dsp:sp>
-    <dsp:sp modelId="{C66F9987-3C4D-442B-902D-250EECDB9555}">
+    <dsp:sp modelId="{75DB6AD3-0ED3-4922-A20E-1FB4D6A120CC}">
       <dsp:nvSpPr>
         <dsp:cNvPr id="0" name=""/>
         <dsp:cNvSpPr/>
       </dsp:nvSpPr>
       <dsp:spPr>
         <a:xfrm>
-          <a:off x="4744028" y="2424069"/>
-          <a:ext cx="604150" cy="1228277"/>
+          <a:off x="4700099" y="2906311"/>
+          <a:ext cx="623781" cy="376731"/>
         </a:xfrm>
         <a:custGeom>
           <a:avLst/>
@@ -3933,16 +4098,16 @@
           <a:pathLst>
             <a:path>
               <a:moveTo>
-                <a:pt x="0" y="0"/>
+                <a:pt x="0" y="376731"/>
               </a:moveTo>
               <a:lnTo>
-                <a:pt x="302075" y="0"/>
+                <a:pt x="311890" y="376731"/>
               </a:lnTo>
               <a:lnTo>
-                <a:pt x="302075" y="1228277"/>
+                <a:pt x="311890" y="0"/>
               </a:lnTo>
               <a:lnTo>
-                <a:pt x="604150" y="1228277"/>
+                <a:pt x="623781" y="0"/>
               </a:lnTo>
             </a:path>
           </a:pathLst>
@@ -4001,19 +4166,19 @@
         </a:p>
       </dsp:txBody>
       <dsp:txXfrm>
-        <a:off x="5011883" y="3003987"/>
-        <a:ext cx="68440" cy="68440"/>
+        <a:off x="4993772" y="3076459"/>
+        <a:ext cx="36435" cy="36435"/>
       </dsp:txXfrm>
     </dsp:sp>
-    <dsp:sp modelId="{C344AE3C-E165-4652-94E8-EC1A2143A510}">
+    <dsp:sp modelId="{4709C39E-F3B8-4FEB-8C09-B01E2024E20B}">
       <dsp:nvSpPr>
         <dsp:cNvPr id="0" name=""/>
         <dsp:cNvSpPr/>
       </dsp:nvSpPr>
       <dsp:spPr>
         <a:xfrm>
-          <a:off x="8368933" y="1150072"/>
-          <a:ext cx="604150" cy="91440"/>
+          <a:off x="8442786" y="1671984"/>
+          <a:ext cx="623781" cy="91440"/>
         </a:xfrm>
         <a:custGeom>
           <a:avLst/>
@@ -4027,7 +4192,7 @@
                 <a:pt x="0" y="45720"/>
               </a:moveTo>
               <a:lnTo>
-                <a:pt x="604150" y="45720"/>
+                <a:pt x="623781" y="45720"/>
               </a:lnTo>
             </a:path>
           </a:pathLst>
@@ -4078,27 +4243,23 @@
             </a:spcAft>
             <a:buNone/>
           </a:pPr>
-          <a:endParaRPr lang="zh-TW" altLang="en-US" sz="500" kern="1200">
-            <a:solidFill>
-              <a:schemeClr val="tx1"/>
-            </a:solidFill>
-          </a:endParaRPr>
+          <a:endParaRPr lang="zh-TW" altLang="en-US" sz="500" kern="1200"/>
         </a:p>
       </dsp:txBody>
       <dsp:txXfrm>
-        <a:off x="8655905" y="1180688"/>
-        <a:ext cx="30207" cy="30207"/>
+        <a:off x="8739082" y="1702109"/>
+        <a:ext cx="31189" cy="31189"/>
       </dsp:txXfrm>
     </dsp:sp>
-    <dsp:sp modelId="{75DB6AD3-0ED3-4922-A20E-1FB4D6A120CC}">
+    <dsp:sp modelId="{97E7B159-BFBE-474F-993F-35C139255B46}">
       <dsp:nvSpPr>
         <dsp:cNvPr id="0" name=""/>
         <dsp:cNvSpPr/>
       </dsp:nvSpPr>
       <dsp:spPr>
         <a:xfrm>
-          <a:off x="4744028" y="1195792"/>
-          <a:ext cx="604150" cy="1228277"/>
+          <a:off x="4700099" y="1717704"/>
+          <a:ext cx="623781" cy="1565338"/>
         </a:xfrm>
         <a:custGeom>
           <a:avLst/>
@@ -4109,16 +4270,16 @@
           <a:pathLst>
             <a:path>
               <a:moveTo>
-                <a:pt x="0" y="1228277"/>
+                <a:pt x="0" y="1565338"/>
               </a:moveTo>
               <a:lnTo>
-                <a:pt x="302075" y="1228277"/>
+                <a:pt x="311890" y="1565338"/>
               </a:lnTo>
               <a:lnTo>
-                <a:pt x="302075" y="0"/>
+                <a:pt x="311890" y="0"/>
               </a:lnTo>
               <a:lnTo>
-                <a:pt x="604150" y="0"/>
+                <a:pt x="623781" y="0"/>
               </a:lnTo>
             </a:path>
           </a:pathLst>
@@ -4157,7 +4318,7 @@
         </a:bodyPr>
         <a:lstStyle/>
         <a:p>
-          <a:pPr marL="0" lvl="0" indent="0" algn="ctr" defTabSz="222250">
+          <a:pPr marL="0" lvl="0" indent="0" algn="ctr" defTabSz="266700">
             <a:lnSpc>
               <a:spcPct val="90000"/>
             </a:lnSpc>
@@ -4169,16 +4330,12 @@
             </a:spcAft>
             <a:buNone/>
           </a:pPr>
-          <a:endParaRPr lang="zh-TW" altLang="en-US" sz="500" kern="1200">
-            <a:solidFill>
-              <a:schemeClr val="tx1"/>
-            </a:solidFill>
-          </a:endParaRPr>
+          <a:endParaRPr lang="zh-TW" altLang="en-US" sz="600" kern="1200"/>
         </a:p>
       </dsp:txBody>
       <dsp:txXfrm>
-        <a:off x="5011883" y="1775710"/>
-        <a:ext cx="68440" cy="68440"/>
+        <a:off x="4969863" y="2458247"/>
+        <a:ext cx="84252" cy="84252"/>
       </dsp:txXfrm>
     </dsp:sp>
     <dsp:sp modelId="{D40DF9B3-9981-456E-B780-D4F6FEDDB9CB}">
@@ -4188,8 +4345,8 @@
       </dsp:nvSpPr>
       <dsp:spPr>
         <a:xfrm>
-          <a:off x="1119122" y="2378349"/>
-          <a:ext cx="604150" cy="91440"/>
+          <a:off x="957412" y="3237323"/>
+          <a:ext cx="623781" cy="91440"/>
         </a:xfrm>
         <a:custGeom>
           <a:avLst/>
@@ -4203,7 +4360,7 @@
                 <a:pt x="0" y="45720"/>
               </a:moveTo>
               <a:lnTo>
-                <a:pt x="604150" y="45720"/>
+                <a:pt x="623781" y="45720"/>
               </a:lnTo>
             </a:path>
           </a:pathLst>
@@ -4262,8 +4419,8 @@
         </a:p>
       </dsp:txBody>
       <dsp:txXfrm>
-        <a:off x="1406094" y="2408965"/>
-        <a:ext cx="30207" cy="30207"/>
+        <a:off x="1253708" y="3267448"/>
+        <a:ext cx="31189" cy="31189"/>
       </dsp:txXfrm>
     </dsp:sp>
     <dsp:sp modelId="{3726BC72-F477-4EF8-B98A-69BC35800169}">
@@ -4273,8 +4430,8 @@
       </dsp:nvSpPr>
       <dsp:spPr>
         <a:xfrm rot="16200000">
-          <a:off x="-1764941" y="1963588"/>
-          <a:ext cx="4847166" cy="920961"/>
+          <a:off x="-2020361" y="2807600"/>
+          <a:ext cx="5004662" cy="950885"/>
         </a:xfrm>
         <a:prstGeom prst="rect">
           <a:avLst/>
@@ -4348,8 +4505,8 @@
         </a:p>
       </dsp:txBody>
       <dsp:txXfrm>
-        <a:off x="-1764941" y="1963588"/>
-        <a:ext cx="4847166" cy="920961"/>
+        <a:off x="-2020361" y="2807600"/>
+        <a:ext cx="5004662" cy="950885"/>
       </dsp:txXfrm>
     </dsp:sp>
     <dsp:sp modelId="{1BB66B9D-6251-44B0-B50E-096C2C0379F4}">
@@ -4359,8 +4516,8 @@
       </dsp:nvSpPr>
       <dsp:spPr>
         <a:xfrm>
-          <a:off x="1723273" y="1963588"/>
-          <a:ext cx="3020754" cy="920961"/>
+          <a:off x="1581193" y="2807600"/>
+          <a:ext cx="3118905" cy="950885"/>
         </a:xfrm>
         <a:prstGeom prst="rect">
           <a:avLst/>
@@ -4434,8 +4591,180 @@
         </a:p>
       </dsp:txBody>
       <dsp:txXfrm>
-        <a:off x="1723273" y="1963588"/>
-        <a:ext cx="3020754" cy="920961"/>
+        <a:off x="1581193" y="2807600"/>
+        <a:ext cx="3118905" cy="950885"/>
+      </dsp:txXfrm>
+    </dsp:sp>
+    <dsp:sp modelId="{3EA0574A-6FFB-427B-848A-1CB95A3EF2E9}">
+      <dsp:nvSpPr>
+        <dsp:cNvPr id="0" name=""/>
+        <dsp:cNvSpPr/>
+      </dsp:nvSpPr>
+      <dsp:spPr>
+        <a:xfrm>
+          <a:off x="5323880" y="1242261"/>
+          <a:ext cx="3118905" cy="950885"/>
+        </a:xfrm>
+        <a:prstGeom prst="rect">
+          <a:avLst/>
+        </a:prstGeom>
+        <a:solidFill>
+          <a:schemeClr val="accent2">
+            <a:alpha val="50000"/>
+            <a:hueOff val="0"/>
+            <a:satOff val="0"/>
+            <a:lumOff val="0"/>
+            <a:alphaOff val="0"/>
+          </a:schemeClr>
+        </a:solidFill>
+        <a:ln w="12700" cap="flat" cmpd="sng" algn="ctr">
+          <a:solidFill>
+            <a:schemeClr val="lt1">
+              <a:hueOff val="0"/>
+              <a:satOff val="0"/>
+              <a:lumOff val="0"/>
+              <a:alphaOff val="0"/>
+            </a:schemeClr>
+          </a:solidFill>
+          <a:prstDash val="solid"/>
+          <a:miter lim="800000"/>
+        </a:ln>
+        <a:effectLst/>
+      </dsp:spPr>
+      <dsp:style>
+        <a:lnRef idx="2">
+          <a:scrgbClr r="0" g="0" b="0"/>
+        </a:lnRef>
+        <a:fillRef idx="1">
+          <a:scrgbClr r="0" g="0" b="0"/>
+        </a:fillRef>
+        <a:effectRef idx="0">
+          <a:scrgbClr r="0" g="0" b="0"/>
+        </a:effectRef>
+        <a:fontRef idx="minor">
+          <a:schemeClr val="lt1"/>
+        </a:fontRef>
+      </dsp:style>
+      <dsp:txBody>
+        <a:bodyPr spcFirstLastPara="0" vert="horz" wrap="square" lIns="11430" tIns="11430" rIns="11430" bIns="11430" numCol="1" spcCol="1270" anchor="ctr" anchorCtr="0">
+          <a:noAutofit/>
+        </a:bodyPr>
+        <a:lstStyle/>
+        <a:p>
+          <a:pPr marL="0" lvl="0" indent="0" algn="ctr" defTabSz="800100">
+            <a:lnSpc>
+              <a:spcPct val="90000"/>
+            </a:lnSpc>
+            <a:spcBef>
+              <a:spcPct val="0"/>
+            </a:spcBef>
+            <a:spcAft>
+              <a:spcPct val="35000"/>
+            </a:spcAft>
+            <a:buNone/>
+          </a:pPr>
+          <a:r>
+            <a:rPr lang="zh-TW" altLang="en-US" sz="1800" kern="1200" dirty="0">
+              <a:solidFill>
+                <a:schemeClr val="tx1"/>
+              </a:solidFill>
+              <a:latin typeface="Times New Roman" panose="02020603050405020304" pitchFamily="18" charset="0"/>
+              <a:ea typeface="標楷體" panose="03000509000000000000" pitchFamily="65" charset="-120"/>
+              <a:cs typeface="Times New Roman" panose="02020603050405020304" pitchFamily="18" charset="0"/>
+            </a:rPr>
+            <a:t>排列順序相同</a:t>
+          </a:r>
+        </a:p>
+      </dsp:txBody>
+      <dsp:txXfrm>
+        <a:off x="5323880" y="1242261"/>
+        <a:ext cx="3118905" cy="950885"/>
+      </dsp:txXfrm>
+    </dsp:sp>
+    <dsp:sp modelId="{A663367A-049B-4438-AE30-427BCE42CF19}">
+      <dsp:nvSpPr>
+        <dsp:cNvPr id="0" name=""/>
+        <dsp:cNvSpPr/>
+      </dsp:nvSpPr>
+      <dsp:spPr>
+        <a:xfrm>
+          <a:off x="9066567" y="1242261"/>
+          <a:ext cx="3118905" cy="950885"/>
+        </a:xfrm>
+        <a:prstGeom prst="rect">
+          <a:avLst/>
+        </a:prstGeom>
+        <a:solidFill>
+          <a:schemeClr val="accent2">
+            <a:alpha val="30000"/>
+            <a:hueOff val="0"/>
+            <a:satOff val="0"/>
+            <a:lumOff val="0"/>
+            <a:alphaOff val="0"/>
+          </a:schemeClr>
+        </a:solidFill>
+        <a:ln w="12700" cap="flat" cmpd="sng" algn="ctr">
+          <a:solidFill>
+            <a:schemeClr val="lt1">
+              <a:hueOff val="0"/>
+              <a:satOff val="0"/>
+              <a:lumOff val="0"/>
+              <a:alphaOff val="0"/>
+            </a:schemeClr>
+          </a:solidFill>
+          <a:prstDash val="solid"/>
+          <a:miter lim="800000"/>
+        </a:ln>
+        <a:effectLst/>
+      </dsp:spPr>
+      <dsp:style>
+        <a:lnRef idx="2">
+          <a:scrgbClr r="0" g="0" b="0"/>
+        </a:lnRef>
+        <a:fillRef idx="1">
+          <a:scrgbClr r="0" g="0" b="0"/>
+        </a:fillRef>
+        <a:effectRef idx="0">
+          <a:scrgbClr r="0" g="0" b="0"/>
+        </a:effectRef>
+        <a:fontRef idx="minor">
+          <a:schemeClr val="lt1"/>
+        </a:fontRef>
+      </dsp:style>
+      <dsp:txBody>
+        <a:bodyPr spcFirstLastPara="0" vert="horz" wrap="square" lIns="11430" tIns="11430" rIns="11430" bIns="11430" numCol="1" spcCol="1270" anchor="ctr" anchorCtr="0">
+          <a:noAutofit/>
+        </a:bodyPr>
+        <a:lstStyle/>
+        <a:p>
+          <a:pPr marL="0" lvl="0" indent="0" algn="ctr" defTabSz="800100">
+            <a:lnSpc>
+              <a:spcPct val="90000"/>
+            </a:lnSpc>
+            <a:spcBef>
+              <a:spcPct val="0"/>
+            </a:spcBef>
+            <a:spcAft>
+              <a:spcPct val="35000"/>
+            </a:spcAft>
+            <a:buNone/>
+          </a:pPr>
+          <a:r>
+            <a:rPr lang="zh-TW" altLang="en-US" sz="1800" kern="1200" dirty="0">
+              <a:solidFill>
+                <a:schemeClr val="tx1"/>
+              </a:solidFill>
+              <a:latin typeface="Times New Roman" panose="02020603050405020304" pitchFamily="18" charset="0"/>
+              <a:ea typeface="標楷體" panose="03000509000000000000" pitchFamily="65" charset="-120"/>
+              <a:cs typeface="Times New Roman" panose="02020603050405020304" pitchFamily="18" charset="0"/>
+            </a:rPr>
+            <a:t>直接連線</a:t>
+          </a:r>
+        </a:p>
+      </dsp:txBody>
+      <dsp:txXfrm>
+        <a:off x="9066567" y="1242261"/>
+        <a:ext cx="3118905" cy="950885"/>
       </dsp:txXfrm>
     </dsp:sp>
     <dsp:sp modelId="{349F24CC-763C-41CB-96CF-D18A433E54C3}">
@@ -4445,8 +4774,8 @@
       </dsp:nvSpPr>
       <dsp:spPr>
         <a:xfrm>
-          <a:off x="5348179" y="735311"/>
-          <a:ext cx="3020754" cy="920961"/>
+          <a:off x="5323880" y="2430868"/>
+          <a:ext cx="3118905" cy="950885"/>
         </a:xfrm>
         <a:prstGeom prst="rect">
           <a:avLst/>
@@ -4520,8 +4849,8 @@
         </a:p>
       </dsp:txBody>
       <dsp:txXfrm>
-        <a:off x="5348179" y="735311"/>
-        <a:ext cx="3020754" cy="920961"/>
+        <a:off x="5323880" y="2430868"/>
+        <a:ext cx="3118905" cy="950885"/>
       </dsp:txXfrm>
     </dsp:sp>
     <dsp:sp modelId="{582AA43E-D3AB-4877-8CCC-3E3C15EBD201}">
@@ -4531,8 +4860,8 @@
       </dsp:nvSpPr>
       <dsp:spPr>
         <a:xfrm>
-          <a:off x="8973084" y="735311"/>
-          <a:ext cx="3020754" cy="920961"/>
+          <a:off x="9066567" y="2430868"/>
+          <a:ext cx="3118905" cy="950885"/>
         </a:xfrm>
         <a:prstGeom prst="rect">
           <a:avLst/>
@@ -4606,8 +4935,8 @@
         </a:p>
       </dsp:txBody>
       <dsp:txXfrm>
-        <a:off x="8973084" y="735311"/>
-        <a:ext cx="3020754" cy="920961"/>
+        <a:off x="9066567" y="2430868"/>
+        <a:ext cx="3118905" cy="950885"/>
       </dsp:txXfrm>
     </dsp:sp>
     <dsp:sp modelId="{121FE8D6-489E-4DA7-8FAF-F697ABFDE27D}">
@@ -4617,8 +4946,8 @@
       </dsp:nvSpPr>
       <dsp:spPr>
         <a:xfrm>
-          <a:off x="5348179" y="3191866"/>
-          <a:ext cx="3020754" cy="920961"/>
+          <a:off x="5323880" y="4372939"/>
+          <a:ext cx="3118905" cy="950885"/>
         </a:xfrm>
         <a:prstGeom prst="rect">
           <a:avLst/>
@@ -4692,19 +5021,19 @@
         </a:p>
       </dsp:txBody>
       <dsp:txXfrm>
-        <a:off x="5348179" y="3191866"/>
-        <a:ext cx="3020754" cy="920961"/>
+        <a:off x="5323880" y="4372939"/>
+        <a:ext cx="3118905" cy="950885"/>
       </dsp:txXfrm>
     </dsp:sp>
-    <dsp:sp modelId="{FBF45E3F-DC82-4B9C-B9FD-CF0A554A130D}">
+    <dsp:sp modelId="{DA95E68F-5869-4A60-BFCB-BDBA264BC2CC}">
       <dsp:nvSpPr>
         <dsp:cNvPr id="0" name=""/>
         <dsp:cNvSpPr/>
       </dsp:nvSpPr>
       <dsp:spPr>
         <a:xfrm>
-          <a:off x="8973084" y="1886513"/>
-          <a:ext cx="3020754" cy="920961"/>
+          <a:off x="9066567" y="3619476"/>
+          <a:ext cx="3118905" cy="950885"/>
         </a:xfrm>
         <a:prstGeom prst="rect">
           <a:avLst/>
@@ -4773,10 +5102,10 @@
               <a:ea typeface="標楷體" panose="03000509000000000000" pitchFamily="65" charset="-120"/>
               <a:cs typeface="Times New Roman" panose="02020603050405020304" pitchFamily="18" charset="0"/>
             </a:rPr>
-            <a:t>尋找</a:t>
+            <a:t>向下找三層，若另一孔不存在此種土壤，則根據上一層土壤最後插入點作為厚度為</a:t>
           </a:r>
           <a:r>
-            <a:rPr lang="en-US" altLang="zh-TW" sz="1800" kern="1200" dirty="0" err="1">
+            <a:rPr lang="en-US" altLang="zh-TW" sz="1800" kern="1200" dirty="0">
               <a:solidFill>
                 <a:schemeClr val="tx1"/>
               </a:solidFill>
@@ -4784,7 +5113,7 @@
               <a:ea typeface="標楷體" panose="03000509000000000000" pitchFamily="65" charset="-120"/>
               <a:cs typeface="Times New Roman" panose="02020603050405020304" pitchFamily="18" charset="0"/>
             </a:rPr>
-            <a:t>Ic</a:t>
+            <a:t>0</a:t>
           </a:r>
           <a:r>
             <a:rPr lang="zh-TW" altLang="en-US" sz="1800" kern="1200" dirty="0">
@@ -4795,24 +5124,24 @@
               <a:ea typeface="標楷體" panose="03000509000000000000" pitchFamily="65" charset="-120"/>
               <a:cs typeface="Times New Roman" panose="02020603050405020304" pitchFamily="18" charset="0"/>
             </a:rPr>
-            <a:t>最接近的土層</a:t>
+            <a:t>的相同土層插入點</a:t>
           </a:r>
         </a:p>
       </dsp:txBody>
       <dsp:txXfrm>
-        <a:off x="8973084" y="1886513"/>
-        <a:ext cx="3020754" cy="920961"/>
+        <a:off x="9066567" y="3619476"/>
+        <a:ext cx="3118905" cy="950885"/>
       </dsp:txXfrm>
     </dsp:sp>
-    <dsp:sp modelId="{DA95E68F-5869-4A60-BFCB-BDBA264BC2CC}">
+    <dsp:sp modelId="{61C40B55-F943-4A4E-B0BE-DFC7756D3D5D}">
       <dsp:nvSpPr>
         <dsp:cNvPr id="0" name=""/>
         <dsp:cNvSpPr/>
       </dsp:nvSpPr>
       <dsp:spPr>
         <a:xfrm>
-          <a:off x="8973084" y="3037715"/>
-          <a:ext cx="3020754" cy="920961"/>
+          <a:off x="9066567" y="4808083"/>
+          <a:ext cx="3118905" cy="1269204"/>
         </a:xfrm>
         <a:prstGeom prst="rect">
           <a:avLst/>
@@ -4881,10 +5210,10 @@
               <a:ea typeface="標楷體" panose="03000509000000000000" pitchFamily="65" charset="-120"/>
               <a:cs typeface="Times New Roman" panose="02020603050405020304" pitchFamily="18" charset="0"/>
             </a:rPr>
-            <a:t>若另一孔不存在此種土壤，則根據上一層土壤最後插入點作為厚度為</a:t>
+            <a:t>向下找三層</a:t>
           </a:r>
           <a:r>
-            <a:rPr lang="en-US" altLang="zh-TW" sz="1800" kern="1200" dirty="0">
+            <a:rPr lang="zh-TW" altLang="en-US" sz="1800" kern="1200">
               <a:solidFill>
                 <a:schemeClr val="tx1"/>
               </a:solidFill>
@@ -4892,7 +5221,7 @@
               <a:ea typeface="標楷體" panose="03000509000000000000" pitchFamily="65" charset="-120"/>
               <a:cs typeface="Times New Roman" panose="02020603050405020304" pitchFamily="18" charset="0"/>
             </a:rPr>
-            <a:t>0</a:t>
+            <a:t>，如果深度範圍內有</a:t>
           </a:r>
           <a:r>
             <a:rPr lang="zh-TW" altLang="en-US" sz="1800" kern="1200" dirty="0">
@@ -4903,93 +5232,7 @@
               <a:ea typeface="標楷體" panose="03000509000000000000" pitchFamily="65" charset="-120"/>
               <a:cs typeface="Times New Roman" panose="02020603050405020304" pitchFamily="18" charset="0"/>
             </a:rPr>
-            <a:t>的相同土層插入點</a:t>
-          </a:r>
-        </a:p>
-      </dsp:txBody>
-      <dsp:txXfrm>
-        <a:off x="8973084" y="3037715"/>
-        <a:ext cx="3020754" cy="920961"/>
-      </dsp:txXfrm>
-    </dsp:sp>
-    <dsp:sp modelId="{61C40B55-F943-4A4E-B0BE-DFC7756D3D5D}">
-      <dsp:nvSpPr>
-        <dsp:cNvPr id="0" name=""/>
-        <dsp:cNvSpPr/>
-      </dsp:nvSpPr>
-      <dsp:spPr>
-        <a:xfrm>
-          <a:off x="8973084" y="4188917"/>
-          <a:ext cx="3020754" cy="1229262"/>
-        </a:xfrm>
-        <a:prstGeom prst="rect">
-          <a:avLst/>
-        </a:prstGeom>
-        <a:solidFill>
-          <a:schemeClr val="accent2">
-            <a:alpha val="30000"/>
-            <a:hueOff val="0"/>
-            <a:satOff val="0"/>
-            <a:lumOff val="0"/>
-            <a:alphaOff val="0"/>
-          </a:schemeClr>
-        </a:solidFill>
-        <a:ln w="12700" cap="flat" cmpd="sng" algn="ctr">
-          <a:solidFill>
-            <a:schemeClr val="lt1">
-              <a:hueOff val="0"/>
-              <a:satOff val="0"/>
-              <a:lumOff val="0"/>
-              <a:alphaOff val="0"/>
-            </a:schemeClr>
-          </a:solidFill>
-          <a:prstDash val="solid"/>
-          <a:miter lim="800000"/>
-        </a:ln>
-        <a:effectLst/>
-      </dsp:spPr>
-      <dsp:style>
-        <a:lnRef idx="2">
-          <a:scrgbClr r="0" g="0" b="0"/>
-        </a:lnRef>
-        <a:fillRef idx="1">
-          <a:scrgbClr r="0" g="0" b="0"/>
-        </a:fillRef>
-        <a:effectRef idx="0">
-          <a:scrgbClr r="0" g="0" b="0"/>
-        </a:effectRef>
-        <a:fontRef idx="minor">
-          <a:schemeClr val="lt1"/>
-        </a:fontRef>
-      </dsp:style>
-      <dsp:txBody>
-        <a:bodyPr spcFirstLastPara="0" vert="horz" wrap="square" lIns="11430" tIns="11430" rIns="11430" bIns="11430" numCol="1" spcCol="1270" anchor="ctr" anchorCtr="0">
-          <a:noAutofit/>
-        </a:bodyPr>
-        <a:lstStyle/>
-        <a:p>
-          <a:pPr marL="0" lvl="0" indent="0" algn="ctr" defTabSz="800100">
-            <a:lnSpc>
-              <a:spcPct val="90000"/>
-            </a:lnSpc>
-            <a:spcBef>
-              <a:spcPct val="0"/>
-            </a:spcBef>
-            <a:spcAft>
-              <a:spcPct val="35000"/>
-            </a:spcAft>
-            <a:buNone/>
-          </a:pPr>
-          <a:r>
-            <a:rPr lang="zh-TW" altLang="en-US" sz="1800" kern="1200" dirty="0">
-              <a:solidFill>
-                <a:schemeClr val="tx1"/>
-              </a:solidFill>
-              <a:latin typeface="Times New Roman" panose="02020603050405020304" pitchFamily="18" charset="0"/>
-              <a:ea typeface="標楷體" panose="03000509000000000000" pitchFamily="65" charset="-120"/>
-              <a:cs typeface="Times New Roman" panose="02020603050405020304" pitchFamily="18" charset="0"/>
-            </a:rPr>
-            <a:t>如果兩孔間有多個相同土層，且起始位置包含在某土層內，則把土層深度</a:t>
+            <a:t>多個不同土層，且起始位置包含在某土層內，則把土層深度</a:t>
           </a:r>
           <a:r>
             <a:rPr lang="en-US" altLang="zh-TW" sz="1800" kern="1200" dirty="0">
@@ -5024,8 +5267,8 @@
         </a:p>
       </dsp:txBody>
       <dsp:txXfrm>
-        <a:off x="8973084" y="4188917"/>
-        <a:ext cx="3020754" cy="1229262"/>
+        <a:off x="9066567" y="4808083"/>
+        <a:ext cx="3118905" cy="1269204"/>
       </dsp:txXfrm>
     </dsp:sp>
   </dsp:spTree>
@@ -7724,7 +7967,7 @@
           <a:p>
             <a:fld id="{A38B5D3B-4065-40E6-A1E4-C367873C67F7}" type="datetimeFigureOut">
               <a:rPr lang="zh-TW" altLang="en-US" smtClean="0"/>
-              <a:t>2024/10/15</a:t>
+              <a:t>2024/10/16</a:t>
             </a:fld>
             <a:endParaRPr lang="zh-TW" altLang="en-US"/>
           </a:p>
@@ -7922,7 +8165,7 @@
           <a:p>
             <a:fld id="{A38B5D3B-4065-40E6-A1E4-C367873C67F7}" type="datetimeFigureOut">
               <a:rPr lang="zh-TW" altLang="en-US" smtClean="0"/>
-              <a:t>2024/10/15</a:t>
+              <a:t>2024/10/16</a:t>
             </a:fld>
             <a:endParaRPr lang="zh-TW" altLang="en-US"/>
           </a:p>
@@ -8130,7 +8373,7 @@
           <a:p>
             <a:fld id="{A38B5D3B-4065-40E6-A1E4-C367873C67F7}" type="datetimeFigureOut">
               <a:rPr lang="zh-TW" altLang="en-US" smtClean="0"/>
-              <a:t>2024/10/15</a:t>
+              <a:t>2024/10/16</a:t>
             </a:fld>
             <a:endParaRPr lang="zh-TW" altLang="en-US"/>
           </a:p>
@@ -8328,7 +8571,7 @@
           <a:p>
             <a:fld id="{A38B5D3B-4065-40E6-A1E4-C367873C67F7}" type="datetimeFigureOut">
               <a:rPr lang="zh-TW" altLang="en-US" smtClean="0"/>
-              <a:t>2024/10/15</a:t>
+              <a:t>2024/10/16</a:t>
             </a:fld>
             <a:endParaRPr lang="zh-TW" altLang="en-US"/>
           </a:p>
@@ -8603,7 +8846,7 @@
           <a:p>
             <a:fld id="{A38B5D3B-4065-40E6-A1E4-C367873C67F7}" type="datetimeFigureOut">
               <a:rPr lang="zh-TW" altLang="en-US" smtClean="0"/>
-              <a:t>2024/10/15</a:t>
+              <a:t>2024/10/16</a:t>
             </a:fld>
             <a:endParaRPr lang="zh-TW" altLang="en-US"/>
           </a:p>
@@ -8868,7 +9111,7 @@
           <a:p>
             <a:fld id="{A38B5D3B-4065-40E6-A1E4-C367873C67F7}" type="datetimeFigureOut">
               <a:rPr lang="zh-TW" altLang="en-US" smtClean="0"/>
-              <a:t>2024/10/15</a:t>
+              <a:t>2024/10/16</a:t>
             </a:fld>
             <a:endParaRPr lang="zh-TW" altLang="en-US"/>
           </a:p>
@@ -9280,7 +9523,7 @@
           <a:p>
             <a:fld id="{A38B5D3B-4065-40E6-A1E4-C367873C67F7}" type="datetimeFigureOut">
               <a:rPr lang="zh-TW" altLang="en-US" smtClean="0"/>
-              <a:t>2024/10/15</a:t>
+              <a:t>2024/10/16</a:t>
             </a:fld>
             <a:endParaRPr lang="zh-TW" altLang="en-US"/>
           </a:p>
@@ -9421,7 +9664,7 @@
           <a:p>
             <a:fld id="{A38B5D3B-4065-40E6-A1E4-C367873C67F7}" type="datetimeFigureOut">
               <a:rPr lang="zh-TW" altLang="en-US" smtClean="0"/>
-              <a:t>2024/10/15</a:t>
+              <a:t>2024/10/16</a:t>
             </a:fld>
             <a:endParaRPr lang="zh-TW" altLang="en-US"/>
           </a:p>
@@ -9534,7 +9777,7 @@
           <a:p>
             <a:fld id="{A38B5D3B-4065-40E6-A1E4-C367873C67F7}" type="datetimeFigureOut">
               <a:rPr lang="zh-TW" altLang="en-US" smtClean="0"/>
-              <a:t>2024/10/15</a:t>
+              <a:t>2024/10/16</a:t>
             </a:fld>
             <a:endParaRPr lang="zh-TW" altLang="en-US"/>
           </a:p>
@@ -9845,7 +10088,7 @@
           <a:p>
             <a:fld id="{A38B5D3B-4065-40E6-A1E4-C367873C67F7}" type="datetimeFigureOut">
               <a:rPr lang="zh-TW" altLang="en-US" smtClean="0"/>
-              <a:t>2024/10/15</a:t>
+              <a:t>2024/10/16</a:t>
             </a:fld>
             <a:endParaRPr lang="zh-TW" altLang="en-US"/>
           </a:p>
@@ -10133,7 +10376,7 @@
           <a:p>
             <a:fld id="{A38B5D3B-4065-40E6-A1E4-C367873C67F7}" type="datetimeFigureOut">
               <a:rPr lang="zh-TW" altLang="en-US" smtClean="0"/>
-              <a:t>2024/10/15</a:t>
+              <a:t>2024/10/16</a:t>
             </a:fld>
             <a:endParaRPr lang="zh-TW" altLang="en-US"/>
           </a:p>
@@ -10374,7 +10617,7 @@
           <a:p>
             <a:fld id="{A38B5D3B-4065-40E6-A1E4-C367873C67F7}" type="datetimeFigureOut">
               <a:rPr lang="zh-TW" altLang="en-US" smtClean="0"/>
-              <a:t>2024/10/15</a:t>
+              <a:t>2024/10/16</a:t>
             </a:fld>
             <a:endParaRPr lang="zh-TW" altLang="en-US"/>
           </a:p>
@@ -11447,14 +11690,14 @@
           <p:nvPr>
             <p:extLst>
               <p:ext uri="{D42A27DB-BD31-4B8C-83A1-F6EECF244321}">
-                <p14:modId xmlns:p14="http://schemas.microsoft.com/office/powerpoint/2010/main" val="2723497799"/>
+                <p14:modId xmlns:p14="http://schemas.microsoft.com/office/powerpoint/2010/main" val="2695730492"/>
               </p:ext>
             </p:extLst>
           </p:nvPr>
         </p:nvGraphicFramePr>
         <p:xfrm>
-          <a:off x="0" y="719666"/>
-          <a:ext cx="12192000" cy="5418667"/>
+          <a:off x="0" y="0"/>
+          <a:ext cx="12192000" cy="6858000"/>
         </p:xfrm>
         <a:graphic>
           <a:graphicData uri="http://schemas.openxmlformats.org/drawingml/2006/diagram">

--- a/1008.pptx
+++ b/1008.pptx
@@ -2658,10 +2658,10 @@
               <a:ea typeface="標楷體" panose="03000509000000000000" pitchFamily="65" charset="-120"/>
               <a:cs typeface="Times New Roman" panose="02020603050405020304" pitchFamily="18" charset="0"/>
             </a:rPr>
-            <a:t>向下找三層</a:t>
+            <a:t>向下找三層，如果</a:t>
           </a:r>
           <a:r>
-            <a:rPr lang="zh-TW" altLang="en-US" sz="1800">
+            <a:rPr lang="en-US" altLang="zh-TW" sz="1800" dirty="0">
               <a:solidFill>
                 <a:schemeClr val="tx1"/>
               </a:solidFill>
@@ -2669,7 +2669,7 @@
               <a:ea typeface="標楷體" panose="03000509000000000000" pitchFamily="65" charset="-120"/>
               <a:cs typeface="Times New Roman" panose="02020603050405020304" pitchFamily="18" charset="0"/>
             </a:rPr>
-            <a:t>，如果深度範圍內有</a:t>
+            <a:t>1</a:t>
           </a:r>
           <a:r>
             <a:rPr lang="zh-TW" altLang="en-US" sz="1800" dirty="0">
@@ -2680,7 +2680,7 @@
               <a:ea typeface="標楷體" panose="03000509000000000000" pitchFamily="65" charset="-120"/>
               <a:cs typeface="Times New Roman" panose="02020603050405020304" pitchFamily="18" charset="0"/>
             </a:rPr>
-            <a:t>多個不同土層，且起始位置包含在某土層內，則把土層深度</a:t>
+            <a:t>同土層，兩土層深度範圍內有不同土層，且起始位置包含在某土層內，則把土層深度</a:t>
           </a:r>
           <a:r>
             <a:rPr lang="en-US" altLang="zh-TW" sz="1800" dirty="0">
@@ -2691,7 +2691,7 @@
               <a:ea typeface="標楷體" panose="03000509000000000000" pitchFamily="65" charset="-120"/>
               <a:cs typeface="Times New Roman" panose="02020603050405020304" pitchFamily="18" charset="0"/>
             </a:rPr>
-            <a:t>/</a:t>
+            <a:t>/2</a:t>
           </a:r>
           <a:r>
             <a:rPr lang="zh-TW" altLang="en-US" sz="1800" dirty="0">
@@ -2702,7 +2702,7 @@
               <a:ea typeface="標楷體" panose="03000509000000000000" pitchFamily="65" charset="-120"/>
               <a:cs typeface="Times New Roman" panose="02020603050405020304" pitchFamily="18" charset="0"/>
             </a:rPr>
-            <a:t>相同土層數量</a:t>
+            <a:t>分為兩層相同的土層，方便作圖</a:t>
           </a:r>
           <a:endParaRPr lang="en-US" altLang="zh-TW" sz="1800" dirty="0">
             <a:solidFill>
@@ -2823,6 +2823,94 @@
         </a:p>
       </dgm:t>
     </dgm:pt>
+    <dgm:pt modelId="{A5DAEDBF-8046-4644-9C9B-CD1B91409C14}">
+      <dgm:prSet phldrT="[文字]" custT="1"/>
+      <dgm:spPr/>
+      <dgm:t>
+        <a:bodyPr/>
+        <a:lstStyle/>
+        <a:p>
+          <a:r>
+            <a:rPr lang="zh-TW" altLang="en-US" sz="1800" dirty="0">
+              <a:solidFill>
+                <a:schemeClr val="tx1"/>
+              </a:solidFill>
+              <a:latin typeface="Times New Roman" panose="02020603050405020304" pitchFamily="18" charset="0"/>
+              <a:ea typeface="標楷體" panose="03000509000000000000" pitchFamily="65" charset="-120"/>
+              <a:cs typeface="Times New Roman" panose="02020603050405020304" pitchFamily="18" charset="0"/>
+            </a:rPr>
+            <a:t>若向下找三層有</a:t>
+          </a:r>
+          <a:r>
+            <a:rPr lang="en-US" altLang="zh-TW" sz="1800" dirty="0">
+              <a:solidFill>
+                <a:schemeClr val="tx1"/>
+              </a:solidFill>
+              <a:latin typeface="Times New Roman" panose="02020603050405020304" pitchFamily="18" charset="0"/>
+              <a:ea typeface="標楷體" panose="03000509000000000000" pitchFamily="65" charset="-120"/>
+              <a:cs typeface="Times New Roman" panose="02020603050405020304" pitchFamily="18" charset="0"/>
+            </a:rPr>
+            <a:t>1</a:t>
+          </a:r>
+          <a:r>
+            <a:rPr lang="zh-TW" altLang="en-US" sz="1800" dirty="0">
+              <a:solidFill>
+                <a:schemeClr val="tx1"/>
+              </a:solidFill>
+              <a:latin typeface="Times New Roman" panose="02020603050405020304" pitchFamily="18" charset="0"/>
+              <a:ea typeface="標楷體" panose="03000509000000000000" pitchFamily="65" charset="-120"/>
+              <a:cs typeface="Times New Roman" panose="02020603050405020304" pitchFamily="18" charset="0"/>
+            </a:rPr>
+            <a:t>個以上相同種類的土層，則根據</a:t>
+          </a:r>
+          <a:r>
+            <a:rPr lang="en-US" altLang="zh-TW" sz="1800" dirty="0" err="1">
+              <a:solidFill>
+                <a:schemeClr val="tx1"/>
+              </a:solidFill>
+              <a:latin typeface="Times New Roman" panose="02020603050405020304" pitchFamily="18" charset="0"/>
+              <a:ea typeface="標楷體" panose="03000509000000000000" pitchFamily="65" charset="-120"/>
+              <a:cs typeface="Times New Roman" panose="02020603050405020304" pitchFamily="18" charset="0"/>
+            </a:rPr>
+            <a:t>Ic</a:t>
+          </a:r>
+          <a:r>
+            <a:rPr lang="zh-TW" altLang="en-US" sz="1800" dirty="0">
+              <a:solidFill>
+                <a:schemeClr val="tx1"/>
+              </a:solidFill>
+              <a:latin typeface="Times New Roman" panose="02020603050405020304" pitchFamily="18" charset="0"/>
+              <a:ea typeface="標楷體" panose="03000509000000000000" pitchFamily="65" charset="-120"/>
+              <a:cs typeface="Times New Roman" panose="02020603050405020304" pitchFamily="18" charset="0"/>
+            </a:rPr>
+            <a:t>做判斷</a:t>
+          </a:r>
+          <a:endParaRPr lang="en-US" altLang="zh-TW" sz="1800" dirty="0">
+            <a:solidFill>
+              <a:schemeClr val="tx1"/>
+            </a:solidFill>
+            <a:latin typeface="Times New Roman" panose="02020603050405020304" pitchFamily="18" charset="0"/>
+            <a:ea typeface="標楷體" panose="03000509000000000000" pitchFamily="65" charset="-120"/>
+            <a:cs typeface="Times New Roman" panose="02020603050405020304" pitchFamily="18" charset="0"/>
+          </a:endParaRPr>
+        </a:p>
+      </dgm:t>
+    </dgm:pt>
+    <dgm:pt modelId="{171E13CE-E5C3-4F47-9576-E1FF86FC4475}" type="parTrans" cxnId="{6B620B84-08E1-4D4D-9C5F-39C2C6F48076}">
+      <dgm:prSet/>
+      <dgm:spPr/>
+      <dgm:t>
+        <a:bodyPr/>
+        <a:lstStyle/>
+        <a:p>
+          <a:endParaRPr lang="zh-TW" altLang="en-US"/>
+        </a:p>
+      </dgm:t>
+    </dgm:pt>
+    <dgm:pt modelId="{CF85308D-F75E-4B89-9FDD-3708553ED6D9}" type="sibTrans" cxnId="{6B620B84-08E1-4D4D-9C5F-39C2C6F48076}">
+      <dgm:prSet/>
+      <dgm:spPr/>
+    </dgm:pt>
     <dgm:pt modelId="{894AC4BF-0FD3-4F43-A268-3D74AD536E64}" type="pres">
       <dgm:prSet presAssocID="{F91870DE-8D6C-4B6F-B3CE-43F997282F0B}" presName="Name0" presStyleCnt="0">
         <dgm:presLayoutVars>
@@ -2900,11 +2988,11 @@
       <dgm:spPr/>
     </dgm:pt>
     <dgm:pt modelId="{4709C39E-F3B8-4FEB-8C09-B01E2024E20B}" type="pres">
-      <dgm:prSet presAssocID="{11CE7071-2245-4C78-8AEC-EF3FD32B3A74}" presName="conn2-1" presStyleLbl="parChTrans1D4" presStyleIdx="0" presStyleCnt="4"/>
+      <dgm:prSet presAssocID="{11CE7071-2245-4C78-8AEC-EF3FD32B3A74}" presName="conn2-1" presStyleLbl="parChTrans1D4" presStyleIdx="0" presStyleCnt="5"/>
       <dgm:spPr/>
     </dgm:pt>
     <dgm:pt modelId="{A9CB19A4-B07A-4549-82DE-B3B245BB7738}" type="pres">
-      <dgm:prSet presAssocID="{11CE7071-2245-4C78-8AEC-EF3FD32B3A74}" presName="connTx" presStyleLbl="parChTrans1D4" presStyleIdx="0" presStyleCnt="4"/>
+      <dgm:prSet presAssocID="{11CE7071-2245-4C78-8AEC-EF3FD32B3A74}" presName="connTx" presStyleLbl="parChTrans1D4" presStyleIdx="0" presStyleCnt="5"/>
       <dgm:spPr/>
     </dgm:pt>
     <dgm:pt modelId="{E0EA2074-4EC6-46D8-971F-79647A7117F4}" type="pres">
@@ -2912,7 +3000,7 @@
       <dgm:spPr/>
     </dgm:pt>
     <dgm:pt modelId="{A663367A-049B-4438-AE30-427BCE42CF19}" type="pres">
-      <dgm:prSet presAssocID="{45A15F2A-E3DB-431D-85E6-03410ED7AB6B}" presName="LevelTwoTextNode" presStyleLbl="node4" presStyleIdx="0" presStyleCnt="4">
+      <dgm:prSet presAssocID="{45A15F2A-E3DB-431D-85E6-03410ED7AB6B}" presName="LevelTwoTextNode" presStyleLbl="node4" presStyleIdx="0" presStyleCnt="5">
         <dgm:presLayoutVars>
           <dgm:chPref val="3"/>
         </dgm:presLayoutVars>
@@ -2948,11 +3036,11 @@
       <dgm:spPr/>
     </dgm:pt>
     <dgm:pt modelId="{C344AE3C-E165-4652-94E8-EC1A2143A510}" type="pres">
-      <dgm:prSet presAssocID="{050BDF5A-52E5-48C6-93FF-A98AB67500A2}" presName="conn2-1" presStyleLbl="parChTrans1D4" presStyleIdx="1" presStyleCnt="4"/>
+      <dgm:prSet presAssocID="{050BDF5A-52E5-48C6-93FF-A98AB67500A2}" presName="conn2-1" presStyleLbl="parChTrans1D4" presStyleIdx="1" presStyleCnt="5"/>
       <dgm:spPr/>
     </dgm:pt>
     <dgm:pt modelId="{0929F1DE-7EF9-4165-95B6-012D627E5726}" type="pres">
-      <dgm:prSet presAssocID="{050BDF5A-52E5-48C6-93FF-A98AB67500A2}" presName="connTx" presStyleLbl="parChTrans1D4" presStyleIdx="1" presStyleCnt="4"/>
+      <dgm:prSet presAssocID="{050BDF5A-52E5-48C6-93FF-A98AB67500A2}" presName="connTx" presStyleLbl="parChTrans1D4" presStyleIdx="1" presStyleCnt="5"/>
       <dgm:spPr/>
     </dgm:pt>
     <dgm:pt modelId="{A59AA26C-295D-4185-932B-B24174CB964B}" type="pres">
@@ -2960,7 +3048,7 @@
       <dgm:spPr/>
     </dgm:pt>
     <dgm:pt modelId="{582AA43E-D3AB-4877-8CCC-3E3C15EBD201}" type="pres">
-      <dgm:prSet presAssocID="{B6EE2FCE-192C-4473-8D4B-E320527F786B}" presName="LevelTwoTextNode" presStyleLbl="node4" presStyleIdx="1" presStyleCnt="4">
+      <dgm:prSet presAssocID="{B6EE2FCE-192C-4473-8D4B-E320527F786B}" presName="LevelTwoTextNode" presStyleLbl="node4" presStyleIdx="1" presStyleCnt="5">
         <dgm:presLayoutVars>
           <dgm:chPref val="3"/>
         </dgm:presLayoutVars>
@@ -2996,11 +3084,11 @@
       <dgm:spPr/>
     </dgm:pt>
     <dgm:pt modelId="{15018D38-C489-40C4-A3DC-9FBC0F7F7610}" type="pres">
-      <dgm:prSet presAssocID="{D92E147C-DB9F-4DF1-87A5-B86E2B8F4B65}" presName="conn2-1" presStyleLbl="parChTrans1D4" presStyleIdx="2" presStyleCnt="4"/>
+      <dgm:prSet presAssocID="{D92E147C-DB9F-4DF1-87A5-B86E2B8F4B65}" presName="conn2-1" presStyleLbl="parChTrans1D4" presStyleIdx="2" presStyleCnt="5"/>
       <dgm:spPr/>
     </dgm:pt>
     <dgm:pt modelId="{DCA7B611-5B47-471E-BD14-B9248CDC4DD5}" type="pres">
-      <dgm:prSet presAssocID="{D92E147C-DB9F-4DF1-87A5-B86E2B8F4B65}" presName="connTx" presStyleLbl="parChTrans1D4" presStyleIdx="2" presStyleCnt="4"/>
+      <dgm:prSet presAssocID="{D92E147C-DB9F-4DF1-87A5-B86E2B8F4B65}" presName="connTx" presStyleLbl="parChTrans1D4" presStyleIdx="2" presStyleCnt="5"/>
       <dgm:spPr/>
     </dgm:pt>
     <dgm:pt modelId="{BB2CB90E-3E78-4C6B-997B-DB1C786904D6}" type="pres">
@@ -3008,7 +3096,7 @@
       <dgm:spPr/>
     </dgm:pt>
     <dgm:pt modelId="{DA95E68F-5869-4A60-BFCB-BDBA264BC2CC}" type="pres">
-      <dgm:prSet presAssocID="{A8EEBA79-44CC-462D-BC60-92B3F41C611C}" presName="LevelTwoTextNode" presStyleLbl="node4" presStyleIdx="2" presStyleCnt="4">
+      <dgm:prSet presAssocID="{A8EEBA79-44CC-462D-BC60-92B3F41C611C}" presName="LevelTwoTextNode" presStyleLbl="node4" presStyleIdx="2" presStyleCnt="5">
         <dgm:presLayoutVars>
           <dgm:chPref val="3"/>
         </dgm:presLayoutVars>
@@ -3020,11 +3108,11 @@
       <dgm:spPr/>
     </dgm:pt>
     <dgm:pt modelId="{2EA7BE73-A822-4AA4-BCF1-1D0FD2F5D95B}" type="pres">
-      <dgm:prSet presAssocID="{2B8BD580-81D5-49DC-9AB0-D58335EE11AA}" presName="conn2-1" presStyleLbl="parChTrans1D4" presStyleIdx="3" presStyleCnt="4"/>
+      <dgm:prSet presAssocID="{2B8BD580-81D5-49DC-9AB0-D58335EE11AA}" presName="conn2-1" presStyleLbl="parChTrans1D4" presStyleIdx="3" presStyleCnt="5"/>
       <dgm:spPr/>
     </dgm:pt>
     <dgm:pt modelId="{9604DFE3-E20C-469D-AD8C-73F509ACAE0F}" type="pres">
-      <dgm:prSet presAssocID="{2B8BD580-81D5-49DC-9AB0-D58335EE11AA}" presName="connTx" presStyleLbl="parChTrans1D4" presStyleIdx="3" presStyleCnt="4"/>
+      <dgm:prSet presAssocID="{2B8BD580-81D5-49DC-9AB0-D58335EE11AA}" presName="connTx" presStyleLbl="parChTrans1D4" presStyleIdx="3" presStyleCnt="5"/>
       <dgm:spPr/>
     </dgm:pt>
     <dgm:pt modelId="{5B96DE61-37D8-41F4-8F1B-B0CEE0970344}" type="pres">
@@ -3032,7 +3120,7 @@
       <dgm:spPr/>
     </dgm:pt>
     <dgm:pt modelId="{61C40B55-F943-4A4E-B0BE-DFC7756D3D5D}" type="pres">
-      <dgm:prSet presAssocID="{B6F58B32-F107-4FD5-8C78-FA014368E3AB}" presName="LevelTwoTextNode" presStyleLbl="node4" presStyleIdx="3" presStyleCnt="4" custScaleY="133476">
+      <dgm:prSet presAssocID="{B6F58B32-F107-4FD5-8C78-FA014368E3AB}" presName="LevelTwoTextNode" presStyleLbl="node4" presStyleIdx="3" presStyleCnt="5" custScaleY="133476">
         <dgm:presLayoutVars>
           <dgm:chPref val="3"/>
         </dgm:presLayoutVars>
@@ -3043,6 +3131,30 @@
       <dgm:prSet presAssocID="{B6F58B32-F107-4FD5-8C78-FA014368E3AB}" presName="level3hierChild" presStyleCnt="0"/>
       <dgm:spPr/>
     </dgm:pt>
+    <dgm:pt modelId="{91D27EC2-6914-4254-A52F-97C669CC3D0F}" type="pres">
+      <dgm:prSet presAssocID="{171E13CE-E5C3-4F47-9576-E1FF86FC4475}" presName="conn2-1" presStyleLbl="parChTrans1D4" presStyleIdx="4" presStyleCnt="5"/>
+      <dgm:spPr/>
+    </dgm:pt>
+    <dgm:pt modelId="{F4A0911B-F6F3-4B3E-8848-43107B9A5DE0}" type="pres">
+      <dgm:prSet presAssocID="{171E13CE-E5C3-4F47-9576-E1FF86FC4475}" presName="connTx" presStyleLbl="parChTrans1D4" presStyleIdx="4" presStyleCnt="5"/>
+      <dgm:spPr/>
+    </dgm:pt>
+    <dgm:pt modelId="{67A20B90-C738-4A90-816B-D494CB6CDD8A}" type="pres">
+      <dgm:prSet presAssocID="{A5DAEDBF-8046-4644-9C9B-CD1B91409C14}" presName="root2" presStyleCnt="0"/>
+      <dgm:spPr/>
+    </dgm:pt>
+    <dgm:pt modelId="{9357B533-87DB-4CFD-A42F-46AF2237F5B8}" type="pres">
+      <dgm:prSet presAssocID="{A5DAEDBF-8046-4644-9C9B-CD1B91409C14}" presName="LevelTwoTextNode" presStyleLbl="node4" presStyleIdx="4" presStyleCnt="5">
+        <dgm:presLayoutVars>
+          <dgm:chPref val="3"/>
+        </dgm:presLayoutVars>
+      </dgm:prSet>
+      <dgm:spPr/>
+    </dgm:pt>
+    <dgm:pt modelId="{D9891638-275B-4C28-ACA3-B8DD8652DCE2}" type="pres">
+      <dgm:prSet presAssocID="{A5DAEDBF-8046-4644-9C9B-CD1B91409C14}" presName="level3hierChild" presStyleCnt="0"/>
+      <dgm:spPr/>
+    </dgm:pt>
   </dgm:ptLst>
   <dgm:cxnLst>
     <dgm:cxn modelId="{42C4C500-BF83-4AFC-A0D2-84E2BA05048D}" srcId="{069E7AF6-482E-402F-B8F8-CC94ABEA44AE}" destId="{A8EEBA79-44CC-462D-BC60-92B3F41C611C}" srcOrd="0" destOrd="0" parTransId="{D92E147C-DB9F-4DF1-87A5-B86E2B8F4B65}" sibTransId="{EAF80A4B-7247-42EA-BE4A-24D74FA4F855}"/>
@@ -3051,11 +3163,14 @@
     <dgm:cxn modelId="{9E419E0F-F7DC-4A84-AC3E-99230932A9EB}" srcId="{297A8BB9-7D3D-4B6A-B3B3-637FA64BBCBF}" destId="{069E7AF6-482E-402F-B8F8-CC94ABEA44AE}" srcOrd="2" destOrd="0" parTransId="{D5ECB190-A268-48E2-B290-5CA8F22DC8BE}" sibTransId="{06695270-DFBA-44D7-9626-152B24FC4983}"/>
     <dgm:cxn modelId="{25902116-5744-4550-8B38-096463015CFA}" type="presOf" srcId="{F91870DE-8D6C-4B6F-B3CE-43F997282F0B}" destId="{894AC4BF-0FD3-4F43-A268-3D74AD536E64}" srcOrd="0" destOrd="0" presId="urn:microsoft.com/office/officeart/2008/layout/HorizontalMultiLevelHierarchy"/>
     <dgm:cxn modelId="{B19A591B-B2A0-42AC-9958-5B4DB9FA709F}" srcId="{069E7AF6-482E-402F-B8F8-CC94ABEA44AE}" destId="{B6F58B32-F107-4FD5-8C78-FA014368E3AB}" srcOrd="1" destOrd="0" parTransId="{2B8BD580-81D5-49DC-9AB0-D58335EE11AA}" sibTransId="{F489495A-2AB9-4333-827E-BBB595979E3F}"/>
+    <dgm:cxn modelId="{1E12B71D-1E3B-4FBF-9677-8C68E3D36D95}" type="presOf" srcId="{171E13CE-E5C3-4F47-9576-E1FF86FC4475}" destId="{F4A0911B-F6F3-4B3E-8848-43107B9A5DE0}" srcOrd="1" destOrd="0" presId="urn:microsoft.com/office/officeart/2008/layout/HorizontalMultiLevelHierarchy"/>
     <dgm:cxn modelId="{5685D51F-2519-40B2-8162-E9CBC4E41FC5}" type="presOf" srcId="{6CA8C187-AB0D-4C3C-8B55-D04860BD10C7}" destId="{75DB6AD3-0ED3-4922-A20E-1FB4D6A120CC}" srcOrd="0" destOrd="0" presId="urn:microsoft.com/office/officeart/2008/layout/HorizontalMultiLevelHierarchy"/>
     <dgm:cxn modelId="{32848120-D3A5-4CD5-95C9-73CA9923E403}" srcId="{75365E06-3D40-43CF-8489-2F28BF9832A2}" destId="{B6EE2FCE-192C-4473-8D4B-E320527F786B}" srcOrd="0" destOrd="0" parTransId="{050BDF5A-52E5-48C6-93FF-A98AB67500A2}" sibTransId="{50C5B6CF-328E-435D-95EF-7BD3C4BF5035}"/>
     <dgm:cxn modelId="{BCB19D27-AD67-4FA7-9598-2BEA9C51E66B}" type="presOf" srcId="{2E50D284-45C7-4646-BB3E-BFF001FE13D1}" destId="{D40DF9B3-9981-456E-B780-D4F6FEDDB9CB}" srcOrd="0" destOrd="0" presId="urn:microsoft.com/office/officeart/2008/layout/HorizontalMultiLevelHierarchy"/>
     <dgm:cxn modelId="{C6B71630-58B7-498F-977D-4597404E6EDA}" type="presOf" srcId="{A8EEBA79-44CC-462D-BC60-92B3F41C611C}" destId="{DA95E68F-5869-4A60-BFCB-BDBA264BC2CC}" srcOrd="0" destOrd="0" presId="urn:microsoft.com/office/officeart/2008/layout/HorizontalMultiLevelHierarchy"/>
+    <dgm:cxn modelId="{BBE3163A-DA49-4F8A-81CF-72970E973D12}" type="presOf" srcId="{A5DAEDBF-8046-4644-9C9B-CD1B91409C14}" destId="{9357B533-87DB-4CFD-A42F-46AF2237F5B8}" srcOrd="0" destOrd="0" presId="urn:microsoft.com/office/officeart/2008/layout/HorizontalMultiLevelHierarchy"/>
     <dgm:cxn modelId="{7DCD513A-9A27-4DAE-8221-406E4065DFD3}" type="presOf" srcId="{6CA8C187-AB0D-4C3C-8B55-D04860BD10C7}" destId="{9EF6EBC4-65BB-4A78-B1D4-0152CEA5E6A5}" srcOrd="1" destOrd="0" presId="urn:microsoft.com/office/officeart/2008/layout/HorizontalMultiLevelHierarchy"/>
+    <dgm:cxn modelId="{FC37563A-37A2-474E-A99E-478F7367C237}" type="presOf" srcId="{171E13CE-E5C3-4F47-9576-E1FF86FC4475}" destId="{91D27EC2-6914-4254-A52F-97C669CC3D0F}" srcOrd="0" destOrd="0" presId="urn:microsoft.com/office/officeart/2008/layout/HorizontalMultiLevelHierarchy"/>
     <dgm:cxn modelId="{F006263D-F9F9-49B5-AB6F-17CBEDF6712A}" srcId="{725D6A8A-3070-41F9-90F0-20FAA99F9D3C}" destId="{45A15F2A-E3DB-431D-85E6-03410ED7AB6B}" srcOrd="0" destOrd="0" parTransId="{11CE7071-2245-4C78-8AEC-EF3FD32B3A74}" sibTransId="{F4023CEC-CC99-4842-885C-839DFA2D9BE5}"/>
     <dgm:cxn modelId="{73C0603F-CF52-457F-8192-8D3E59D29DD7}" type="presOf" srcId="{2E50D284-45C7-4646-BB3E-BFF001FE13D1}" destId="{F9787790-FBC1-4624-ADF9-F4ADC89983B3}" srcOrd="1" destOrd="0" presId="urn:microsoft.com/office/officeart/2008/layout/HorizontalMultiLevelHierarchy"/>
     <dgm:cxn modelId="{A9835B60-708F-494B-82AF-D8D76EA53208}" type="presOf" srcId="{050BDF5A-52E5-48C6-93FF-A98AB67500A2}" destId="{0929F1DE-7EF9-4165-95B6-012D627E5726}" srcOrd="1" destOrd="0" presId="urn:microsoft.com/office/officeart/2008/layout/HorizontalMultiLevelHierarchy"/>
@@ -3066,6 +3181,7 @@
     <dgm:cxn modelId="{2BD0DF52-8809-49B5-8C2D-9327D931796F}" type="presOf" srcId="{297A8BB9-7D3D-4B6A-B3B3-637FA64BBCBF}" destId="{1BB66B9D-6251-44B0-B50E-096C2C0379F4}" srcOrd="0" destOrd="0" presId="urn:microsoft.com/office/officeart/2008/layout/HorizontalMultiLevelHierarchy"/>
     <dgm:cxn modelId="{D4AC4174-0023-4972-9F18-B87C098D69BA}" srcId="{1A1C5C34-606A-442B-86C0-274959069E5B}" destId="{297A8BB9-7D3D-4B6A-B3B3-637FA64BBCBF}" srcOrd="0" destOrd="0" parTransId="{2E50D284-45C7-4646-BB3E-BFF001FE13D1}" sibTransId="{322AE7A6-0544-488B-A4BE-B1308BDAD557}"/>
     <dgm:cxn modelId="{570BBE57-D2E8-4770-B514-FBB9420157A0}" type="presOf" srcId="{1A1C5C34-606A-442B-86C0-274959069E5B}" destId="{3726BC72-F477-4EF8-B98A-69BC35800169}" srcOrd="0" destOrd="0" presId="urn:microsoft.com/office/officeart/2008/layout/HorizontalMultiLevelHierarchy"/>
+    <dgm:cxn modelId="{6B620B84-08E1-4D4D-9C5F-39C2C6F48076}" srcId="{069E7AF6-482E-402F-B8F8-CC94ABEA44AE}" destId="{A5DAEDBF-8046-4644-9C9B-CD1B91409C14}" srcOrd="2" destOrd="0" parTransId="{171E13CE-E5C3-4F47-9576-E1FF86FC4475}" sibTransId="{CF85308D-F75E-4B89-9FDD-3708553ED6D9}"/>
     <dgm:cxn modelId="{C7300590-EB32-40DF-AE66-C485E00946D8}" type="presOf" srcId="{D5ECB190-A268-48E2-B290-5CA8F22DC8BE}" destId="{C66F9987-3C4D-442B-902D-250EECDB9555}" srcOrd="0" destOrd="0" presId="urn:microsoft.com/office/officeart/2008/layout/HorizontalMultiLevelHierarchy"/>
     <dgm:cxn modelId="{E970E799-8F4A-449C-BC17-E85A9DA755D2}" type="presOf" srcId="{75365E06-3D40-43CF-8489-2F28BF9832A2}" destId="{349F24CC-763C-41CB-96CF-D18A433E54C3}" srcOrd="0" destOrd="0" presId="urn:microsoft.com/office/officeart/2008/layout/HorizontalMultiLevelHierarchy"/>
     <dgm:cxn modelId="{3CFA43AA-8892-4E3C-B7D4-9FE2980F1A61}" type="presOf" srcId="{E512A89B-F609-4120-AF8D-CF80FF00B97F}" destId="{97E7B159-BFBE-474F-993F-35C139255B46}" srcOrd="0" destOrd="0" presId="urn:microsoft.com/office/officeart/2008/layout/HorizontalMultiLevelHierarchy"/>
@@ -3123,6 +3239,11 @@
     <dgm:cxn modelId="{3C22CB29-0471-45CC-AD80-5DD932154B29}" type="presParOf" srcId="{EA9E4217-5D88-458C-A943-2D49DB08EB28}" destId="{5B96DE61-37D8-41F4-8F1B-B0CEE0970344}" srcOrd="3" destOrd="0" presId="urn:microsoft.com/office/officeart/2008/layout/HorizontalMultiLevelHierarchy"/>
     <dgm:cxn modelId="{37286320-9FAB-4542-BCA7-44DB4B0B6CC9}" type="presParOf" srcId="{5B96DE61-37D8-41F4-8F1B-B0CEE0970344}" destId="{61C40B55-F943-4A4E-B0BE-DFC7756D3D5D}" srcOrd="0" destOrd="0" presId="urn:microsoft.com/office/officeart/2008/layout/HorizontalMultiLevelHierarchy"/>
     <dgm:cxn modelId="{08D056B8-4369-4D38-969B-CCB0379F5B62}" type="presParOf" srcId="{5B96DE61-37D8-41F4-8F1B-B0CEE0970344}" destId="{F792E55D-5E63-4AFC-A920-54A323DC0454}" srcOrd="1" destOrd="0" presId="urn:microsoft.com/office/officeart/2008/layout/HorizontalMultiLevelHierarchy"/>
+    <dgm:cxn modelId="{452CDE1E-7136-4B80-A1E3-EAB2DE895FB5}" type="presParOf" srcId="{EA9E4217-5D88-458C-A943-2D49DB08EB28}" destId="{91D27EC2-6914-4254-A52F-97C669CC3D0F}" srcOrd="4" destOrd="0" presId="urn:microsoft.com/office/officeart/2008/layout/HorizontalMultiLevelHierarchy"/>
+    <dgm:cxn modelId="{04C00FF9-DF63-4EA3-BD97-968D3DDD5CA4}" type="presParOf" srcId="{91D27EC2-6914-4254-A52F-97C669CC3D0F}" destId="{F4A0911B-F6F3-4B3E-8848-43107B9A5DE0}" srcOrd="0" destOrd="0" presId="urn:microsoft.com/office/officeart/2008/layout/HorizontalMultiLevelHierarchy"/>
+    <dgm:cxn modelId="{D7198F07-B173-4BF7-8DCF-64DB2278DC1A}" type="presParOf" srcId="{EA9E4217-5D88-458C-A943-2D49DB08EB28}" destId="{67A20B90-C738-4A90-816B-D494CB6CDD8A}" srcOrd="5" destOrd="0" presId="urn:microsoft.com/office/officeart/2008/layout/HorizontalMultiLevelHierarchy"/>
+    <dgm:cxn modelId="{C08C62A9-13FE-4E42-B11E-ADF501E0575E}" type="presParOf" srcId="{67A20B90-C738-4A90-816B-D494CB6CDD8A}" destId="{9357B533-87DB-4CFD-A42F-46AF2237F5B8}" srcOrd="0" destOrd="0" presId="urn:microsoft.com/office/officeart/2008/layout/HorizontalMultiLevelHierarchy"/>
+    <dgm:cxn modelId="{EA7DE452-59AB-49C9-974A-ABEDFB4FBD8D}" type="presParOf" srcId="{67A20B90-C738-4A90-816B-D494CB6CDD8A}" destId="{D9891638-275B-4C28-ACA3-B8DD8652DCE2}" srcOrd="1" destOrd="0" presId="urn:microsoft.com/office/officeart/2008/layout/HorizontalMultiLevelHierarchy"/>
   </dgm:cxnLst>
   <dgm:bg/>
   <dgm:whole/>
@@ -3729,15 +3850,15 @@
       <dsp:cNvGrpSpPr/>
     </dsp:nvGrpSpPr>
     <dsp:grpSpPr/>
-    <dsp:sp modelId="{2EA7BE73-A822-4AA4-BCF1-1D0FD2F5D95B}">
+    <dsp:sp modelId="{91D27EC2-6914-4254-A52F-97C669CC3D0F}">
       <dsp:nvSpPr>
         <dsp:cNvPr id="0" name=""/>
         <dsp:cNvSpPr/>
       </dsp:nvSpPr>
       <dsp:spPr>
         <a:xfrm>
-          <a:off x="8442786" y="4848382"/>
-          <a:ext cx="623781" cy="594303"/>
+          <a:off x="8442786" y="4699806"/>
+          <a:ext cx="623781" cy="1347766"/>
         </a:xfrm>
         <a:custGeom>
           <a:avLst/>
@@ -3754,10 +3875,10 @@
                 <a:pt x="311890" y="0"/>
               </a:lnTo>
               <a:lnTo>
-                <a:pt x="311890" y="594303"/>
+                <a:pt x="311890" y="1347766"/>
               </a:lnTo>
               <a:lnTo>
-                <a:pt x="623781" y="594303"/>
+                <a:pt x="623781" y="1347766"/>
               </a:lnTo>
             </a:path>
           </a:pathLst>
@@ -3812,19 +3933,19 @@
         </a:p>
       </dsp:txBody>
       <dsp:txXfrm>
-        <a:off x="8733137" y="5123994"/>
-        <a:ext cx="43078" cy="43078"/>
+        <a:off x="8717548" y="5336561"/>
+        <a:ext cx="74255" cy="74255"/>
       </dsp:txXfrm>
     </dsp:sp>
-    <dsp:sp modelId="{15018D38-C489-40C4-A3DC-9FBC0F7F7610}">
+    <dsp:sp modelId="{2EA7BE73-A822-4AA4-BCF1-1D0FD2F5D95B}">
       <dsp:nvSpPr>
         <dsp:cNvPr id="0" name=""/>
         <dsp:cNvSpPr/>
       </dsp:nvSpPr>
       <dsp:spPr>
         <a:xfrm>
-          <a:off x="8442786" y="4094919"/>
-          <a:ext cx="623781" cy="753462"/>
+          <a:off x="8442786" y="4654086"/>
+          <a:ext cx="623781" cy="91440"/>
         </a:xfrm>
         <a:custGeom>
           <a:avLst/>
@@ -3835,10 +3956,91 @@
           <a:pathLst>
             <a:path>
               <a:moveTo>
-                <a:pt x="0" y="753462"/>
+                <a:pt x="0" y="45720"/>
               </a:moveTo>
               <a:lnTo>
-                <a:pt x="311890" y="753462"/>
+                <a:pt x="623781" y="45720"/>
+              </a:lnTo>
+            </a:path>
+          </a:pathLst>
+        </a:custGeom>
+        <a:noFill/>
+        <a:ln w="12700" cap="flat" cmpd="sng" algn="ctr">
+          <a:solidFill>
+            <a:schemeClr val="accent2">
+              <a:tint val="50000"/>
+              <a:hueOff val="0"/>
+              <a:satOff val="0"/>
+              <a:lumOff val="0"/>
+              <a:alphaOff val="0"/>
+            </a:schemeClr>
+          </a:solidFill>
+          <a:prstDash val="solid"/>
+          <a:miter lim="800000"/>
+        </a:ln>
+        <a:effectLst/>
+      </dsp:spPr>
+      <dsp:style>
+        <a:lnRef idx="2">
+          <a:scrgbClr r="0" g="0" b="0"/>
+        </a:lnRef>
+        <a:fillRef idx="0">
+          <a:scrgbClr r="0" g="0" b="0"/>
+        </a:fillRef>
+        <a:effectRef idx="0">
+          <a:scrgbClr r="0" g="0" b="0"/>
+        </a:effectRef>
+        <a:fontRef idx="minor"/>
+      </dsp:style>
+      <dsp:txBody>
+        <a:bodyPr spcFirstLastPara="0" vert="horz" wrap="square" lIns="12700" tIns="0" rIns="12700" bIns="0" numCol="1" spcCol="1270" anchor="ctr" anchorCtr="0">
+          <a:noAutofit/>
+        </a:bodyPr>
+        <a:lstStyle/>
+        <a:p>
+          <a:pPr marL="0" lvl="0" indent="0" algn="ctr" defTabSz="222250">
+            <a:lnSpc>
+              <a:spcPct val="90000"/>
+            </a:lnSpc>
+            <a:spcBef>
+              <a:spcPct val="0"/>
+            </a:spcBef>
+            <a:spcAft>
+              <a:spcPct val="35000"/>
+            </a:spcAft>
+            <a:buNone/>
+          </a:pPr>
+          <a:endParaRPr lang="zh-TW" altLang="en-US" sz="500" kern="1200"/>
+        </a:p>
+      </dsp:txBody>
+      <dsp:txXfrm>
+        <a:off x="8739082" y="4684211"/>
+        <a:ext cx="31189" cy="31189"/>
+      </dsp:txXfrm>
+    </dsp:sp>
+    <dsp:sp modelId="{15018D38-C489-40C4-A3DC-9FBC0F7F7610}">
+      <dsp:nvSpPr>
+        <dsp:cNvPr id="0" name=""/>
+        <dsp:cNvSpPr/>
+      </dsp:nvSpPr>
+      <dsp:spPr>
+        <a:xfrm>
+          <a:off x="8442786" y="3352039"/>
+          <a:ext cx="623781" cy="1347766"/>
+        </a:xfrm>
+        <a:custGeom>
+          <a:avLst/>
+          <a:gdLst/>
+          <a:ahLst/>
+          <a:cxnLst/>
+          <a:rect l="0" t="0" r="0" b="0"/>
+          <a:pathLst>
+            <a:path>
+              <a:moveTo>
+                <a:pt x="0" y="1347766"/>
+              </a:moveTo>
+              <a:lnTo>
+                <a:pt x="311890" y="1347766"/>
               </a:lnTo>
               <a:lnTo>
                 <a:pt x="311890" y="0"/>
@@ -3899,8 +4101,8 @@
         </a:p>
       </dsp:txBody>
       <dsp:txXfrm>
-        <a:off x="8730222" y="4447196"/>
-        <a:ext cx="48908" cy="48908"/>
+        <a:off x="8717548" y="3988794"/>
+        <a:ext cx="74255" cy="74255"/>
       </dsp:txXfrm>
     </dsp:sp>
     <dsp:sp modelId="{C66F9987-3C4D-442B-902D-250EECDB9555}">
@@ -3910,8 +4112,8 @@
       </dsp:nvSpPr>
       <dsp:spPr>
         <a:xfrm>
-          <a:off x="4700099" y="3283043"/>
-          <a:ext cx="623781" cy="1565338"/>
+          <a:off x="4700099" y="2837315"/>
+          <a:ext cx="623781" cy="1862490"/>
         </a:xfrm>
         <a:custGeom>
           <a:avLst/>
@@ -3928,10 +4130,10 @@
                 <a:pt x="311890" y="0"/>
               </a:lnTo>
               <a:lnTo>
-                <a:pt x="311890" y="1565338"/>
+                <a:pt x="311890" y="1862490"/>
               </a:lnTo>
               <a:lnTo>
-                <a:pt x="623781" y="1565338"/>
+                <a:pt x="623781" y="1862490"/>
               </a:lnTo>
             </a:path>
           </a:pathLst>
@@ -3970,7 +4172,7 @@
         </a:bodyPr>
         <a:lstStyle/>
         <a:p>
-          <a:pPr marL="0" lvl="0" indent="0" algn="ctr" defTabSz="266700">
+          <a:pPr marL="0" lvl="0" indent="0" algn="ctr" defTabSz="311150">
             <a:lnSpc>
               <a:spcPct val="90000"/>
             </a:lnSpc>
@@ -3982,7 +4184,7 @@
             </a:spcAft>
             <a:buNone/>
           </a:pPr>
-          <a:endParaRPr lang="zh-TW" altLang="en-US" sz="600" kern="1200">
+          <a:endParaRPr lang="zh-TW" altLang="en-US" sz="700" kern="1200">
             <a:solidFill>
               <a:schemeClr val="tx1"/>
             </a:solidFill>
@@ -3990,8 +4192,8 @@
         </a:p>
       </dsp:txBody>
       <dsp:txXfrm>
-        <a:off x="4969863" y="4023586"/>
-        <a:ext cx="84252" cy="84252"/>
+        <a:off x="4962885" y="3719456"/>
+        <a:ext cx="98208" cy="98208"/>
       </dsp:txXfrm>
     </dsp:sp>
     <dsp:sp modelId="{C344AE3C-E165-4652-94E8-EC1A2143A510}">
@@ -4001,7 +4203,7 @@
       </dsp:nvSpPr>
       <dsp:spPr>
         <a:xfrm>
-          <a:off x="8442786" y="2860591"/>
+          <a:off x="8442786" y="2117712"/>
           <a:ext cx="623781" cy="91440"/>
         </a:xfrm>
         <a:custGeom>
@@ -4075,7 +4277,7 @@
         </a:p>
       </dsp:txBody>
       <dsp:txXfrm>
-        <a:off x="8739082" y="2890717"/>
+        <a:off x="8739082" y="2147837"/>
         <a:ext cx="31189" cy="31189"/>
       </dsp:txXfrm>
     </dsp:sp>
@@ -4086,8 +4288,8 @@
       </dsp:nvSpPr>
       <dsp:spPr>
         <a:xfrm>
-          <a:off x="4700099" y="2906311"/>
-          <a:ext cx="623781" cy="376731"/>
+          <a:off x="4700099" y="2163432"/>
+          <a:ext cx="623781" cy="673883"/>
         </a:xfrm>
         <a:custGeom>
           <a:avLst/>
@@ -4098,10 +4300,10 @@
           <a:pathLst>
             <a:path>
               <a:moveTo>
-                <a:pt x="0" y="376731"/>
+                <a:pt x="0" y="673883"/>
               </a:moveTo>
               <a:lnTo>
-                <a:pt x="311890" y="376731"/>
+                <a:pt x="311890" y="673883"/>
               </a:lnTo>
               <a:lnTo>
                 <a:pt x="311890" y="0"/>
@@ -4166,8 +4368,8 @@
         </a:p>
       </dsp:txBody>
       <dsp:txXfrm>
-        <a:off x="4993772" y="3076459"/>
-        <a:ext cx="36435" cy="36435"/>
+        <a:off x="4989033" y="2477417"/>
+        <a:ext cx="45913" cy="45913"/>
       </dsp:txXfrm>
     </dsp:sp>
     <dsp:sp modelId="{4709C39E-F3B8-4FEB-8C09-B01E2024E20B}">
@@ -4177,7 +4379,7 @@
       </dsp:nvSpPr>
       <dsp:spPr>
         <a:xfrm>
-          <a:off x="8442786" y="1671984"/>
+          <a:off x="8442786" y="929104"/>
           <a:ext cx="623781" cy="91440"/>
         </a:xfrm>
         <a:custGeom>
@@ -4247,7 +4449,7 @@
         </a:p>
       </dsp:txBody>
       <dsp:txXfrm>
-        <a:off x="8739082" y="1702109"/>
+        <a:off x="8739082" y="959230"/>
         <a:ext cx="31189" cy="31189"/>
       </dsp:txXfrm>
     </dsp:sp>
@@ -4258,8 +4460,8 @@
       </dsp:nvSpPr>
       <dsp:spPr>
         <a:xfrm>
-          <a:off x="4700099" y="1717704"/>
-          <a:ext cx="623781" cy="1565338"/>
+          <a:off x="4700099" y="974824"/>
+          <a:ext cx="623781" cy="1862490"/>
         </a:xfrm>
         <a:custGeom>
           <a:avLst/>
@@ -4270,10 +4472,10 @@
           <a:pathLst>
             <a:path>
               <a:moveTo>
-                <a:pt x="0" y="1565338"/>
+                <a:pt x="0" y="1862490"/>
               </a:moveTo>
               <a:lnTo>
-                <a:pt x="311890" y="1565338"/>
+                <a:pt x="311890" y="1862490"/>
               </a:lnTo>
               <a:lnTo>
                 <a:pt x="311890" y="0"/>
@@ -4318,7 +4520,7 @@
         </a:bodyPr>
         <a:lstStyle/>
         <a:p>
-          <a:pPr marL="0" lvl="0" indent="0" algn="ctr" defTabSz="266700">
+          <a:pPr marL="0" lvl="0" indent="0" algn="ctr" defTabSz="311150">
             <a:lnSpc>
               <a:spcPct val="90000"/>
             </a:lnSpc>
@@ -4330,12 +4532,12 @@
             </a:spcAft>
             <a:buNone/>
           </a:pPr>
-          <a:endParaRPr lang="zh-TW" altLang="en-US" sz="600" kern="1200"/>
+          <a:endParaRPr lang="zh-TW" altLang="en-US" sz="700" kern="1200"/>
         </a:p>
       </dsp:txBody>
       <dsp:txXfrm>
-        <a:off x="4969863" y="2458247"/>
-        <a:ext cx="84252" cy="84252"/>
+        <a:off x="4962885" y="1856965"/>
+        <a:ext cx="98208" cy="98208"/>
       </dsp:txXfrm>
     </dsp:sp>
     <dsp:sp modelId="{D40DF9B3-9981-456E-B780-D4F6FEDDB9CB}">
@@ -4345,7 +4547,7 @@
       </dsp:nvSpPr>
       <dsp:spPr>
         <a:xfrm>
-          <a:off x="957412" y="3237323"/>
+          <a:off x="957412" y="2791595"/>
           <a:ext cx="623781" cy="91440"/>
         </a:xfrm>
         <a:custGeom>
@@ -4419,7 +4621,7 @@
         </a:p>
       </dsp:txBody>
       <dsp:txXfrm>
-        <a:off x="1253708" y="3267448"/>
+        <a:off x="1253708" y="2821720"/>
         <a:ext cx="31189" cy="31189"/>
       </dsp:txXfrm>
     </dsp:sp>
@@ -4430,7 +4632,7 @@
       </dsp:nvSpPr>
       <dsp:spPr>
         <a:xfrm rot="16200000">
-          <a:off x="-2020361" y="2807600"/>
+          <a:off x="-2020361" y="2361872"/>
           <a:ext cx="5004662" cy="950885"/>
         </a:xfrm>
         <a:prstGeom prst="rect">
@@ -4505,7 +4707,7 @@
         </a:p>
       </dsp:txBody>
       <dsp:txXfrm>
-        <a:off x="-2020361" y="2807600"/>
+        <a:off x="-2020361" y="2361872"/>
         <a:ext cx="5004662" cy="950885"/>
       </dsp:txXfrm>
     </dsp:sp>
@@ -4516,7 +4718,7 @@
       </dsp:nvSpPr>
       <dsp:spPr>
         <a:xfrm>
-          <a:off x="1581193" y="2807600"/>
+          <a:off x="1581193" y="2361872"/>
           <a:ext cx="3118905" cy="950885"/>
         </a:xfrm>
         <a:prstGeom prst="rect">
@@ -4591,7 +4793,7 @@
         </a:p>
       </dsp:txBody>
       <dsp:txXfrm>
-        <a:off x="1581193" y="2807600"/>
+        <a:off x="1581193" y="2361872"/>
         <a:ext cx="3118905" cy="950885"/>
       </dsp:txXfrm>
     </dsp:sp>
@@ -4602,7 +4804,7 @@
       </dsp:nvSpPr>
       <dsp:spPr>
         <a:xfrm>
-          <a:off x="5323880" y="1242261"/>
+          <a:off x="5323880" y="499381"/>
           <a:ext cx="3118905" cy="950885"/>
         </a:xfrm>
         <a:prstGeom prst="rect">
@@ -4677,7 +4879,7 @@
         </a:p>
       </dsp:txBody>
       <dsp:txXfrm>
-        <a:off x="5323880" y="1242261"/>
+        <a:off x="5323880" y="499381"/>
         <a:ext cx="3118905" cy="950885"/>
       </dsp:txXfrm>
     </dsp:sp>
@@ -4688,7 +4890,7 @@
       </dsp:nvSpPr>
       <dsp:spPr>
         <a:xfrm>
-          <a:off x="9066567" y="1242261"/>
+          <a:off x="9066567" y="499381"/>
           <a:ext cx="3118905" cy="950885"/>
         </a:xfrm>
         <a:prstGeom prst="rect">
@@ -4763,7 +4965,7 @@
         </a:p>
       </dsp:txBody>
       <dsp:txXfrm>
-        <a:off x="9066567" y="1242261"/>
+        <a:off x="9066567" y="499381"/>
         <a:ext cx="3118905" cy="950885"/>
       </dsp:txXfrm>
     </dsp:sp>
@@ -4774,7 +4976,7 @@
       </dsp:nvSpPr>
       <dsp:spPr>
         <a:xfrm>
-          <a:off x="5323880" y="2430868"/>
+          <a:off x="5323880" y="1687989"/>
           <a:ext cx="3118905" cy="950885"/>
         </a:xfrm>
         <a:prstGeom prst="rect">
@@ -4849,7 +5051,7 @@
         </a:p>
       </dsp:txBody>
       <dsp:txXfrm>
-        <a:off x="5323880" y="2430868"/>
+        <a:off x="5323880" y="1687989"/>
         <a:ext cx="3118905" cy="950885"/>
       </dsp:txXfrm>
     </dsp:sp>
@@ -4860,7 +5062,7 @@
       </dsp:nvSpPr>
       <dsp:spPr>
         <a:xfrm>
-          <a:off x="9066567" y="2430868"/>
+          <a:off x="9066567" y="1687989"/>
           <a:ext cx="3118905" cy="950885"/>
         </a:xfrm>
         <a:prstGeom prst="rect">
@@ -4935,7 +5137,7 @@
         </a:p>
       </dsp:txBody>
       <dsp:txXfrm>
-        <a:off x="9066567" y="2430868"/>
+        <a:off x="9066567" y="1687989"/>
         <a:ext cx="3118905" cy="950885"/>
       </dsp:txXfrm>
     </dsp:sp>
@@ -4946,7 +5148,7 @@
       </dsp:nvSpPr>
       <dsp:spPr>
         <a:xfrm>
-          <a:off x="5323880" y="4372939"/>
+          <a:off x="5323880" y="4224363"/>
           <a:ext cx="3118905" cy="950885"/>
         </a:xfrm>
         <a:prstGeom prst="rect">
@@ -5021,7 +5223,7 @@
         </a:p>
       </dsp:txBody>
       <dsp:txXfrm>
-        <a:off x="5323880" y="4372939"/>
+        <a:off x="5323880" y="4224363"/>
         <a:ext cx="3118905" cy="950885"/>
       </dsp:txXfrm>
     </dsp:sp>
@@ -5032,7 +5234,7 @@
       </dsp:nvSpPr>
       <dsp:spPr>
         <a:xfrm>
-          <a:off x="9066567" y="3619476"/>
+          <a:off x="9066567" y="2876596"/>
           <a:ext cx="3118905" cy="950885"/>
         </a:xfrm>
         <a:prstGeom prst="rect">
@@ -5129,7 +5331,7 @@
         </a:p>
       </dsp:txBody>
       <dsp:txXfrm>
-        <a:off x="9066567" y="3619476"/>
+        <a:off x="9066567" y="2876596"/>
         <a:ext cx="3118905" cy="950885"/>
       </dsp:txXfrm>
     </dsp:sp>
@@ -5140,7 +5342,7 @@
       </dsp:nvSpPr>
       <dsp:spPr>
         <a:xfrm>
-          <a:off x="9066567" y="4808083"/>
+          <a:off x="9066567" y="4065203"/>
           <a:ext cx="3118905" cy="1269204"/>
         </a:xfrm>
         <a:prstGeom prst="rect">
@@ -5210,10 +5412,10 @@
               <a:ea typeface="標楷體" panose="03000509000000000000" pitchFamily="65" charset="-120"/>
               <a:cs typeface="Times New Roman" panose="02020603050405020304" pitchFamily="18" charset="0"/>
             </a:rPr>
-            <a:t>向下找三層</a:t>
+            <a:t>向下找三層，如果</a:t>
           </a:r>
           <a:r>
-            <a:rPr lang="zh-TW" altLang="en-US" sz="1800" kern="1200">
+            <a:rPr lang="en-US" altLang="zh-TW" sz="1800" kern="1200" dirty="0">
               <a:solidFill>
                 <a:schemeClr val="tx1"/>
               </a:solidFill>
@@ -5221,7 +5423,7 @@
               <a:ea typeface="標楷體" panose="03000509000000000000" pitchFamily="65" charset="-120"/>
               <a:cs typeface="Times New Roman" panose="02020603050405020304" pitchFamily="18" charset="0"/>
             </a:rPr>
-            <a:t>，如果深度範圍內有</a:t>
+            <a:t>1</a:t>
           </a:r>
           <a:r>
             <a:rPr lang="zh-TW" altLang="en-US" sz="1800" kern="1200" dirty="0">
@@ -5232,7 +5434,7 @@
               <a:ea typeface="標楷體" panose="03000509000000000000" pitchFamily="65" charset="-120"/>
               <a:cs typeface="Times New Roman" panose="02020603050405020304" pitchFamily="18" charset="0"/>
             </a:rPr>
-            <a:t>多個不同土層，且起始位置包含在某土層內，則把土層深度</a:t>
+            <a:t>同土層，兩土層深度範圍內有不同土層，且起始位置包含在某土層內，則把土層深度</a:t>
           </a:r>
           <a:r>
             <a:rPr lang="en-US" altLang="zh-TW" sz="1800" kern="1200" dirty="0">
@@ -5243,7 +5445,7 @@
               <a:ea typeface="標楷體" panose="03000509000000000000" pitchFamily="65" charset="-120"/>
               <a:cs typeface="Times New Roman" panose="02020603050405020304" pitchFamily="18" charset="0"/>
             </a:rPr>
-            <a:t>/</a:t>
+            <a:t>/2</a:t>
           </a:r>
           <a:r>
             <a:rPr lang="zh-TW" altLang="en-US" sz="1800" kern="1200" dirty="0">
@@ -5254,7 +5456,7 @@
               <a:ea typeface="標楷體" panose="03000509000000000000" pitchFamily="65" charset="-120"/>
               <a:cs typeface="Times New Roman" panose="02020603050405020304" pitchFamily="18" charset="0"/>
             </a:rPr>
-            <a:t>相同土層數量</a:t>
+            <a:t>分為兩層相同的土層，方便作圖</a:t>
           </a:r>
           <a:endParaRPr lang="en-US" altLang="zh-TW" sz="1800" kern="1200" dirty="0">
             <a:solidFill>
@@ -5267,8 +5469,146 @@
         </a:p>
       </dsp:txBody>
       <dsp:txXfrm>
-        <a:off x="9066567" y="4808083"/>
+        <a:off x="9066567" y="4065203"/>
         <a:ext cx="3118905" cy="1269204"/>
+      </dsp:txXfrm>
+    </dsp:sp>
+    <dsp:sp modelId="{9357B533-87DB-4CFD-A42F-46AF2237F5B8}">
+      <dsp:nvSpPr>
+        <dsp:cNvPr id="0" name=""/>
+        <dsp:cNvSpPr/>
+      </dsp:nvSpPr>
+      <dsp:spPr>
+        <a:xfrm>
+          <a:off x="9066567" y="5572129"/>
+          <a:ext cx="3118905" cy="950885"/>
+        </a:xfrm>
+        <a:prstGeom prst="rect">
+          <a:avLst/>
+        </a:prstGeom>
+        <a:solidFill>
+          <a:schemeClr val="accent2">
+            <a:alpha val="30000"/>
+            <a:hueOff val="0"/>
+            <a:satOff val="0"/>
+            <a:lumOff val="0"/>
+            <a:alphaOff val="0"/>
+          </a:schemeClr>
+        </a:solidFill>
+        <a:ln w="12700" cap="flat" cmpd="sng" algn="ctr">
+          <a:solidFill>
+            <a:schemeClr val="lt1">
+              <a:hueOff val="0"/>
+              <a:satOff val="0"/>
+              <a:lumOff val="0"/>
+              <a:alphaOff val="0"/>
+            </a:schemeClr>
+          </a:solidFill>
+          <a:prstDash val="solid"/>
+          <a:miter lim="800000"/>
+        </a:ln>
+        <a:effectLst/>
+      </dsp:spPr>
+      <dsp:style>
+        <a:lnRef idx="2">
+          <a:scrgbClr r="0" g="0" b="0"/>
+        </a:lnRef>
+        <a:fillRef idx="1">
+          <a:scrgbClr r="0" g="0" b="0"/>
+        </a:fillRef>
+        <a:effectRef idx="0">
+          <a:scrgbClr r="0" g="0" b="0"/>
+        </a:effectRef>
+        <a:fontRef idx="minor">
+          <a:schemeClr val="lt1"/>
+        </a:fontRef>
+      </dsp:style>
+      <dsp:txBody>
+        <a:bodyPr spcFirstLastPara="0" vert="horz" wrap="square" lIns="11430" tIns="11430" rIns="11430" bIns="11430" numCol="1" spcCol="1270" anchor="ctr" anchorCtr="0">
+          <a:noAutofit/>
+        </a:bodyPr>
+        <a:lstStyle/>
+        <a:p>
+          <a:pPr marL="0" lvl="0" indent="0" algn="ctr" defTabSz="800100">
+            <a:lnSpc>
+              <a:spcPct val="90000"/>
+            </a:lnSpc>
+            <a:spcBef>
+              <a:spcPct val="0"/>
+            </a:spcBef>
+            <a:spcAft>
+              <a:spcPct val="35000"/>
+            </a:spcAft>
+            <a:buNone/>
+          </a:pPr>
+          <a:r>
+            <a:rPr lang="zh-TW" altLang="en-US" sz="1800" kern="1200" dirty="0">
+              <a:solidFill>
+                <a:schemeClr val="tx1"/>
+              </a:solidFill>
+              <a:latin typeface="Times New Roman" panose="02020603050405020304" pitchFamily="18" charset="0"/>
+              <a:ea typeface="標楷體" panose="03000509000000000000" pitchFamily="65" charset="-120"/>
+              <a:cs typeface="Times New Roman" panose="02020603050405020304" pitchFamily="18" charset="0"/>
+            </a:rPr>
+            <a:t>若向下找三層有</a:t>
+          </a:r>
+          <a:r>
+            <a:rPr lang="en-US" altLang="zh-TW" sz="1800" kern="1200" dirty="0">
+              <a:solidFill>
+                <a:schemeClr val="tx1"/>
+              </a:solidFill>
+              <a:latin typeface="Times New Roman" panose="02020603050405020304" pitchFamily="18" charset="0"/>
+              <a:ea typeface="標楷體" panose="03000509000000000000" pitchFamily="65" charset="-120"/>
+              <a:cs typeface="Times New Roman" panose="02020603050405020304" pitchFamily="18" charset="0"/>
+            </a:rPr>
+            <a:t>1</a:t>
+          </a:r>
+          <a:r>
+            <a:rPr lang="zh-TW" altLang="en-US" sz="1800" kern="1200" dirty="0">
+              <a:solidFill>
+                <a:schemeClr val="tx1"/>
+              </a:solidFill>
+              <a:latin typeface="Times New Roman" panose="02020603050405020304" pitchFamily="18" charset="0"/>
+              <a:ea typeface="標楷體" panose="03000509000000000000" pitchFamily="65" charset="-120"/>
+              <a:cs typeface="Times New Roman" panose="02020603050405020304" pitchFamily="18" charset="0"/>
+            </a:rPr>
+            <a:t>個以上相同種類的土層，則根據</a:t>
+          </a:r>
+          <a:r>
+            <a:rPr lang="en-US" altLang="zh-TW" sz="1800" kern="1200" dirty="0" err="1">
+              <a:solidFill>
+                <a:schemeClr val="tx1"/>
+              </a:solidFill>
+              <a:latin typeface="Times New Roman" panose="02020603050405020304" pitchFamily="18" charset="0"/>
+              <a:ea typeface="標楷體" panose="03000509000000000000" pitchFamily="65" charset="-120"/>
+              <a:cs typeface="Times New Roman" panose="02020603050405020304" pitchFamily="18" charset="0"/>
+            </a:rPr>
+            <a:t>Ic</a:t>
+          </a:r>
+          <a:r>
+            <a:rPr lang="zh-TW" altLang="en-US" sz="1800" kern="1200" dirty="0">
+              <a:solidFill>
+                <a:schemeClr val="tx1"/>
+              </a:solidFill>
+              <a:latin typeface="Times New Roman" panose="02020603050405020304" pitchFamily="18" charset="0"/>
+              <a:ea typeface="標楷體" panose="03000509000000000000" pitchFamily="65" charset="-120"/>
+              <a:cs typeface="Times New Roman" panose="02020603050405020304" pitchFamily="18" charset="0"/>
+            </a:rPr>
+            <a:t>做判斷</a:t>
+          </a:r>
+          <a:endParaRPr lang="en-US" altLang="zh-TW" sz="1800" kern="1200" dirty="0">
+            <a:solidFill>
+              <a:schemeClr val="tx1"/>
+            </a:solidFill>
+            <a:latin typeface="Times New Roman" panose="02020603050405020304" pitchFamily="18" charset="0"/>
+            <a:ea typeface="標楷體" panose="03000509000000000000" pitchFamily="65" charset="-120"/>
+            <a:cs typeface="Times New Roman" panose="02020603050405020304" pitchFamily="18" charset="0"/>
+          </a:endParaRPr>
+        </a:p>
+      </dsp:txBody>
+      <dsp:txXfrm>
+        <a:off x="9066567" y="5572129"/>
+        <a:ext cx="3118905" cy="950885"/>
       </dsp:txXfrm>
     </dsp:sp>
   </dsp:spTree>
@@ -7967,7 +8307,7 @@
           <a:p>
             <a:fld id="{A38B5D3B-4065-40E6-A1E4-C367873C67F7}" type="datetimeFigureOut">
               <a:rPr lang="zh-TW" altLang="en-US" smtClean="0"/>
-              <a:t>2024/10/16</a:t>
+              <a:t>2024/10/17</a:t>
             </a:fld>
             <a:endParaRPr lang="zh-TW" altLang="en-US"/>
           </a:p>
@@ -8165,7 +8505,7 @@
           <a:p>
             <a:fld id="{A38B5D3B-4065-40E6-A1E4-C367873C67F7}" type="datetimeFigureOut">
               <a:rPr lang="zh-TW" altLang="en-US" smtClean="0"/>
-              <a:t>2024/10/16</a:t>
+              <a:t>2024/10/17</a:t>
             </a:fld>
             <a:endParaRPr lang="zh-TW" altLang="en-US"/>
           </a:p>
@@ -8373,7 +8713,7 @@
           <a:p>
             <a:fld id="{A38B5D3B-4065-40E6-A1E4-C367873C67F7}" type="datetimeFigureOut">
               <a:rPr lang="zh-TW" altLang="en-US" smtClean="0"/>
-              <a:t>2024/10/16</a:t>
+              <a:t>2024/10/17</a:t>
             </a:fld>
             <a:endParaRPr lang="zh-TW" altLang="en-US"/>
           </a:p>
@@ -8571,7 +8911,7 @@
           <a:p>
             <a:fld id="{A38B5D3B-4065-40E6-A1E4-C367873C67F7}" type="datetimeFigureOut">
               <a:rPr lang="zh-TW" altLang="en-US" smtClean="0"/>
-              <a:t>2024/10/16</a:t>
+              <a:t>2024/10/17</a:t>
             </a:fld>
             <a:endParaRPr lang="zh-TW" altLang="en-US"/>
           </a:p>
@@ -8846,7 +9186,7 @@
           <a:p>
             <a:fld id="{A38B5D3B-4065-40E6-A1E4-C367873C67F7}" type="datetimeFigureOut">
               <a:rPr lang="zh-TW" altLang="en-US" smtClean="0"/>
-              <a:t>2024/10/16</a:t>
+              <a:t>2024/10/17</a:t>
             </a:fld>
             <a:endParaRPr lang="zh-TW" altLang="en-US"/>
           </a:p>
@@ -9111,7 +9451,7 @@
           <a:p>
             <a:fld id="{A38B5D3B-4065-40E6-A1E4-C367873C67F7}" type="datetimeFigureOut">
               <a:rPr lang="zh-TW" altLang="en-US" smtClean="0"/>
-              <a:t>2024/10/16</a:t>
+              <a:t>2024/10/17</a:t>
             </a:fld>
             <a:endParaRPr lang="zh-TW" altLang="en-US"/>
           </a:p>
@@ -9523,7 +9863,7 @@
           <a:p>
             <a:fld id="{A38B5D3B-4065-40E6-A1E4-C367873C67F7}" type="datetimeFigureOut">
               <a:rPr lang="zh-TW" altLang="en-US" smtClean="0"/>
-              <a:t>2024/10/16</a:t>
+              <a:t>2024/10/17</a:t>
             </a:fld>
             <a:endParaRPr lang="zh-TW" altLang="en-US"/>
           </a:p>
@@ -9664,7 +10004,7 @@
           <a:p>
             <a:fld id="{A38B5D3B-4065-40E6-A1E4-C367873C67F7}" type="datetimeFigureOut">
               <a:rPr lang="zh-TW" altLang="en-US" smtClean="0"/>
-              <a:t>2024/10/16</a:t>
+              <a:t>2024/10/17</a:t>
             </a:fld>
             <a:endParaRPr lang="zh-TW" altLang="en-US"/>
           </a:p>
@@ -9777,7 +10117,7 @@
           <a:p>
             <a:fld id="{A38B5D3B-4065-40E6-A1E4-C367873C67F7}" type="datetimeFigureOut">
               <a:rPr lang="zh-TW" altLang="en-US" smtClean="0"/>
-              <a:t>2024/10/16</a:t>
+              <a:t>2024/10/17</a:t>
             </a:fld>
             <a:endParaRPr lang="zh-TW" altLang="en-US"/>
           </a:p>
@@ -10088,7 +10428,7 @@
           <a:p>
             <a:fld id="{A38B5D3B-4065-40E6-A1E4-C367873C67F7}" type="datetimeFigureOut">
               <a:rPr lang="zh-TW" altLang="en-US" smtClean="0"/>
-              <a:t>2024/10/16</a:t>
+              <a:t>2024/10/17</a:t>
             </a:fld>
             <a:endParaRPr lang="zh-TW" altLang="en-US"/>
           </a:p>
@@ -10376,7 +10716,7 @@
           <a:p>
             <a:fld id="{A38B5D3B-4065-40E6-A1E4-C367873C67F7}" type="datetimeFigureOut">
               <a:rPr lang="zh-TW" altLang="en-US" smtClean="0"/>
-              <a:t>2024/10/16</a:t>
+              <a:t>2024/10/17</a:t>
             </a:fld>
             <a:endParaRPr lang="zh-TW" altLang="en-US"/>
           </a:p>
@@ -10617,7 +10957,7 @@
           <a:p>
             <a:fld id="{A38B5D3B-4065-40E6-A1E4-C367873C67F7}" type="datetimeFigureOut">
               <a:rPr lang="zh-TW" altLang="en-US" smtClean="0"/>
-              <a:t>2024/10/16</a:t>
+              <a:t>2024/10/17</a:t>
             </a:fld>
             <a:endParaRPr lang="zh-TW" altLang="en-US"/>
           </a:p>
@@ -11690,7 +12030,7 @@
           <p:nvPr>
             <p:extLst>
               <p:ext uri="{D42A27DB-BD31-4B8C-83A1-F6EECF244321}">
-                <p14:modId xmlns:p14="http://schemas.microsoft.com/office/powerpoint/2010/main" val="2695730492"/>
+                <p14:modId xmlns:p14="http://schemas.microsoft.com/office/powerpoint/2010/main" val="2198790226"/>
               </p:ext>
             </p:extLst>
           </p:nvPr>

--- a/1008.pptx
+++ b/1008.pptx
@@ -16,6 +16,8 @@
     <p:sldId id="263" r:id="rId10"/>
     <p:sldId id="265" r:id="rId11"/>
     <p:sldId id="266" r:id="rId12"/>
+    <p:sldId id="267" r:id="rId13"/>
+    <p:sldId id="268" r:id="rId14"/>
   </p:sldIdLst>
   <p:sldSz cx="12192000" cy="6858000"/>
   <p:notesSz cx="6858000" cy="9144000"/>
@@ -130,6 +132,8 @@
             <p14:sldId id="263"/>
             <p14:sldId id="265"/>
             <p14:sldId id="266"/>
+            <p14:sldId id="267"/>
+            <p14:sldId id="268"/>
           </p14:sldIdLst>
         </p14:section>
       </p14:sectionLst>
@@ -2910,6 +2914,13 @@
     <dgm:pt modelId="{CF85308D-F75E-4B89-9FDD-3708553ED6D9}" type="sibTrans" cxnId="{6B620B84-08E1-4D4D-9C5F-39C2C6F48076}">
       <dgm:prSet/>
       <dgm:spPr/>
+      <dgm:t>
+        <a:bodyPr/>
+        <a:lstStyle/>
+        <a:p>
+          <a:endParaRPr lang="zh-TW" altLang="en-US"/>
+        </a:p>
+      </dgm:t>
     </dgm:pt>
     <dgm:pt modelId="{894AC4BF-0FD3-4F43-A268-3D74AD536E64}" type="pres">
       <dgm:prSet presAssocID="{F91870DE-8D6C-4B6F-B3CE-43F997282F0B}" presName="Name0" presStyleCnt="0">
@@ -8307,7 +8318,7 @@
           <a:p>
             <a:fld id="{A38B5D3B-4065-40E6-A1E4-C367873C67F7}" type="datetimeFigureOut">
               <a:rPr lang="zh-TW" altLang="en-US" smtClean="0"/>
-              <a:t>2024/10/17</a:t>
+              <a:t>2024/10/20</a:t>
             </a:fld>
             <a:endParaRPr lang="zh-TW" altLang="en-US"/>
           </a:p>
@@ -8505,7 +8516,7 @@
           <a:p>
             <a:fld id="{A38B5D3B-4065-40E6-A1E4-C367873C67F7}" type="datetimeFigureOut">
               <a:rPr lang="zh-TW" altLang="en-US" smtClean="0"/>
-              <a:t>2024/10/17</a:t>
+              <a:t>2024/10/20</a:t>
             </a:fld>
             <a:endParaRPr lang="zh-TW" altLang="en-US"/>
           </a:p>
@@ -8713,7 +8724,7 @@
           <a:p>
             <a:fld id="{A38B5D3B-4065-40E6-A1E4-C367873C67F7}" type="datetimeFigureOut">
               <a:rPr lang="zh-TW" altLang="en-US" smtClean="0"/>
-              <a:t>2024/10/17</a:t>
+              <a:t>2024/10/20</a:t>
             </a:fld>
             <a:endParaRPr lang="zh-TW" altLang="en-US"/>
           </a:p>
@@ -8911,7 +8922,7 @@
           <a:p>
             <a:fld id="{A38B5D3B-4065-40E6-A1E4-C367873C67F7}" type="datetimeFigureOut">
               <a:rPr lang="zh-TW" altLang="en-US" smtClean="0"/>
-              <a:t>2024/10/17</a:t>
+              <a:t>2024/10/20</a:t>
             </a:fld>
             <a:endParaRPr lang="zh-TW" altLang="en-US"/>
           </a:p>
@@ -9186,7 +9197,7 @@
           <a:p>
             <a:fld id="{A38B5D3B-4065-40E6-A1E4-C367873C67F7}" type="datetimeFigureOut">
               <a:rPr lang="zh-TW" altLang="en-US" smtClean="0"/>
-              <a:t>2024/10/17</a:t>
+              <a:t>2024/10/20</a:t>
             </a:fld>
             <a:endParaRPr lang="zh-TW" altLang="en-US"/>
           </a:p>
@@ -9451,7 +9462,7 @@
           <a:p>
             <a:fld id="{A38B5D3B-4065-40E6-A1E4-C367873C67F7}" type="datetimeFigureOut">
               <a:rPr lang="zh-TW" altLang="en-US" smtClean="0"/>
-              <a:t>2024/10/17</a:t>
+              <a:t>2024/10/20</a:t>
             </a:fld>
             <a:endParaRPr lang="zh-TW" altLang="en-US"/>
           </a:p>
@@ -9863,7 +9874,7 @@
           <a:p>
             <a:fld id="{A38B5D3B-4065-40E6-A1E4-C367873C67F7}" type="datetimeFigureOut">
               <a:rPr lang="zh-TW" altLang="en-US" smtClean="0"/>
-              <a:t>2024/10/17</a:t>
+              <a:t>2024/10/20</a:t>
             </a:fld>
             <a:endParaRPr lang="zh-TW" altLang="en-US"/>
           </a:p>
@@ -10004,7 +10015,7 @@
           <a:p>
             <a:fld id="{A38B5D3B-4065-40E6-A1E4-C367873C67F7}" type="datetimeFigureOut">
               <a:rPr lang="zh-TW" altLang="en-US" smtClean="0"/>
-              <a:t>2024/10/17</a:t>
+              <a:t>2024/10/20</a:t>
             </a:fld>
             <a:endParaRPr lang="zh-TW" altLang="en-US"/>
           </a:p>
@@ -10117,7 +10128,7 @@
           <a:p>
             <a:fld id="{A38B5D3B-4065-40E6-A1E4-C367873C67F7}" type="datetimeFigureOut">
               <a:rPr lang="zh-TW" altLang="en-US" smtClean="0"/>
-              <a:t>2024/10/17</a:t>
+              <a:t>2024/10/20</a:t>
             </a:fld>
             <a:endParaRPr lang="zh-TW" altLang="en-US"/>
           </a:p>
@@ -10428,7 +10439,7 @@
           <a:p>
             <a:fld id="{A38B5D3B-4065-40E6-A1E4-C367873C67F7}" type="datetimeFigureOut">
               <a:rPr lang="zh-TW" altLang="en-US" smtClean="0"/>
-              <a:t>2024/10/17</a:t>
+              <a:t>2024/10/20</a:t>
             </a:fld>
             <a:endParaRPr lang="zh-TW" altLang="en-US"/>
           </a:p>
@@ -10716,7 +10727,7 @@
           <a:p>
             <a:fld id="{A38B5D3B-4065-40E6-A1E4-C367873C67F7}" type="datetimeFigureOut">
               <a:rPr lang="zh-TW" altLang="en-US" smtClean="0"/>
-              <a:t>2024/10/17</a:t>
+              <a:t>2024/10/20</a:t>
             </a:fld>
             <a:endParaRPr lang="zh-TW" altLang="en-US"/>
           </a:p>
@@ -10957,7 +10968,7 @@
           <a:p>
             <a:fld id="{A38B5D3B-4065-40E6-A1E4-C367873C67F7}" type="datetimeFigureOut">
               <a:rPr lang="zh-TW" altLang="en-US" smtClean="0"/>
-              <a:t>2024/10/17</a:t>
+              <a:t>2024/10/20</a:t>
             </a:fld>
             <a:endParaRPr lang="zh-TW" altLang="en-US"/>
           </a:p>
@@ -11741,10 +11752,160 @@
           </a:prstGeom>
         </p:spPr>
       </p:pic>
+      <p:pic>
+        <p:nvPicPr>
+          <p:cNvPr id="3" name="圖片 2">
+            <a:extLst>
+              <a:ext uri="{FF2B5EF4-FFF2-40B4-BE49-F238E27FC236}">
+                <a16:creationId xmlns:a16="http://schemas.microsoft.com/office/drawing/2014/main" id="{F304C278-320E-4961-A2BD-E54C766D57ED}"/>
+              </a:ext>
+            </a:extLst>
+          </p:cNvPr>
+          <p:cNvPicPr>
+            <a:picLocks noChangeAspect="1"/>
+          </p:cNvPicPr>
+          <p:nvPr/>
+        </p:nvPicPr>
+        <p:blipFill>
+          <a:blip r:embed="rId3"/>
+          <a:stretch>
+            <a:fillRect/>
+          </a:stretch>
+        </p:blipFill>
+        <p:spPr>
+          <a:xfrm>
+            <a:off x="316329" y="0"/>
+            <a:ext cx="9315645" cy="6858000"/>
+          </a:xfrm>
+          <a:prstGeom prst="rect">
+            <a:avLst/>
+          </a:prstGeom>
+        </p:spPr>
+      </p:pic>
     </p:spTree>
     <p:extLst>
       <p:ext uri="{BB962C8B-B14F-4D97-AF65-F5344CB8AC3E}">
         <p14:creationId xmlns:p14="http://schemas.microsoft.com/office/powerpoint/2010/main" val="4116844226"/>
+      </p:ext>
+    </p:extLst>
+  </p:cSld>
+  <p:clrMapOvr>
+    <a:masterClrMapping/>
+  </p:clrMapOvr>
+</p:sld>
+</file>
+
+<file path=ppt/slides/slide12.xml><?xml version="1.0" encoding="utf-8"?>
+<p:sld xmlns:a="http://schemas.openxmlformats.org/drawingml/2006/main" xmlns:r="http://schemas.openxmlformats.org/officeDocument/2006/relationships" xmlns:p="http://schemas.openxmlformats.org/presentationml/2006/main">
+  <p:cSld>
+    <p:spTree>
+      <p:nvGrpSpPr>
+        <p:cNvPr id="1" name=""/>
+        <p:cNvGrpSpPr/>
+        <p:nvPr/>
+      </p:nvGrpSpPr>
+      <p:grpSpPr>
+        <a:xfrm>
+          <a:off x="0" y="0"/>
+          <a:ext cx="0" cy="0"/>
+          <a:chOff x="0" y="0"/>
+          <a:chExt cx="0" cy="0"/>
+        </a:xfrm>
+      </p:grpSpPr>
+      <p:pic>
+        <p:nvPicPr>
+          <p:cNvPr id="5" name="圖片 4">
+            <a:extLst>
+              <a:ext uri="{FF2B5EF4-FFF2-40B4-BE49-F238E27FC236}">
+                <a16:creationId xmlns:a16="http://schemas.microsoft.com/office/drawing/2014/main" id="{73528EA9-1B02-46D3-BB78-00E784CBA461}"/>
+              </a:ext>
+            </a:extLst>
+          </p:cNvPr>
+          <p:cNvPicPr>
+            <a:picLocks noChangeAspect="1"/>
+          </p:cNvPicPr>
+          <p:nvPr/>
+        </p:nvPicPr>
+        <p:blipFill>
+          <a:blip r:embed="rId2"/>
+          <a:stretch>
+            <a:fillRect/>
+          </a:stretch>
+        </p:blipFill>
+        <p:spPr>
+          <a:xfrm>
+            <a:off x="1456677" y="556811"/>
+            <a:ext cx="9278645" cy="5744377"/>
+          </a:xfrm>
+          <a:prstGeom prst="rect">
+            <a:avLst/>
+          </a:prstGeom>
+        </p:spPr>
+      </p:pic>
+    </p:spTree>
+    <p:extLst>
+      <p:ext uri="{BB962C8B-B14F-4D97-AF65-F5344CB8AC3E}">
+        <p14:creationId xmlns:p14="http://schemas.microsoft.com/office/powerpoint/2010/main" val="1664142834"/>
+      </p:ext>
+    </p:extLst>
+  </p:cSld>
+  <p:clrMapOvr>
+    <a:masterClrMapping/>
+  </p:clrMapOvr>
+</p:sld>
+</file>
+
+<file path=ppt/slides/slide13.xml><?xml version="1.0" encoding="utf-8"?>
+<p:sld xmlns:a="http://schemas.openxmlformats.org/drawingml/2006/main" xmlns:r="http://schemas.openxmlformats.org/officeDocument/2006/relationships" xmlns:p="http://schemas.openxmlformats.org/presentationml/2006/main">
+  <p:cSld>
+    <p:spTree>
+      <p:nvGrpSpPr>
+        <p:cNvPr id="1" name=""/>
+        <p:cNvGrpSpPr/>
+        <p:nvPr/>
+      </p:nvGrpSpPr>
+      <p:grpSpPr>
+        <a:xfrm>
+          <a:off x="0" y="0"/>
+          <a:ext cx="0" cy="0"/>
+          <a:chOff x="0" y="0"/>
+          <a:chExt cx="0" cy="0"/>
+        </a:xfrm>
+      </p:grpSpPr>
+      <p:pic>
+        <p:nvPicPr>
+          <p:cNvPr id="7" name="圖片 6">
+            <a:extLst>
+              <a:ext uri="{FF2B5EF4-FFF2-40B4-BE49-F238E27FC236}">
+                <a16:creationId xmlns:a16="http://schemas.microsoft.com/office/drawing/2014/main" id="{742391D0-6B20-49A7-81C2-32B4799B27A6}"/>
+              </a:ext>
+            </a:extLst>
+          </p:cNvPr>
+          <p:cNvPicPr>
+            <a:picLocks noChangeAspect="1"/>
+          </p:cNvPicPr>
+          <p:nvPr/>
+        </p:nvPicPr>
+        <p:blipFill>
+          <a:blip r:embed="rId2"/>
+          <a:stretch>
+            <a:fillRect/>
+          </a:stretch>
+        </p:blipFill>
+        <p:spPr>
+          <a:xfrm>
+            <a:off x="1466204" y="633022"/>
+            <a:ext cx="9259592" cy="5591955"/>
+          </a:xfrm>
+          <a:prstGeom prst="rect">
+            <a:avLst/>
+          </a:prstGeom>
+        </p:spPr>
+      </p:pic>
+    </p:spTree>
+    <p:extLst>
+      <p:ext uri="{BB962C8B-B14F-4D97-AF65-F5344CB8AC3E}">
+        <p14:creationId xmlns:p14="http://schemas.microsoft.com/office/powerpoint/2010/main" val="3312135503"/>
       </p:ext>
     </p:extLst>
   </p:cSld>

--- a/1008.pptx
+++ b/1008.pptx
@@ -18,6 +18,7 @@
     <p:sldId id="266" r:id="rId12"/>
     <p:sldId id="267" r:id="rId13"/>
     <p:sldId id="268" r:id="rId14"/>
+    <p:sldId id="269" r:id="rId15"/>
   </p:sldIdLst>
   <p:sldSz cx="12192000" cy="6858000"/>
   <p:notesSz cx="6858000" cy="9144000"/>
@@ -134,6 +135,7 @@
             <p14:sldId id="266"/>
             <p14:sldId id="267"/>
             <p14:sldId id="268"/>
+            <p14:sldId id="269"/>
           </p14:sldIdLst>
         </p14:section>
       </p14:sectionLst>
@@ -11894,8 +11896,38 @@
         </p:blipFill>
         <p:spPr>
           <a:xfrm>
-            <a:off x="1466204" y="633022"/>
+            <a:off x="0" y="0"/>
             <a:ext cx="9259592" cy="5591955"/>
+          </a:xfrm>
+          <a:prstGeom prst="rect">
+            <a:avLst/>
+          </a:prstGeom>
+        </p:spPr>
+      </p:pic>
+      <p:pic>
+        <p:nvPicPr>
+          <p:cNvPr id="9" name="圖片 8">
+            <a:extLst>
+              <a:ext uri="{FF2B5EF4-FFF2-40B4-BE49-F238E27FC236}">
+                <a16:creationId xmlns:a16="http://schemas.microsoft.com/office/drawing/2014/main" id="{570C21F9-497B-4911-BAB0-FDEC40CD12CE}"/>
+              </a:ext>
+            </a:extLst>
+          </p:cNvPr>
+          <p:cNvPicPr>
+            <a:picLocks noChangeAspect="1"/>
+          </p:cNvPicPr>
+          <p:nvPr/>
+        </p:nvPicPr>
+        <p:blipFill>
+          <a:blip r:embed="rId3"/>
+          <a:stretch>
+            <a:fillRect/>
+          </a:stretch>
+        </p:blipFill>
+        <p:spPr>
+          <a:xfrm>
+            <a:off x="7939904" y="1486106"/>
+            <a:ext cx="3962953" cy="2619741"/>
           </a:xfrm>
           <a:prstGeom prst="rect">
             <a:avLst/>
@@ -11906,6 +11938,66 @@
     <p:extLst>
       <p:ext uri="{BB962C8B-B14F-4D97-AF65-F5344CB8AC3E}">
         <p14:creationId xmlns:p14="http://schemas.microsoft.com/office/powerpoint/2010/main" val="3312135503"/>
+      </p:ext>
+    </p:extLst>
+  </p:cSld>
+  <p:clrMapOvr>
+    <a:masterClrMapping/>
+  </p:clrMapOvr>
+</p:sld>
+</file>
+
+<file path=ppt/slides/slide14.xml><?xml version="1.0" encoding="utf-8"?>
+<p:sld xmlns:a="http://schemas.openxmlformats.org/drawingml/2006/main" xmlns:r="http://schemas.openxmlformats.org/officeDocument/2006/relationships" xmlns:p="http://schemas.openxmlformats.org/presentationml/2006/main">
+  <p:cSld>
+    <p:spTree>
+      <p:nvGrpSpPr>
+        <p:cNvPr id="1" name=""/>
+        <p:cNvGrpSpPr/>
+        <p:nvPr/>
+      </p:nvGrpSpPr>
+      <p:grpSpPr>
+        <a:xfrm>
+          <a:off x="0" y="0"/>
+          <a:ext cx="0" cy="0"/>
+          <a:chOff x="0" y="0"/>
+          <a:chExt cx="0" cy="0"/>
+        </a:xfrm>
+      </p:grpSpPr>
+      <p:pic>
+        <p:nvPicPr>
+          <p:cNvPr id="5" name="圖片 4">
+            <a:extLst>
+              <a:ext uri="{FF2B5EF4-FFF2-40B4-BE49-F238E27FC236}">
+                <a16:creationId xmlns:a16="http://schemas.microsoft.com/office/drawing/2014/main" id="{2BDD5E5D-E33F-49EA-9375-695D62EFB31E}"/>
+              </a:ext>
+            </a:extLst>
+          </p:cNvPr>
+          <p:cNvPicPr>
+            <a:picLocks noChangeAspect="1"/>
+          </p:cNvPicPr>
+          <p:nvPr/>
+        </p:nvPicPr>
+        <p:blipFill>
+          <a:blip r:embed="rId2"/>
+          <a:stretch>
+            <a:fillRect/>
+          </a:stretch>
+        </p:blipFill>
+        <p:spPr>
+          <a:xfrm>
+            <a:off x="1494783" y="623496"/>
+            <a:ext cx="9202434" cy="5611008"/>
+          </a:xfrm>
+          <a:prstGeom prst="rect">
+            <a:avLst/>
+          </a:prstGeom>
+        </p:spPr>
+      </p:pic>
+    </p:spTree>
+    <p:extLst>
+      <p:ext uri="{BB962C8B-B14F-4D97-AF65-F5344CB8AC3E}">
+        <p14:creationId xmlns:p14="http://schemas.microsoft.com/office/powerpoint/2010/main" val="2794747207"/>
       </p:ext>
     </p:extLst>
   </p:cSld>

--- a/1008.pptx
+++ b/1008.pptx
@@ -19,6 +19,8 @@
     <p:sldId id="267" r:id="rId13"/>
     <p:sldId id="268" r:id="rId14"/>
     <p:sldId id="269" r:id="rId15"/>
+    <p:sldId id="270" r:id="rId16"/>
+    <p:sldId id="271" r:id="rId17"/>
   </p:sldIdLst>
   <p:sldSz cx="12192000" cy="6858000"/>
   <p:notesSz cx="6858000" cy="9144000"/>
@@ -136,6 +138,8 @@
             <p14:sldId id="267"/>
             <p14:sldId id="268"/>
             <p14:sldId id="269"/>
+            <p14:sldId id="270"/>
+            <p14:sldId id="271"/>
           </p14:sldIdLst>
         </p14:section>
       </p14:sectionLst>
@@ -8320,7 +8324,7 @@
           <a:p>
             <a:fld id="{A38B5D3B-4065-40E6-A1E4-C367873C67F7}" type="datetimeFigureOut">
               <a:rPr lang="zh-TW" altLang="en-US" smtClean="0"/>
-              <a:t>2024/10/20</a:t>
+              <a:t>2024/10/22</a:t>
             </a:fld>
             <a:endParaRPr lang="zh-TW" altLang="en-US"/>
           </a:p>
@@ -8518,7 +8522,7 @@
           <a:p>
             <a:fld id="{A38B5D3B-4065-40E6-A1E4-C367873C67F7}" type="datetimeFigureOut">
               <a:rPr lang="zh-TW" altLang="en-US" smtClean="0"/>
-              <a:t>2024/10/20</a:t>
+              <a:t>2024/10/22</a:t>
             </a:fld>
             <a:endParaRPr lang="zh-TW" altLang="en-US"/>
           </a:p>
@@ -8726,7 +8730,7 @@
           <a:p>
             <a:fld id="{A38B5D3B-4065-40E6-A1E4-C367873C67F7}" type="datetimeFigureOut">
               <a:rPr lang="zh-TW" altLang="en-US" smtClean="0"/>
-              <a:t>2024/10/20</a:t>
+              <a:t>2024/10/22</a:t>
             </a:fld>
             <a:endParaRPr lang="zh-TW" altLang="en-US"/>
           </a:p>
@@ -8924,7 +8928,7 @@
           <a:p>
             <a:fld id="{A38B5D3B-4065-40E6-A1E4-C367873C67F7}" type="datetimeFigureOut">
               <a:rPr lang="zh-TW" altLang="en-US" smtClean="0"/>
-              <a:t>2024/10/20</a:t>
+              <a:t>2024/10/22</a:t>
             </a:fld>
             <a:endParaRPr lang="zh-TW" altLang="en-US"/>
           </a:p>
@@ -9199,7 +9203,7 @@
           <a:p>
             <a:fld id="{A38B5D3B-4065-40E6-A1E4-C367873C67F7}" type="datetimeFigureOut">
               <a:rPr lang="zh-TW" altLang="en-US" smtClean="0"/>
-              <a:t>2024/10/20</a:t>
+              <a:t>2024/10/22</a:t>
             </a:fld>
             <a:endParaRPr lang="zh-TW" altLang="en-US"/>
           </a:p>
@@ -9464,7 +9468,7 @@
           <a:p>
             <a:fld id="{A38B5D3B-4065-40E6-A1E4-C367873C67F7}" type="datetimeFigureOut">
               <a:rPr lang="zh-TW" altLang="en-US" smtClean="0"/>
-              <a:t>2024/10/20</a:t>
+              <a:t>2024/10/22</a:t>
             </a:fld>
             <a:endParaRPr lang="zh-TW" altLang="en-US"/>
           </a:p>
@@ -9876,7 +9880,7 @@
           <a:p>
             <a:fld id="{A38B5D3B-4065-40E6-A1E4-C367873C67F7}" type="datetimeFigureOut">
               <a:rPr lang="zh-TW" altLang="en-US" smtClean="0"/>
-              <a:t>2024/10/20</a:t>
+              <a:t>2024/10/22</a:t>
             </a:fld>
             <a:endParaRPr lang="zh-TW" altLang="en-US"/>
           </a:p>
@@ -10017,7 +10021,7 @@
           <a:p>
             <a:fld id="{A38B5D3B-4065-40E6-A1E4-C367873C67F7}" type="datetimeFigureOut">
               <a:rPr lang="zh-TW" altLang="en-US" smtClean="0"/>
-              <a:t>2024/10/20</a:t>
+              <a:t>2024/10/22</a:t>
             </a:fld>
             <a:endParaRPr lang="zh-TW" altLang="en-US"/>
           </a:p>
@@ -10130,7 +10134,7 @@
           <a:p>
             <a:fld id="{A38B5D3B-4065-40E6-A1E4-C367873C67F7}" type="datetimeFigureOut">
               <a:rPr lang="zh-TW" altLang="en-US" smtClean="0"/>
-              <a:t>2024/10/20</a:t>
+              <a:t>2024/10/22</a:t>
             </a:fld>
             <a:endParaRPr lang="zh-TW" altLang="en-US"/>
           </a:p>
@@ -10441,7 +10445,7 @@
           <a:p>
             <a:fld id="{A38B5D3B-4065-40E6-A1E4-C367873C67F7}" type="datetimeFigureOut">
               <a:rPr lang="zh-TW" altLang="en-US" smtClean="0"/>
-              <a:t>2024/10/20</a:t>
+              <a:t>2024/10/22</a:t>
             </a:fld>
             <a:endParaRPr lang="zh-TW" altLang="en-US"/>
           </a:p>
@@ -10729,7 +10733,7 @@
           <a:p>
             <a:fld id="{A38B5D3B-4065-40E6-A1E4-C367873C67F7}" type="datetimeFigureOut">
               <a:rPr lang="zh-TW" altLang="en-US" smtClean="0"/>
-              <a:t>2024/10/20</a:t>
+              <a:t>2024/10/22</a:t>
             </a:fld>
             <a:endParaRPr lang="zh-TW" altLang="en-US"/>
           </a:p>
@@ -10970,7 +10974,7 @@
           <a:p>
             <a:fld id="{A38B5D3B-4065-40E6-A1E4-C367873C67F7}" type="datetimeFigureOut">
               <a:rPr lang="zh-TW" altLang="en-US" smtClean="0"/>
-              <a:t>2024/10/20</a:t>
+              <a:t>2024/10/22</a:t>
             </a:fld>
             <a:endParaRPr lang="zh-TW" altLang="en-US"/>
           </a:p>
@@ -12007,6 +12011,126 @@
 </p:sld>
 </file>
 
+<file path=ppt/slides/slide15.xml><?xml version="1.0" encoding="utf-8"?>
+<p:sld xmlns:a="http://schemas.openxmlformats.org/drawingml/2006/main" xmlns:r="http://schemas.openxmlformats.org/officeDocument/2006/relationships" xmlns:p="http://schemas.openxmlformats.org/presentationml/2006/main">
+  <p:cSld>
+    <p:spTree>
+      <p:nvGrpSpPr>
+        <p:cNvPr id="1" name=""/>
+        <p:cNvGrpSpPr/>
+        <p:nvPr/>
+      </p:nvGrpSpPr>
+      <p:grpSpPr>
+        <a:xfrm>
+          <a:off x="0" y="0"/>
+          <a:ext cx="0" cy="0"/>
+          <a:chOff x="0" y="0"/>
+          <a:chExt cx="0" cy="0"/>
+        </a:xfrm>
+      </p:grpSpPr>
+      <p:pic>
+        <p:nvPicPr>
+          <p:cNvPr id="5" name="圖片 4">
+            <a:extLst>
+              <a:ext uri="{FF2B5EF4-FFF2-40B4-BE49-F238E27FC236}">
+                <a16:creationId xmlns:a16="http://schemas.microsoft.com/office/drawing/2014/main" id="{4370750A-6930-4543-8EEC-17F65A81438F}"/>
+              </a:ext>
+            </a:extLst>
+          </p:cNvPr>
+          <p:cNvPicPr>
+            <a:picLocks noChangeAspect="1"/>
+          </p:cNvPicPr>
+          <p:nvPr/>
+        </p:nvPicPr>
+        <p:blipFill>
+          <a:blip r:embed="rId2"/>
+          <a:stretch>
+            <a:fillRect/>
+          </a:stretch>
+        </p:blipFill>
+        <p:spPr>
+          <a:xfrm>
+            <a:off x="1504309" y="566338"/>
+            <a:ext cx="9183382" cy="5725324"/>
+          </a:xfrm>
+          <a:prstGeom prst="rect">
+            <a:avLst/>
+          </a:prstGeom>
+        </p:spPr>
+      </p:pic>
+    </p:spTree>
+    <p:extLst>
+      <p:ext uri="{BB962C8B-B14F-4D97-AF65-F5344CB8AC3E}">
+        <p14:creationId xmlns:p14="http://schemas.microsoft.com/office/powerpoint/2010/main" val="3090442904"/>
+      </p:ext>
+    </p:extLst>
+  </p:cSld>
+  <p:clrMapOvr>
+    <a:masterClrMapping/>
+  </p:clrMapOvr>
+</p:sld>
+</file>
+
+<file path=ppt/slides/slide16.xml><?xml version="1.0" encoding="utf-8"?>
+<p:sld xmlns:a="http://schemas.openxmlformats.org/drawingml/2006/main" xmlns:r="http://schemas.openxmlformats.org/officeDocument/2006/relationships" xmlns:p="http://schemas.openxmlformats.org/presentationml/2006/main">
+  <p:cSld>
+    <p:spTree>
+      <p:nvGrpSpPr>
+        <p:cNvPr id="1" name=""/>
+        <p:cNvGrpSpPr/>
+        <p:nvPr/>
+      </p:nvGrpSpPr>
+      <p:grpSpPr>
+        <a:xfrm>
+          <a:off x="0" y="0"/>
+          <a:ext cx="0" cy="0"/>
+          <a:chOff x="0" y="0"/>
+          <a:chExt cx="0" cy="0"/>
+        </a:xfrm>
+      </p:grpSpPr>
+      <p:pic>
+        <p:nvPicPr>
+          <p:cNvPr id="5" name="圖片 4">
+            <a:extLst>
+              <a:ext uri="{FF2B5EF4-FFF2-40B4-BE49-F238E27FC236}">
+                <a16:creationId xmlns:a16="http://schemas.microsoft.com/office/drawing/2014/main" id="{71B072DC-5B72-40A2-8BC9-AF6AFB1D1AA1}"/>
+              </a:ext>
+            </a:extLst>
+          </p:cNvPr>
+          <p:cNvPicPr>
+            <a:picLocks noChangeAspect="1"/>
+          </p:cNvPicPr>
+          <p:nvPr/>
+        </p:nvPicPr>
+        <p:blipFill>
+          <a:blip r:embed="rId2"/>
+          <a:stretch>
+            <a:fillRect/>
+          </a:stretch>
+        </p:blipFill>
+        <p:spPr>
+          <a:xfrm>
+            <a:off x="1456677" y="561575"/>
+            <a:ext cx="9278645" cy="5734850"/>
+          </a:xfrm>
+          <a:prstGeom prst="rect">
+            <a:avLst/>
+          </a:prstGeom>
+        </p:spPr>
+      </p:pic>
+    </p:spTree>
+    <p:extLst>
+      <p:ext uri="{BB962C8B-B14F-4D97-AF65-F5344CB8AC3E}">
+        <p14:creationId xmlns:p14="http://schemas.microsoft.com/office/powerpoint/2010/main" val="4257253029"/>
+      </p:ext>
+    </p:extLst>
+  </p:cSld>
+  <p:clrMapOvr>
+    <a:masterClrMapping/>
+  </p:clrMapOvr>
+</p:sld>
+</file>
+
 <file path=ppt/slides/slide2.xml><?xml version="1.0" encoding="utf-8"?>
 <p:sld xmlns:a="http://schemas.openxmlformats.org/drawingml/2006/main" xmlns:r="http://schemas.openxmlformats.org/officeDocument/2006/relationships" xmlns:p="http://schemas.openxmlformats.org/presentationml/2006/main">
   <p:cSld>

--- a/1008.pptx
+++ b/1008.pptx
@@ -8324,7 +8324,7 @@
           <a:p>
             <a:fld id="{A38B5D3B-4065-40E6-A1E4-C367873C67F7}" type="datetimeFigureOut">
               <a:rPr lang="zh-TW" altLang="en-US" smtClean="0"/>
-              <a:t>2024/10/22</a:t>
+              <a:t>2024/10/23</a:t>
             </a:fld>
             <a:endParaRPr lang="zh-TW" altLang="en-US"/>
           </a:p>
@@ -8522,7 +8522,7 @@
           <a:p>
             <a:fld id="{A38B5D3B-4065-40E6-A1E4-C367873C67F7}" type="datetimeFigureOut">
               <a:rPr lang="zh-TW" altLang="en-US" smtClean="0"/>
-              <a:t>2024/10/22</a:t>
+              <a:t>2024/10/23</a:t>
             </a:fld>
             <a:endParaRPr lang="zh-TW" altLang="en-US"/>
           </a:p>
@@ -8730,7 +8730,7 @@
           <a:p>
             <a:fld id="{A38B5D3B-4065-40E6-A1E4-C367873C67F7}" type="datetimeFigureOut">
               <a:rPr lang="zh-TW" altLang="en-US" smtClean="0"/>
-              <a:t>2024/10/22</a:t>
+              <a:t>2024/10/23</a:t>
             </a:fld>
             <a:endParaRPr lang="zh-TW" altLang="en-US"/>
           </a:p>
@@ -8928,7 +8928,7 @@
           <a:p>
             <a:fld id="{A38B5D3B-4065-40E6-A1E4-C367873C67F7}" type="datetimeFigureOut">
               <a:rPr lang="zh-TW" altLang="en-US" smtClean="0"/>
-              <a:t>2024/10/22</a:t>
+              <a:t>2024/10/23</a:t>
             </a:fld>
             <a:endParaRPr lang="zh-TW" altLang="en-US"/>
           </a:p>
@@ -9203,7 +9203,7 @@
           <a:p>
             <a:fld id="{A38B5D3B-4065-40E6-A1E4-C367873C67F7}" type="datetimeFigureOut">
               <a:rPr lang="zh-TW" altLang="en-US" smtClean="0"/>
-              <a:t>2024/10/22</a:t>
+              <a:t>2024/10/23</a:t>
             </a:fld>
             <a:endParaRPr lang="zh-TW" altLang="en-US"/>
           </a:p>
@@ -9468,7 +9468,7 @@
           <a:p>
             <a:fld id="{A38B5D3B-4065-40E6-A1E4-C367873C67F7}" type="datetimeFigureOut">
               <a:rPr lang="zh-TW" altLang="en-US" smtClean="0"/>
-              <a:t>2024/10/22</a:t>
+              <a:t>2024/10/23</a:t>
             </a:fld>
             <a:endParaRPr lang="zh-TW" altLang="en-US"/>
           </a:p>
@@ -9880,7 +9880,7 @@
           <a:p>
             <a:fld id="{A38B5D3B-4065-40E6-A1E4-C367873C67F7}" type="datetimeFigureOut">
               <a:rPr lang="zh-TW" altLang="en-US" smtClean="0"/>
-              <a:t>2024/10/22</a:t>
+              <a:t>2024/10/23</a:t>
             </a:fld>
             <a:endParaRPr lang="zh-TW" altLang="en-US"/>
           </a:p>
@@ -10021,7 +10021,7 @@
           <a:p>
             <a:fld id="{A38B5D3B-4065-40E6-A1E4-C367873C67F7}" type="datetimeFigureOut">
               <a:rPr lang="zh-TW" altLang="en-US" smtClean="0"/>
-              <a:t>2024/10/22</a:t>
+              <a:t>2024/10/23</a:t>
             </a:fld>
             <a:endParaRPr lang="zh-TW" altLang="en-US"/>
           </a:p>
@@ -10134,7 +10134,7 @@
           <a:p>
             <a:fld id="{A38B5D3B-4065-40E6-A1E4-C367873C67F7}" type="datetimeFigureOut">
               <a:rPr lang="zh-TW" altLang="en-US" smtClean="0"/>
-              <a:t>2024/10/22</a:t>
+              <a:t>2024/10/23</a:t>
             </a:fld>
             <a:endParaRPr lang="zh-TW" altLang="en-US"/>
           </a:p>
@@ -10445,7 +10445,7 @@
           <a:p>
             <a:fld id="{A38B5D3B-4065-40E6-A1E4-C367873C67F7}" type="datetimeFigureOut">
               <a:rPr lang="zh-TW" altLang="en-US" smtClean="0"/>
-              <a:t>2024/10/22</a:t>
+              <a:t>2024/10/23</a:t>
             </a:fld>
             <a:endParaRPr lang="zh-TW" altLang="en-US"/>
           </a:p>
@@ -10733,7 +10733,7 @@
           <a:p>
             <a:fld id="{A38B5D3B-4065-40E6-A1E4-C367873C67F7}" type="datetimeFigureOut">
               <a:rPr lang="zh-TW" altLang="en-US" smtClean="0"/>
-              <a:t>2024/10/22</a:t>
+              <a:t>2024/10/23</a:t>
             </a:fld>
             <a:endParaRPr lang="zh-TW" altLang="en-US"/>
           </a:p>
@@ -10974,7 +10974,7 @@
           <a:p>
             <a:fld id="{A38B5D3B-4065-40E6-A1E4-C367873C67F7}" type="datetimeFigureOut">
               <a:rPr lang="zh-TW" altLang="en-US" smtClean="0"/>
-              <a:t>2024/10/22</a:t>
+              <a:t>2024/10/23</a:t>
             </a:fld>
             <a:endParaRPr lang="zh-TW" altLang="en-US"/>
           </a:p>
@@ -12090,10 +12090,10 @@
       </p:grpSpPr>
       <p:pic>
         <p:nvPicPr>
-          <p:cNvPr id="5" name="圖片 4">
+          <p:cNvPr id="8" name="圖片 7">
             <a:extLst>
               <a:ext uri="{FF2B5EF4-FFF2-40B4-BE49-F238E27FC236}">
-                <a16:creationId xmlns:a16="http://schemas.microsoft.com/office/drawing/2014/main" id="{71B072DC-5B72-40A2-8BC9-AF6AFB1D1AA1}"/>
+                <a16:creationId xmlns:a16="http://schemas.microsoft.com/office/drawing/2014/main" id="{CD79AE6D-8938-451B-B648-D3E73D9BE837}"/>
               </a:ext>
             </a:extLst>
           </p:cNvPr>
@@ -12110,8 +12110,8 @@
         </p:blipFill>
         <p:spPr>
           <a:xfrm>
-            <a:off x="1456677" y="561575"/>
-            <a:ext cx="9278645" cy="5734850"/>
+            <a:off x="1499546" y="642548"/>
+            <a:ext cx="9192908" cy="5572903"/>
           </a:xfrm>
           <a:prstGeom prst="rect">
             <a:avLst/>

--- a/1008.pptx
+++ b/1008.pptx
@@ -21,6 +21,7 @@
     <p:sldId id="269" r:id="rId15"/>
     <p:sldId id="270" r:id="rId16"/>
     <p:sldId id="271" r:id="rId17"/>
+    <p:sldId id="272" r:id="rId18"/>
   </p:sldIdLst>
   <p:sldSz cx="12192000" cy="6858000"/>
   <p:notesSz cx="6858000" cy="9144000"/>
@@ -140,6 +141,7 @@
             <p14:sldId id="269"/>
             <p14:sldId id="270"/>
             <p14:sldId id="271"/>
+            <p14:sldId id="272"/>
           </p14:sldIdLst>
         </p14:section>
       </p14:sectionLst>
@@ -8324,7 +8326,7 @@
           <a:p>
             <a:fld id="{A38B5D3B-4065-40E6-A1E4-C367873C67F7}" type="datetimeFigureOut">
               <a:rPr lang="zh-TW" altLang="en-US" smtClean="0"/>
-              <a:t>2024/10/23</a:t>
+              <a:t>2024/10/26</a:t>
             </a:fld>
             <a:endParaRPr lang="zh-TW" altLang="en-US"/>
           </a:p>
@@ -8522,7 +8524,7 @@
           <a:p>
             <a:fld id="{A38B5D3B-4065-40E6-A1E4-C367873C67F7}" type="datetimeFigureOut">
               <a:rPr lang="zh-TW" altLang="en-US" smtClean="0"/>
-              <a:t>2024/10/23</a:t>
+              <a:t>2024/10/26</a:t>
             </a:fld>
             <a:endParaRPr lang="zh-TW" altLang="en-US"/>
           </a:p>
@@ -8730,7 +8732,7 @@
           <a:p>
             <a:fld id="{A38B5D3B-4065-40E6-A1E4-C367873C67F7}" type="datetimeFigureOut">
               <a:rPr lang="zh-TW" altLang="en-US" smtClean="0"/>
-              <a:t>2024/10/23</a:t>
+              <a:t>2024/10/26</a:t>
             </a:fld>
             <a:endParaRPr lang="zh-TW" altLang="en-US"/>
           </a:p>
@@ -8928,7 +8930,7 @@
           <a:p>
             <a:fld id="{A38B5D3B-4065-40E6-A1E4-C367873C67F7}" type="datetimeFigureOut">
               <a:rPr lang="zh-TW" altLang="en-US" smtClean="0"/>
-              <a:t>2024/10/23</a:t>
+              <a:t>2024/10/26</a:t>
             </a:fld>
             <a:endParaRPr lang="zh-TW" altLang="en-US"/>
           </a:p>
@@ -9203,7 +9205,7 @@
           <a:p>
             <a:fld id="{A38B5D3B-4065-40E6-A1E4-C367873C67F7}" type="datetimeFigureOut">
               <a:rPr lang="zh-TW" altLang="en-US" smtClean="0"/>
-              <a:t>2024/10/23</a:t>
+              <a:t>2024/10/26</a:t>
             </a:fld>
             <a:endParaRPr lang="zh-TW" altLang="en-US"/>
           </a:p>
@@ -9468,7 +9470,7 @@
           <a:p>
             <a:fld id="{A38B5D3B-4065-40E6-A1E4-C367873C67F7}" type="datetimeFigureOut">
               <a:rPr lang="zh-TW" altLang="en-US" smtClean="0"/>
-              <a:t>2024/10/23</a:t>
+              <a:t>2024/10/26</a:t>
             </a:fld>
             <a:endParaRPr lang="zh-TW" altLang="en-US"/>
           </a:p>
@@ -9880,7 +9882,7 @@
           <a:p>
             <a:fld id="{A38B5D3B-4065-40E6-A1E4-C367873C67F7}" type="datetimeFigureOut">
               <a:rPr lang="zh-TW" altLang="en-US" smtClean="0"/>
-              <a:t>2024/10/23</a:t>
+              <a:t>2024/10/26</a:t>
             </a:fld>
             <a:endParaRPr lang="zh-TW" altLang="en-US"/>
           </a:p>
@@ -10021,7 +10023,7 @@
           <a:p>
             <a:fld id="{A38B5D3B-4065-40E6-A1E4-C367873C67F7}" type="datetimeFigureOut">
               <a:rPr lang="zh-TW" altLang="en-US" smtClean="0"/>
-              <a:t>2024/10/23</a:t>
+              <a:t>2024/10/26</a:t>
             </a:fld>
             <a:endParaRPr lang="zh-TW" altLang="en-US"/>
           </a:p>
@@ -10134,7 +10136,7 @@
           <a:p>
             <a:fld id="{A38B5D3B-4065-40E6-A1E4-C367873C67F7}" type="datetimeFigureOut">
               <a:rPr lang="zh-TW" altLang="en-US" smtClean="0"/>
-              <a:t>2024/10/23</a:t>
+              <a:t>2024/10/26</a:t>
             </a:fld>
             <a:endParaRPr lang="zh-TW" altLang="en-US"/>
           </a:p>
@@ -10445,7 +10447,7 @@
           <a:p>
             <a:fld id="{A38B5D3B-4065-40E6-A1E4-C367873C67F7}" type="datetimeFigureOut">
               <a:rPr lang="zh-TW" altLang="en-US" smtClean="0"/>
-              <a:t>2024/10/23</a:t>
+              <a:t>2024/10/26</a:t>
             </a:fld>
             <a:endParaRPr lang="zh-TW" altLang="en-US"/>
           </a:p>
@@ -10733,7 +10735,7 @@
           <a:p>
             <a:fld id="{A38B5D3B-4065-40E6-A1E4-C367873C67F7}" type="datetimeFigureOut">
               <a:rPr lang="zh-TW" altLang="en-US" smtClean="0"/>
-              <a:t>2024/10/23</a:t>
+              <a:t>2024/10/26</a:t>
             </a:fld>
             <a:endParaRPr lang="zh-TW" altLang="en-US"/>
           </a:p>
@@ -10974,7 +10976,7 @@
           <a:p>
             <a:fld id="{A38B5D3B-4065-40E6-A1E4-C367873C67F7}" type="datetimeFigureOut">
               <a:rPr lang="zh-TW" altLang="en-US" smtClean="0"/>
-              <a:t>2024/10/23</a:t>
+              <a:t>2024/10/26</a:t>
             </a:fld>
             <a:endParaRPr lang="zh-TW" altLang="en-US"/>
           </a:p>
@@ -12131,6 +12133,116 @@
 </p:sld>
 </file>
 
+<file path=ppt/slides/slide17.xml><?xml version="1.0" encoding="utf-8"?>
+<p:sld xmlns:a="http://schemas.openxmlformats.org/drawingml/2006/main" xmlns:r="http://schemas.openxmlformats.org/officeDocument/2006/relationships" xmlns:p="http://schemas.openxmlformats.org/presentationml/2006/main">
+  <p:cSld>
+    <p:spTree>
+      <p:nvGrpSpPr>
+        <p:cNvPr id="1" name=""/>
+        <p:cNvGrpSpPr/>
+        <p:nvPr/>
+      </p:nvGrpSpPr>
+      <p:grpSpPr>
+        <a:xfrm>
+          <a:off x="0" y="0"/>
+          <a:ext cx="0" cy="0"/>
+          <a:chOff x="0" y="0"/>
+          <a:chExt cx="0" cy="0"/>
+        </a:xfrm>
+      </p:grpSpPr>
+      <p:sp>
+        <p:nvSpPr>
+          <p:cNvPr id="2" name="標題 1">
+            <a:extLst>
+              <a:ext uri="{FF2B5EF4-FFF2-40B4-BE49-F238E27FC236}">
+                <a16:creationId xmlns:a16="http://schemas.microsoft.com/office/drawing/2014/main" id="{F39B1C22-469C-584C-E6CB-AC565741AB0A}"/>
+              </a:ext>
+            </a:extLst>
+          </p:cNvPr>
+          <p:cNvSpPr>
+            <a:spLocks noGrp="1"/>
+          </p:cNvSpPr>
+          <p:nvPr>
+            <p:ph type="title"/>
+          </p:nvPr>
+        </p:nvSpPr>
+        <p:spPr/>
+        <p:txBody>
+          <a:bodyPr/>
+          <a:lstStyle/>
+          <a:p>
+            <a:endParaRPr lang="zh-TW" altLang="en-US"/>
+          </a:p>
+        </p:txBody>
+      </p:sp>
+      <p:sp>
+        <p:nvSpPr>
+          <p:cNvPr id="3" name="內容版面配置區 2">
+            <a:extLst>
+              <a:ext uri="{FF2B5EF4-FFF2-40B4-BE49-F238E27FC236}">
+                <a16:creationId xmlns:a16="http://schemas.microsoft.com/office/drawing/2014/main" id="{B8A192AC-22AD-071F-3518-1A32F70A9443}"/>
+              </a:ext>
+            </a:extLst>
+          </p:cNvPr>
+          <p:cNvSpPr>
+            <a:spLocks noGrp="1"/>
+          </p:cNvSpPr>
+          <p:nvPr>
+            <p:ph idx="1"/>
+          </p:nvPr>
+        </p:nvSpPr>
+        <p:spPr/>
+        <p:txBody>
+          <a:bodyPr/>
+          <a:lstStyle/>
+          <a:p>
+            <a:endParaRPr lang="zh-TW" altLang="en-US"/>
+          </a:p>
+        </p:txBody>
+      </p:sp>
+      <p:pic>
+        <p:nvPicPr>
+          <p:cNvPr id="5" name="圖片 4">
+            <a:extLst>
+              <a:ext uri="{FF2B5EF4-FFF2-40B4-BE49-F238E27FC236}">
+                <a16:creationId xmlns:a16="http://schemas.microsoft.com/office/drawing/2014/main" id="{FECC1D54-763B-5B97-0640-0F53A9819B6D}"/>
+              </a:ext>
+            </a:extLst>
+          </p:cNvPr>
+          <p:cNvPicPr>
+            <a:picLocks noChangeAspect="1"/>
+          </p:cNvPicPr>
+          <p:nvPr/>
+        </p:nvPicPr>
+        <p:blipFill>
+          <a:blip r:embed="rId2"/>
+          <a:stretch>
+            <a:fillRect/>
+          </a:stretch>
+        </p:blipFill>
+        <p:spPr>
+          <a:xfrm>
+            <a:off x="0" y="105462"/>
+            <a:ext cx="12192000" cy="6647075"/>
+          </a:xfrm>
+          <a:prstGeom prst="rect">
+            <a:avLst/>
+          </a:prstGeom>
+        </p:spPr>
+      </p:pic>
+    </p:spTree>
+    <p:extLst>
+      <p:ext uri="{BB962C8B-B14F-4D97-AF65-F5344CB8AC3E}">
+        <p14:creationId xmlns:p14="http://schemas.microsoft.com/office/powerpoint/2010/main" val="2415235805"/>
+      </p:ext>
+    </p:extLst>
+  </p:cSld>
+  <p:clrMapOvr>
+    <a:masterClrMapping/>
+  </p:clrMapOvr>
+</p:sld>
+</file>
+
 <file path=ppt/slides/slide2.xml><?xml version="1.0" encoding="utf-8"?>
 <p:sld xmlns:a="http://schemas.openxmlformats.org/drawingml/2006/main" xmlns:r="http://schemas.openxmlformats.org/officeDocument/2006/relationships" xmlns:p="http://schemas.openxmlformats.org/presentationml/2006/main">
   <p:cSld>
